--- a/Desktop Publishing & Presentation Graphics Applications/Microsoft PowerPoint-Comprehensive/Getting Started with Microsoft PowerPoint/Seattle.pptx
+++ b/Desktop Publishing & Presentation Graphics Applications/Microsoft PowerPoint-Comprehensive/Getting Started with Microsoft PowerPoint/Seattle.pptx
@@ -2,11 +2,8 @@
 <file path=ppt/presentation.xml><?xml version="1.0" encoding="utf-8"?>
 <p:presentation xmlns:a="http://schemas.openxmlformats.org/drawingml/2006/main" xmlns:r="http://schemas.openxmlformats.org/officeDocument/2006/relationships" xmlns:p="http://schemas.openxmlformats.org/presentationml/2006/main" saveSubsetFonts="1">
   <p:sldMasterIdLst>
-    <p:sldMasterId id="2147483924" r:id="rId1"/>
+    <p:sldMasterId id="2147483900" r:id="rId1"/>
   </p:sldMasterIdLst>
-  <p:notesMasterIdLst>
-    <p:notesMasterId r:id="rId9"/>
-  </p:notesMasterIdLst>
   <p:sldIdLst>
     <p:sldId id="264" r:id="rId2"/>
     <p:sldId id="260" r:id="rId3"/>
@@ -16,7 +13,7 @@
     <p:sldId id="258" r:id="rId7"/>
     <p:sldId id="259" r:id="rId8"/>
   </p:sldIdLst>
-  <p:sldSz cx="12192000" cy="6858000"/>
+  <p:sldSz cx="9144000" cy="6858000" type="screen4x3"/>
   <p:notesSz cx="6858000" cy="9144000"/>
   <p:defaultTextStyle>
     <a:defPPr>
@@ -124,7 +121,7 @@
 <file path=ppt/revisionInfo.xml><?xml version="1.0" encoding="utf-8"?>
 <p1510:revInfo xmlns:a="http://schemas.openxmlformats.org/drawingml/2006/main" xmlns:r="http://schemas.openxmlformats.org/officeDocument/2006/relationships" xmlns:p1510="http://schemas.microsoft.com/office/powerpoint/2015/10/main">
   <p1510:revLst>
-    <p1510:client id="{B90B7DA6-ADEA-4F08-A8B3-DE313E7D1105}" v="59" dt="2019-09-28T22:24:24.368"/>
+    <p1510:client id="{4725CB5F-4605-480E-9824-30CCFA0E54A6}" v="50" dt="2019-12-01T20:07:58.249"/>
   </p1510:revLst>
 </p1510:revInfo>
 </file>
@@ -132,27 +129,27 @@
 <file path=ppt/changesInfos/changesInfo1.xml><?xml version="1.0" encoding="utf-8"?>
 <pc:chgInfo xmlns:a="http://schemas.openxmlformats.org/drawingml/2006/main" xmlns:r="http://schemas.openxmlformats.org/officeDocument/2006/relationships" xmlns:ac="http://schemas.microsoft.com/office/drawing/2013/main/command" xmlns:pc="http://schemas.microsoft.com/office/powerpoint/2013/main/command">
   <pc:docChgLst>
-    <pc:chgData name="SOUMYA VAJJHALA" userId="f3e3711e514002e0" providerId="LiveId" clId="{B90B7DA6-ADEA-4F08-A8B3-DE313E7D1105}"/>
-    <pc:docChg chg="undo addSld delSld modSld sldOrd modMainMaster">
-      <pc:chgData name="SOUMYA VAJJHALA" userId="f3e3711e514002e0" providerId="LiveId" clId="{B90B7DA6-ADEA-4F08-A8B3-DE313E7D1105}" dt="2019-09-28T22:23:25.986" v="69"/>
+    <pc:chgData name="SOUMYA VAJJHALA" userId="f3e3711e514002e0" providerId="LiveId" clId="{4725CB5F-4605-480E-9824-30CCFA0E54A6}"/>
+    <pc:docChg chg="undo custSel addSld delSld modSld sldOrd modMainMaster">
+      <pc:chgData name="SOUMYA VAJJHALA" userId="f3e3711e514002e0" providerId="LiveId" clId="{4725CB5F-4605-480E-9824-30CCFA0E54A6}" dt="2019-12-01T20:07:58.249" v="86"/>
       <pc:docMkLst>
         <pc:docMk/>
       </pc:docMkLst>
       <pc:sldChg chg="del">
-        <pc:chgData name="SOUMYA VAJJHALA" userId="f3e3711e514002e0" providerId="LiveId" clId="{B90B7DA6-ADEA-4F08-A8B3-DE313E7D1105}" dt="2019-09-28T22:21:48.318" v="60" actId="2696"/>
+        <pc:chgData name="SOUMYA VAJJHALA" userId="f3e3711e514002e0" providerId="LiveId" clId="{4725CB5F-4605-480E-9824-30CCFA0E54A6}" dt="2019-12-01T20:05:56.328" v="79" actId="2696"/>
         <pc:sldMkLst>
           <pc:docMk/>
           <pc:sldMk cId="1863023238" sldId="257"/>
         </pc:sldMkLst>
       </pc:sldChg>
       <pc:sldChg chg="modSp ord modTransition">
-        <pc:chgData name="SOUMYA VAJJHALA" userId="f3e3711e514002e0" providerId="LiveId" clId="{B90B7DA6-ADEA-4F08-A8B3-DE313E7D1105}" dt="2019-09-28T22:23:25.986" v="69"/>
+        <pc:chgData name="SOUMYA VAJJHALA" userId="f3e3711e514002e0" providerId="LiveId" clId="{4725CB5F-4605-480E-9824-30CCFA0E54A6}" dt="2019-12-01T20:07:58.249" v="86"/>
         <pc:sldMkLst>
           <pc:docMk/>
           <pc:sldMk cId="829478752" sldId="258"/>
         </pc:sldMkLst>
         <pc:spChg chg="mod">
-          <ac:chgData name="SOUMYA VAJJHALA" userId="f3e3711e514002e0" providerId="LiveId" clId="{B90B7DA6-ADEA-4F08-A8B3-DE313E7D1105}" dt="2019-09-28T22:09:52.887" v="44" actId="947"/>
+          <ac:chgData name="SOUMYA VAJJHALA" userId="f3e3711e514002e0" providerId="LiveId" clId="{4725CB5F-4605-480E-9824-30CCFA0E54A6}" dt="2019-12-01T20:02:16.568" v="63" actId="947"/>
           <ac:spMkLst>
             <pc:docMk/>
             <pc:sldMk cId="829478752" sldId="258"/>
@@ -161,13 +158,13 @@
         </pc:spChg>
       </pc:sldChg>
       <pc:sldChg chg="modSp ord modTransition">
-        <pc:chgData name="SOUMYA VAJJHALA" userId="f3e3711e514002e0" providerId="LiveId" clId="{B90B7DA6-ADEA-4F08-A8B3-DE313E7D1105}" dt="2019-09-28T22:23:25.986" v="69"/>
+        <pc:chgData name="SOUMYA VAJJHALA" userId="f3e3711e514002e0" providerId="LiveId" clId="{4725CB5F-4605-480E-9824-30CCFA0E54A6}" dt="2019-12-01T20:07:58.249" v="86"/>
         <pc:sldMkLst>
           <pc:docMk/>
           <pc:sldMk cId="1622807326" sldId="259"/>
         </pc:sldMkLst>
         <pc:spChg chg="mod">
-          <ac:chgData name="SOUMYA VAJJHALA" userId="f3e3711e514002e0" providerId="LiveId" clId="{B90B7DA6-ADEA-4F08-A8B3-DE313E7D1105}" dt="2019-09-28T22:01:21.047" v="0"/>
+          <ac:chgData name="SOUMYA VAJJHALA" userId="f3e3711e514002e0" providerId="LiveId" clId="{4725CB5F-4605-480E-9824-30CCFA0E54A6}" dt="2019-12-01T19:52:32.478" v="1"/>
           <ac:spMkLst>
             <pc:docMk/>
             <pc:sldMk cId="1622807326" sldId="259"/>
@@ -176,13 +173,13 @@
         </pc:spChg>
       </pc:sldChg>
       <pc:sldChg chg="modSp ord modTransition">
-        <pc:chgData name="SOUMYA VAJJHALA" userId="f3e3711e514002e0" providerId="LiveId" clId="{B90B7DA6-ADEA-4F08-A8B3-DE313E7D1105}" dt="2019-09-28T22:23:25.986" v="69"/>
+        <pc:chgData name="SOUMYA VAJJHALA" userId="f3e3711e514002e0" providerId="LiveId" clId="{4725CB5F-4605-480E-9824-30CCFA0E54A6}" dt="2019-12-01T20:07:58.249" v="86"/>
         <pc:sldMkLst>
           <pc:docMk/>
           <pc:sldMk cId="583645046" sldId="260"/>
         </pc:sldMkLst>
         <pc:spChg chg="mod">
-          <ac:chgData name="SOUMYA VAJJHALA" userId="f3e3711e514002e0" providerId="LiveId" clId="{B90B7DA6-ADEA-4F08-A8B3-DE313E7D1105}" dt="2019-09-28T22:10:44.068" v="48" actId="122"/>
+          <ac:chgData name="SOUMYA VAJJHALA" userId="f3e3711e514002e0" providerId="LiveId" clId="{4725CB5F-4605-480E-9824-30CCFA0E54A6}" dt="2019-12-01T20:03:04.759" v="66" actId="122"/>
           <ac:spMkLst>
             <pc:docMk/>
             <pc:sldMk cId="583645046" sldId="260"/>
@@ -190,7 +187,7 @@
           </ac:spMkLst>
         </pc:spChg>
         <pc:spChg chg="mod">
-          <ac:chgData name="SOUMYA VAJJHALA" userId="f3e3711e514002e0" providerId="LiveId" clId="{B90B7DA6-ADEA-4F08-A8B3-DE313E7D1105}" dt="2019-09-28T22:10:54.794" v="49" actId="122"/>
+          <ac:chgData name="SOUMYA VAJJHALA" userId="f3e3711e514002e0" providerId="LiveId" clId="{4725CB5F-4605-480E-9824-30CCFA0E54A6}" dt="2019-12-01T20:03:07.054" v="67" actId="122"/>
           <ac:spMkLst>
             <pc:docMk/>
             <pc:sldMk cId="583645046" sldId="260"/>
@@ -199,13 +196,13 @@
         </pc:spChg>
       </pc:sldChg>
       <pc:sldChg chg="modSp ord modTransition">
-        <pc:chgData name="SOUMYA VAJJHALA" userId="f3e3711e514002e0" providerId="LiveId" clId="{B90B7DA6-ADEA-4F08-A8B3-DE313E7D1105}" dt="2019-09-28T22:23:25.986" v="69"/>
+        <pc:chgData name="SOUMYA VAJJHALA" userId="f3e3711e514002e0" providerId="LiveId" clId="{4725CB5F-4605-480E-9824-30CCFA0E54A6}" dt="2019-12-01T20:07:58.249" v="86"/>
         <pc:sldMkLst>
           <pc:docMk/>
           <pc:sldMk cId="1038816324" sldId="261"/>
         </pc:sldMkLst>
         <pc:spChg chg="mod">
-          <ac:chgData name="SOUMYA VAJJHALA" userId="f3e3711e514002e0" providerId="LiveId" clId="{B90B7DA6-ADEA-4F08-A8B3-DE313E7D1105}" dt="2019-09-28T22:11:08.044" v="50" actId="2710"/>
+          <ac:chgData name="SOUMYA VAJJHALA" userId="f3e3711e514002e0" providerId="LiveId" clId="{4725CB5F-4605-480E-9824-30CCFA0E54A6}" dt="2019-12-01T20:03:15.492" v="68" actId="2710"/>
           <ac:spMkLst>
             <pc:docMk/>
             <pc:sldMk cId="1038816324" sldId="261"/>
@@ -213,14 +210,14 @@
           </ac:spMkLst>
         </pc:spChg>
       </pc:sldChg>
-      <pc:sldChg chg="modSp ord modTransition">
-        <pc:chgData name="SOUMYA VAJJHALA" userId="f3e3711e514002e0" providerId="LiveId" clId="{B90B7DA6-ADEA-4F08-A8B3-DE313E7D1105}" dt="2019-09-28T22:23:25.986" v="69"/>
+      <pc:sldChg chg="modSp modTransition">
+        <pc:chgData name="SOUMYA VAJJHALA" userId="f3e3711e514002e0" providerId="LiveId" clId="{4725CB5F-4605-480E-9824-30CCFA0E54A6}" dt="2019-12-01T20:07:58.249" v="86"/>
         <pc:sldMkLst>
           <pc:docMk/>
           <pc:sldMk cId="1496063175" sldId="262"/>
         </pc:sldMkLst>
         <pc:spChg chg="mod">
-          <ac:chgData name="SOUMYA VAJJHALA" userId="f3e3711e514002e0" providerId="LiveId" clId="{B90B7DA6-ADEA-4F08-A8B3-DE313E7D1105}" dt="2019-09-28T22:06:13.053" v="35"/>
+          <ac:chgData name="SOUMYA VAJJHALA" userId="f3e3711e514002e0" providerId="LiveId" clId="{4725CB5F-4605-480E-9824-30CCFA0E54A6}" dt="2019-12-01T19:56:36.294" v="37"/>
           <ac:spMkLst>
             <pc:docMk/>
             <pc:sldMk cId="1496063175" sldId="262"/>
@@ -229,50 +226,50 @@
         </pc:spChg>
       </pc:sldChg>
       <pc:sldChg chg="del">
-        <pc:chgData name="SOUMYA VAJJHALA" userId="f3e3711e514002e0" providerId="LiveId" clId="{B90B7DA6-ADEA-4F08-A8B3-DE313E7D1105}" dt="2019-09-28T22:05:28.752" v="33" actId="2696"/>
+        <pc:chgData name="SOUMYA VAJJHALA" userId="f3e3711e514002e0" providerId="LiveId" clId="{4725CB5F-4605-480E-9824-30CCFA0E54A6}" dt="2019-12-01T19:55:31.997" v="34" actId="2696"/>
         <pc:sldMkLst>
           <pc:docMk/>
           <pc:sldMk cId="1959685738" sldId="263"/>
         </pc:sldMkLst>
       </pc:sldChg>
       <pc:sldChg chg="modSp add ord modTransition setBg">
-        <pc:chgData name="SOUMYA VAJJHALA" userId="f3e3711e514002e0" providerId="LiveId" clId="{B90B7DA6-ADEA-4F08-A8B3-DE313E7D1105}" dt="2019-09-28T22:23:25.986" v="69"/>
+        <pc:chgData name="SOUMYA VAJJHALA" userId="f3e3711e514002e0" providerId="LiveId" clId="{4725CB5F-4605-480E-9824-30CCFA0E54A6}" dt="2019-12-01T20:07:58.249" v="86"/>
         <pc:sldMkLst>
           <pc:docMk/>
-          <pc:sldMk cId="1404370098" sldId="264"/>
+          <pc:sldMk cId="2360001570" sldId="264"/>
         </pc:sldMkLst>
         <pc:spChg chg="mod">
-          <ac:chgData name="SOUMYA VAJJHALA" userId="f3e3711e514002e0" providerId="LiveId" clId="{B90B7DA6-ADEA-4F08-A8B3-DE313E7D1105}" dt="2019-09-28T22:08:23.508" v="43" actId="403"/>
+          <ac:chgData name="SOUMYA VAJJHALA" userId="f3e3711e514002e0" providerId="LiveId" clId="{4725CB5F-4605-480E-9824-30CCFA0E54A6}" dt="2019-12-01T20:00:50.667" v="58" actId="1076"/>
           <ac:spMkLst>
             <pc:docMk/>
-            <pc:sldMk cId="1404370098" sldId="264"/>
+            <pc:sldMk cId="2360001570" sldId="264"/>
             <ac:spMk id="3" creationId="{00000000-0000-0000-0000-000000000000}"/>
           </ac:spMkLst>
         </pc:spChg>
       </pc:sldChg>
-      <pc:sldChg chg="modSp add ord modTransition">
-        <pc:chgData name="SOUMYA VAJJHALA" userId="f3e3711e514002e0" providerId="LiveId" clId="{B90B7DA6-ADEA-4F08-A8B3-DE313E7D1105}" dt="2019-09-28T22:23:25.986" v="69"/>
+      <pc:sldChg chg="modSp add modTransition">
+        <pc:chgData name="SOUMYA VAJJHALA" userId="f3e3711e514002e0" providerId="LiveId" clId="{4725CB5F-4605-480E-9824-30CCFA0E54A6}" dt="2019-12-01T20:07:58.249" v="86"/>
         <pc:sldMkLst>
           <pc:docMk/>
-          <pc:sldMk cId="76303506" sldId="265"/>
+          <pc:sldMk cId="2509816388" sldId="265"/>
         </pc:sldMkLst>
         <pc:spChg chg="mod">
-          <ac:chgData name="SOUMYA VAJJHALA" userId="f3e3711e514002e0" providerId="LiveId" clId="{B90B7DA6-ADEA-4F08-A8B3-DE313E7D1105}" dt="2019-09-28T22:06:13.053" v="35"/>
+          <ac:chgData name="SOUMYA VAJJHALA" userId="f3e3711e514002e0" providerId="LiveId" clId="{4725CB5F-4605-480E-9824-30CCFA0E54A6}" dt="2019-12-01T19:56:36.294" v="37"/>
           <ac:spMkLst>
             <pc:docMk/>
-            <pc:sldMk cId="76303506" sldId="265"/>
+            <pc:sldMk cId="2509816388" sldId="265"/>
             <ac:spMk id="3" creationId="{00000000-0000-0000-0000-000000000000}"/>
           </ac:spMkLst>
         </pc:spChg>
       </pc:sldChg>
       <pc:sldMasterChg chg="modSp modSldLayout">
-        <pc:chgData name="SOUMYA VAJJHALA" userId="f3e3711e514002e0" providerId="LiveId" clId="{B90B7DA6-ADEA-4F08-A8B3-DE313E7D1105}" dt="2019-09-28T22:01:21.047" v="0"/>
+        <pc:chgData name="SOUMYA VAJJHALA" userId="f3e3711e514002e0" providerId="LiveId" clId="{4725CB5F-4605-480E-9824-30CCFA0E54A6}" dt="2019-12-01T19:52:32.478" v="1"/>
         <pc:sldMasterMkLst>
           <pc:docMk/>
           <pc:sldMasterMk cId="1605584857" sldId="2147483864"/>
         </pc:sldMasterMkLst>
         <pc:spChg chg="mod">
-          <ac:chgData name="SOUMYA VAJJHALA" userId="f3e3711e514002e0" providerId="LiveId" clId="{B90B7DA6-ADEA-4F08-A8B3-DE313E7D1105}" dt="2019-09-28T22:01:21.047" v="0"/>
+          <ac:chgData name="SOUMYA VAJJHALA" userId="f3e3711e514002e0" providerId="LiveId" clId="{4725CB5F-4605-480E-9824-30CCFA0E54A6}" dt="2019-12-01T19:52:32.478" v="1"/>
           <ac:spMkLst>
             <pc:docMk/>
             <pc:sldMasterMk cId="1605584857" sldId="2147483864"/>
@@ -280,7 +277,7 @@
           </ac:spMkLst>
         </pc:spChg>
         <pc:spChg chg="mod">
-          <ac:chgData name="SOUMYA VAJJHALA" userId="f3e3711e514002e0" providerId="LiveId" clId="{B90B7DA6-ADEA-4F08-A8B3-DE313E7D1105}" dt="2019-09-28T22:01:21.047" v="0"/>
+          <ac:chgData name="SOUMYA VAJJHALA" userId="f3e3711e514002e0" providerId="LiveId" clId="{4725CB5F-4605-480E-9824-30CCFA0E54A6}" dt="2019-12-01T19:52:32.478" v="1"/>
           <ac:spMkLst>
             <pc:docMk/>
             <pc:sldMasterMk cId="1605584857" sldId="2147483864"/>
@@ -288,7 +285,7 @@
           </ac:spMkLst>
         </pc:spChg>
         <pc:spChg chg="mod">
-          <ac:chgData name="SOUMYA VAJJHALA" userId="f3e3711e514002e0" providerId="LiveId" clId="{B90B7DA6-ADEA-4F08-A8B3-DE313E7D1105}" dt="2019-09-28T22:01:21.047" v="0"/>
+          <ac:chgData name="SOUMYA VAJJHALA" userId="f3e3711e514002e0" providerId="LiveId" clId="{4725CB5F-4605-480E-9824-30CCFA0E54A6}" dt="2019-12-01T19:52:32.478" v="1"/>
           <ac:spMkLst>
             <pc:docMk/>
             <pc:sldMasterMk cId="1605584857" sldId="2147483864"/>
@@ -296,7 +293,7 @@
           </ac:spMkLst>
         </pc:spChg>
         <pc:spChg chg="mod">
-          <ac:chgData name="SOUMYA VAJJHALA" userId="f3e3711e514002e0" providerId="LiveId" clId="{B90B7DA6-ADEA-4F08-A8B3-DE313E7D1105}" dt="2019-09-28T22:01:21.047" v="0"/>
+          <ac:chgData name="SOUMYA VAJJHALA" userId="f3e3711e514002e0" providerId="LiveId" clId="{4725CB5F-4605-480E-9824-30CCFA0E54A6}" dt="2019-12-01T19:52:32.478" v="1"/>
           <ac:spMkLst>
             <pc:docMk/>
             <pc:sldMasterMk cId="1605584857" sldId="2147483864"/>
@@ -304,7 +301,7 @@
           </ac:spMkLst>
         </pc:spChg>
         <pc:spChg chg="mod">
-          <ac:chgData name="SOUMYA VAJJHALA" userId="f3e3711e514002e0" providerId="LiveId" clId="{B90B7DA6-ADEA-4F08-A8B3-DE313E7D1105}" dt="2019-09-28T22:01:21.047" v="0"/>
+          <ac:chgData name="SOUMYA VAJJHALA" userId="f3e3711e514002e0" providerId="LiveId" clId="{4725CB5F-4605-480E-9824-30CCFA0E54A6}" dt="2019-12-01T19:52:32.478" v="1"/>
           <ac:spMkLst>
             <pc:docMk/>
             <pc:sldMasterMk cId="1605584857" sldId="2147483864"/>
@@ -312,14 +309,14 @@
           </ac:spMkLst>
         </pc:spChg>
         <pc:sldLayoutChg chg="modSp">
-          <pc:chgData name="SOUMYA VAJJHALA" userId="f3e3711e514002e0" providerId="LiveId" clId="{B90B7DA6-ADEA-4F08-A8B3-DE313E7D1105}" dt="2019-09-28T22:01:21.047" v="0"/>
+          <pc:chgData name="SOUMYA VAJJHALA" userId="f3e3711e514002e0" providerId="LiveId" clId="{4725CB5F-4605-480E-9824-30CCFA0E54A6}" dt="2019-12-01T19:52:32.478" v="1"/>
           <pc:sldLayoutMkLst>
             <pc:docMk/>
             <pc:sldMasterMk cId="1605584857" sldId="2147483864"/>
             <pc:sldLayoutMk cId="1634196270" sldId="2147483865"/>
           </pc:sldLayoutMkLst>
           <pc:spChg chg="mod">
-            <ac:chgData name="SOUMYA VAJJHALA" userId="f3e3711e514002e0" providerId="LiveId" clId="{B90B7DA6-ADEA-4F08-A8B3-DE313E7D1105}" dt="2019-09-28T22:01:21.047" v="0"/>
+            <ac:chgData name="SOUMYA VAJJHALA" userId="f3e3711e514002e0" providerId="LiveId" clId="{4725CB5F-4605-480E-9824-30CCFA0E54A6}" dt="2019-12-01T19:52:32.478" v="1"/>
             <ac:spMkLst>
               <pc:docMk/>
               <pc:sldMasterMk cId="1605584857" sldId="2147483864"/>
@@ -328,7 +325,7 @@
             </ac:spMkLst>
           </pc:spChg>
           <pc:spChg chg="mod">
-            <ac:chgData name="SOUMYA VAJJHALA" userId="f3e3711e514002e0" providerId="LiveId" clId="{B90B7DA6-ADEA-4F08-A8B3-DE313E7D1105}" dt="2019-09-28T22:01:21.047" v="0"/>
+            <ac:chgData name="SOUMYA VAJJHALA" userId="f3e3711e514002e0" providerId="LiveId" clId="{4725CB5F-4605-480E-9824-30CCFA0E54A6}" dt="2019-12-01T19:52:32.478" v="1"/>
             <ac:spMkLst>
               <pc:docMk/>
               <pc:sldMasterMk cId="1605584857" sldId="2147483864"/>
@@ -338,14 +335,14 @@
           </pc:spChg>
         </pc:sldLayoutChg>
         <pc:sldLayoutChg chg="modSp">
-          <pc:chgData name="SOUMYA VAJJHALA" userId="f3e3711e514002e0" providerId="LiveId" clId="{B90B7DA6-ADEA-4F08-A8B3-DE313E7D1105}" dt="2019-09-28T22:01:21.047" v="0"/>
+          <pc:chgData name="SOUMYA VAJJHALA" userId="f3e3711e514002e0" providerId="LiveId" clId="{4725CB5F-4605-480E-9824-30CCFA0E54A6}" dt="2019-12-01T19:52:32.478" v="1"/>
           <pc:sldLayoutMkLst>
             <pc:docMk/>
             <pc:sldMasterMk cId="1605584857" sldId="2147483864"/>
             <pc:sldLayoutMk cId="661389444" sldId="2147483867"/>
           </pc:sldLayoutMkLst>
           <pc:spChg chg="mod">
-            <ac:chgData name="SOUMYA VAJJHALA" userId="f3e3711e514002e0" providerId="LiveId" clId="{B90B7DA6-ADEA-4F08-A8B3-DE313E7D1105}" dt="2019-09-28T22:01:21.047" v="0"/>
+            <ac:chgData name="SOUMYA VAJJHALA" userId="f3e3711e514002e0" providerId="LiveId" clId="{4725CB5F-4605-480E-9824-30CCFA0E54A6}" dt="2019-12-01T19:52:32.478" v="1"/>
             <ac:spMkLst>
               <pc:docMk/>
               <pc:sldMasterMk cId="1605584857" sldId="2147483864"/>
@@ -354,7 +351,7 @@
             </ac:spMkLst>
           </pc:spChg>
           <pc:spChg chg="mod">
-            <ac:chgData name="SOUMYA VAJJHALA" userId="f3e3711e514002e0" providerId="LiveId" clId="{B90B7DA6-ADEA-4F08-A8B3-DE313E7D1105}" dt="2019-09-28T22:01:21.047" v="0"/>
+            <ac:chgData name="SOUMYA VAJJHALA" userId="f3e3711e514002e0" providerId="LiveId" clId="{4725CB5F-4605-480E-9824-30CCFA0E54A6}" dt="2019-12-01T19:52:32.478" v="1"/>
             <ac:spMkLst>
               <pc:docMk/>
               <pc:sldMasterMk cId="1605584857" sldId="2147483864"/>
@@ -364,14 +361,14 @@
           </pc:spChg>
         </pc:sldLayoutChg>
         <pc:sldLayoutChg chg="modSp">
-          <pc:chgData name="SOUMYA VAJJHALA" userId="f3e3711e514002e0" providerId="LiveId" clId="{B90B7DA6-ADEA-4F08-A8B3-DE313E7D1105}" dt="2019-09-28T22:01:21.047" v="0"/>
+          <pc:chgData name="SOUMYA VAJJHALA" userId="f3e3711e514002e0" providerId="LiveId" clId="{4725CB5F-4605-480E-9824-30CCFA0E54A6}" dt="2019-12-01T19:52:32.478" v="1"/>
           <pc:sldLayoutMkLst>
             <pc:docMk/>
             <pc:sldMasterMk cId="1605584857" sldId="2147483864"/>
             <pc:sldLayoutMk cId="1371076423" sldId="2147483868"/>
           </pc:sldLayoutMkLst>
           <pc:spChg chg="mod">
-            <ac:chgData name="SOUMYA VAJJHALA" userId="f3e3711e514002e0" providerId="LiveId" clId="{B90B7DA6-ADEA-4F08-A8B3-DE313E7D1105}" dt="2019-09-28T22:01:21.047" v="0"/>
+            <ac:chgData name="SOUMYA VAJJHALA" userId="f3e3711e514002e0" providerId="LiveId" clId="{4725CB5F-4605-480E-9824-30CCFA0E54A6}" dt="2019-12-01T19:52:32.478" v="1"/>
             <ac:spMkLst>
               <pc:docMk/>
               <pc:sldMasterMk cId="1605584857" sldId="2147483864"/>
@@ -380,7 +377,7 @@
             </ac:spMkLst>
           </pc:spChg>
           <pc:spChg chg="mod">
-            <ac:chgData name="SOUMYA VAJJHALA" userId="f3e3711e514002e0" providerId="LiveId" clId="{B90B7DA6-ADEA-4F08-A8B3-DE313E7D1105}" dt="2019-09-28T22:01:21.047" v="0"/>
+            <ac:chgData name="SOUMYA VAJJHALA" userId="f3e3711e514002e0" providerId="LiveId" clId="{4725CB5F-4605-480E-9824-30CCFA0E54A6}" dt="2019-12-01T19:52:32.478" v="1"/>
             <ac:spMkLst>
               <pc:docMk/>
               <pc:sldMasterMk cId="1605584857" sldId="2147483864"/>
@@ -390,14 +387,14 @@
           </pc:spChg>
         </pc:sldLayoutChg>
         <pc:sldLayoutChg chg="modSp">
-          <pc:chgData name="SOUMYA VAJJHALA" userId="f3e3711e514002e0" providerId="LiveId" clId="{B90B7DA6-ADEA-4F08-A8B3-DE313E7D1105}" dt="2019-09-28T22:01:21.047" v="0"/>
+          <pc:chgData name="SOUMYA VAJJHALA" userId="f3e3711e514002e0" providerId="LiveId" clId="{4725CB5F-4605-480E-9824-30CCFA0E54A6}" dt="2019-12-01T19:52:32.478" v="1"/>
           <pc:sldLayoutMkLst>
             <pc:docMk/>
             <pc:sldMasterMk cId="1605584857" sldId="2147483864"/>
             <pc:sldLayoutMk cId="1919839944" sldId="2147483869"/>
           </pc:sldLayoutMkLst>
           <pc:spChg chg="mod">
-            <ac:chgData name="SOUMYA VAJJHALA" userId="f3e3711e514002e0" providerId="LiveId" clId="{B90B7DA6-ADEA-4F08-A8B3-DE313E7D1105}" dt="2019-09-28T22:01:21.047" v="0"/>
+            <ac:chgData name="SOUMYA VAJJHALA" userId="f3e3711e514002e0" providerId="LiveId" clId="{4725CB5F-4605-480E-9824-30CCFA0E54A6}" dt="2019-12-01T19:52:32.478" v="1"/>
             <ac:spMkLst>
               <pc:docMk/>
               <pc:sldMasterMk cId="1605584857" sldId="2147483864"/>
@@ -406,7 +403,7 @@
             </ac:spMkLst>
           </pc:spChg>
           <pc:spChg chg="mod">
-            <ac:chgData name="SOUMYA VAJJHALA" userId="f3e3711e514002e0" providerId="LiveId" clId="{B90B7DA6-ADEA-4F08-A8B3-DE313E7D1105}" dt="2019-09-28T22:01:21.047" v="0"/>
+            <ac:chgData name="SOUMYA VAJJHALA" userId="f3e3711e514002e0" providerId="LiveId" clId="{4725CB5F-4605-480E-9824-30CCFA0E54A6}" dt="2019-12-01T19:52:32.478" v="1"/>
             <ac:spMkLst>
               <pc:docMk/>
               <pc:sldMasterMk cId="1605584857" sldId="2147483864"/>
@@ -415,7 +412,7 @@
             </ac:spMkLst>
           </pc:spChg>
           <pc:spChg chg="mod">
-            <ac:chgData name="SOUMYA VAJJHALA" userId="f3e3711e514002e0" providerId="LiveId" clId="{B90B7DA6-ADEA-4F08-A8B3-DE313E7D1105}" dt="2019-09-28T22:01:21.047" v="0"/>
+            <ac:chgData name="SOUMYA VAJJHALA" userId="f3e3711e514002e0" providerId="LiveId" clId="{4725CB5F-4605-480E-9824-30CCFA0E54A6}" dt="2019-12-01T19:52:32.478" v="1"/>
             <ac:spMkLst>
               <pc:docMk/>
               <pc:sldMasterMk cId="1605584857" sldId="2147483864"/>
@@ -424,7 +421,7 @@
             </ac:spMkLst>
           </pc:spChg>
           <pc:spChg chg="mod">
-            <ac:chgData name="SOUMYA VAJJHALA" userId="f3e3711e514002e0" providerId="LiveId" clId="{B90B7DA6-ADEA-4F08-A8B3-DE313E7D1105}" dt="2019-09-28T22:01:21.047" v="0"/>
+            <ac:chgData name="SOUMYA VAJJHALA" userId="f3e3711e514002e0" providerId="LiveId" clId="{4725CB5F-4605-480E-9824-30CCFA0E54A6}" dt="2019-12-01T19:52:32.478" v="1"/>
             <ac:spMkLst>
               <pc:docMk/>
               <pc:sldMasterMk cId="1605584857" sldId="2147483864"/>
@@ -433,7 +430,7 @@
             </ac:spMkLst>
           </pc:spChg>
           <pc:spChg chg="mod">
-            <ac:chgData name="SOUMYA VAJJHALA" userId="f3e3711e514002e0" providerId="LiveId" clId="{B90B7DA6-ADEA-4F08-A8B3-DE313E7D1105}" dt="2019-09-28T22:01:21.047" v="0"/>
+            <ac:chgData name="SOUMYA VAJJHALA" userId="f3e3711e514002e0" providerId="LiveId" clId="{4725CB5F-4605-480E-9824-30CCFA0E54A6}" dt="2019-12-01T19:52:32.478" v="1"/>
             <ac:spMkLst>
               <pc:docMk/>
               <pc:sldMasterMk cId="1605584857" sldId="2147483864"/>
@@ -443,14 +440,14 @@
           </pc:spChg>
         </pc:sldLayoutChg>
         <pc:sldLayoutChg chg="modSp">
-          <pc:chgData name="SOUMYA VAJJHALA" userId="f3e3711e514002e0" providerId="LiveId" clId="{B90B7DA6-ADEA-4F08-A8B3-DE313E7D1105}" dt="2019-09-28T22:01:21.047" v="0"/>
+          <pc:chgData name="SOUMYA VAJJHALA" userId="f3e3711e514002e0" providerId="LiveId" clId="{4725CB5F-4605-480E-9824-30CCFA0E54A6}" dt="2019-12-01T19:52:32.478" v="1"/>
           <pc:sldLayoutMkLst>
             <pc:docMk/>
             <pc:sldMasterMk cId="1605584857" sldId="2147483864"/>
             <pc:sldLayoutMk cId="4044783473" sldId="2147483872"/>
           </pc:sldLayoutMkLst>
           <pc:spChg chg="mod">
-            <ac:chgData name="SOUMYA VAJJHALA" userId="f3e3711e514002e0" providerId="LiveId" clId="{B90B7DA6-ADEA-4F08-A8B3-DE313E7D1105}" dt="2019-09-28T22:01:21.047" v="0"/>
+            <ac:chgData name="SOUMYA VAJJHALA" userId="f3e3711e514002e0" providerId="LiveId" clId="{4725CB5F-4605-480E-9824-30CCFA0E54A6}" dt="2019-12-01T19:52:32.478" v="1"/>
             <ac:spMkLst>
               <pc:docMk/>
               <pc:sldMasterMk cId="1605584857" sldId="2147483864"/>
@@ -459,7 +456,7 @@
             </ac:spMkLst>
           </pc:spChg>
           <pc:spChg chg="mod">
-            <ac:chgData name="SOUMYA VAJJHALA" userId="f3e3711e514002e0" providerId="LiveId" clId="{B90B7DA6-ADEA-4F08-A8B3-DE313E7D1105}" dt="2019-09-28T22:01:21.047" v="0"/>
+            <ac:chgData name="SOUMYA VAJJHALA" userId="f3e3711e514002e0" providerId="LiveId" clId="{4725CB5F-4605-480E-9824-30CCFA0E54A6}" dt="2019-12-01T19:52:32.478" v="1"/>
             <ac:spMkLst>
               <pc:docMk/>
               <pc:sldMasterMk cId="1605584857" sldId="2147483864"/>
@@ -468,7 +465,7 @@
             </ac:spMkLst>
           </pc:spChg>
           <pc:spChg chg="mod">
-            <ac:chgData name="SOUMYA VAJJHALA" userId="f3e3711e514002e0" providerId="LiveId" clId="{B90B7DA6-ADEA-4F08-A8B3-DE313E7D1105}" dt="2019-09-28T22:01:21.047" v="0"/>
+            <ac:chgData name="SOUMYA VAJJHALA" userId="f3e3711e514002e0" providerId="LiveId" clId="{4725CB5F-4605-480E-9824-30CCFA0E54A6}" dt="2019-12-01T19:52:32.478" v="1"/>
             <ac:spMkLst>
               <pc:docMk/>
               <pc:sldMasterMk cId="1605584857" sldId="2147483864"/>
@@ -478,14 +475,14 @@
           </pc:spChg>
         </pc:sldLayoutChg>
         <pc:sldLayoutChg chg="modSp">
-          <pc:chgData name="SOUMYA VAJJHALA" userId="f3e3711e514002e0" providerId="LiveId" clId="{B90B7DA6-ADEA-4F08-A8B3-DE313E7D1105}" dt="2019-09-28T22:01:21.047" v="0"/>
+          <pc:chgData name="SOUMYA VAJJHALA" userId="f3e3711e514002e0" providerId="LiveId" clId="{4725CB5F-4605-480E-9824-30CCFA0E54A6}" dt="2019-12-01T19:52:32.478" v="1"/>
           <pc:sldLayoutMkLst>
             <pc:docMk/>
             <pc:sldMasterMk cId="1605584857" sldId="2147483864"/>
             <pc:sldLayoutMk cId="3818195506" sldId="2147483873"/>
           </pc:sldLayoutMkLst>
           <pc:spChg chg="mod">
-            <ac:chgData name="SOUMYA VAJJHALA" userId="f3e3711e514002e0" providerId="LiveId" clId="{B90B7DA6-ADEA-4F08-A8B3-DE313E7D1105}" dt="2019-09-28T22:01:21.047" v="0"/>
+            <ac:chgData name="SOUMYA VAJJHALA" userId="f3e3711e514002e0" providerId="LiveId" clId="{4725CB5F-4605-480E-9824-30CCFA0E54A6}" dt="2019-12-01T19:52:32.478" v="1"/>
             <ac:spMkLst>
               <pc:docMk/>
               <pc:sldMasterMk cId="1605584857" sldId="2147483864"/>
@@ -494,7 +491,7 @@
             </ac:spMkLst>
           </pc:spChg>
           <pc:spChg chg="mod">
-            <ac:chgData name="SOUMYA VAJJHALA" userId="f3e3711e514002e0" providerId="LiveId" clId="{B90B7DA6-ADEA-4F08-A8B3-DE313E7D1105}" dt="2019-09-28T22:01:21.047" v="0"/>
+            <ac:chgData name="SOUMYA VAJJHALA" userId="f3e3711e514002e0" providerId="LiveId" clId="{4725CB5F-4605-480E-9824-30CCFA0E54A6}" dt="2019-12-01T19:52:32.478" v="1"/>
             <ac:spMkLst>
               <pc:docMk/>
               <pc:sldMasterMk cId="1605584857" sldId="2147483864"/>
@@ -503,7 +500,7 @@
             </ac:spMkLst>
           </pc:spChg>
           <pc:spChg chg="mod">
-            <ac:chgData name="SOUMYA VAJJHALA" userId="f3e3711e514002e0" providerId="LiveId" clId="{B90B7DA6-ADEA-4F08-A8B3-DE313E7D1105}" dt="2019-09-28T22:01:21.047" v="0"/>
+            <ac:chgData name="SOUMYA VAJJHALA" userId="f3e3711e514002e0" providerId="LiveId" clId="{4725CB5F-4605-480E-9824-30CCFA0E54A6}" dt="2019-12-01T19:52:32.478" v="1"/>
             <ac:spMkLst>
               <pc:docMk/>
               <pc:sldMasterMk cId="1605584857" sldId="2147483864"/>
@@ -513,14 +510,14 @@
           </pc:spChg>
         </pc:sldLayoutChg>
         <pc:sldLayoutChg chg="modSp">
-          <pc:chgData name="SOUMYA VAJJHALA" userId="f3e3711e514002e0" providerId="LiveId" clId="{B90B7DA6-ADEA-4F08-A8B3-DE313E7D1105}" dt="2019-09-28T22:01:21.047" v="0"/>
+          <pc:chgData name="SOUMYA VAJJHALA" userId="f3e3711e514002e0" providerId="LiveId" clId="{4725CB5F-4605-480E-9824-30CCFA0E54A6}" dt="2019-12-01T19:52:32.478" v="1"/>
           <pc:sldLayoutMkLst>
             <pc:docMk/>
             <pc:sldMasterMk cId="1605584857" sldId="2147483864"/>
             <pc:sldLayoutMk cId="733748705" sldId="2147483875"/>
           </pc:sldLayoutMkLst>
           <pc:spChg chg="mod">
-            <ac:chgData name="SOUMYA VAJJHALA" userId="f3e3711e514002e0" providerId="LiveId" clId="{B90B7DA6-ADEA-4F08-A8B3-DE313E7D1105}" dt="2019-09-28T22:01:21.047" v="0"/>
+            <ac:chgData name="SOUMYA VAJJHALA" userId="f3e3711e514002e0" providerId="LiveId" clId="{4725CB5F-4605-480E-9824-30CCFA0E54A6}" dt="2019-12-01T19:52:32.478" v="1"/>
             <ac:spMkLst>
               <pc:docMk/>
               <pc:sldMasterMk cId="1605584857" sldId="2147483864"/>
@@ -529,7 +526,7 @@
             </ac:spMkLst>
           </pc:spChg>
           <pc:spChg chg="mod">
-            <ac:chgData name="SOUMYA VAJJHALA" userId="f3e3711e514002e0" providerId="LiveId" clId="{B90B7DA6-ADEA-4F08-A8B3-DE313E7D1105}" dt="2019-09-28T22:01:21.047" v="0"/>
+            <ac:chgData name="SOUMYA VAJJHALA" userId="f3e3711e514002e0" providerId="LiveId" clId="{4725CB5F-4605-480E-9824-30CCFA0E54A6}" dt="2019-12-01T19:52:32.478" v="1"/>
             <ac:spMkLst>
               <pc:docMk/>
               <pc:sldMasterMk cId="1605584857" sldId="2147483864"/>
@@ -540,452 +537,103 @@
         </pc:sldLayoutChg>
       </pc:sldMasterChg>
       <pc:sldMasterChg chg="modTransition modSldLayout">
-        <pc:chgData name="SOUMYA VAJJHALA" userId="f3e3711e514002e0" providerId="LiveId" clId="{B90B7DA6-ADEA-4F08-A8B3-DE313E7D1105}" dt="2019-09-28T22:23:25.986" v="69"/>
+        <pc:chgData name="SOUMYA VAJJHALA" userId="f3e3711e514002e0" providerId="LiveId" clId="{4725CB5F-4605-480E-9824-30CCFA0E54A6}" dt="2019-12-01T20:07:58.249" v="86"/>
         <pc:sldMasterMkLst>
           <pc:docMk/>
-          <pc:sldMasterMk cId="1044736884" sldId="2147483924"/>
+          <pc:sldMasterMk cId="2047013614" sldId="2147483900"/>
         </pc:sldMasterMkLst>
         <pc:sldLayoutChg chg="modTransition">
-          <pc:chgData name="SOUMYA VAJJHALA" userId="f3e3711e514002e0" providerId="LiveId" clId="{B90B7DA6-ADEA-4F08-A8B3-DE313E7D1105}" dt="2019-09-28T22:23:25.986" v="69"/>
+          <pc:chgData name="SOUMYA VAJJHALA" userId="f3e3711e514002e0" providerId="LiveId" clId="{4725CB5F-4605-480E-9824-30CCFA0E54A6}" dt="2019-12-01T20:07:58.249" v="86"/>
           <pc:sldLayoutMkLst>
             <pc:docMk/>
-            <pc:sldMasterMk cId="1044736884" sldId="2147483924"/>
-            <pc:sldLayoutMk cId="3959073353" sldId="2147483925"/>
+            <pc:sldMasterMk cId="2047013614" sldId="2147483900"/>
+            <pc:sldLayoutMk cId="3902438096" sldId="2147483901"/>
           </pc:sldLayoutMkLst>
         </pc:sldLayoutChg>
         <pc:sldLayoutChg chg="modTransition">
-          <pc:chgData name="SOUMYA VAJJHALA" userId="f3e3711e514002e0" providerId="LiveId" clId="{B90B7DA6-ADEA-4F08-A8B3-DE313E7D1105}" dt="2019-09-28T22:23:25.986" v="69"/>
+          <pc:chgData name="SOUMYA VAJJHALA" userId="f3e3711e514002e0" providerId="LiveId" clId="{4725CB5F-4605-480E-9824-30CCFA0E54A6}" dt="2019-12-01T20:07:58.249" v="86"/>
           <pc:sldLayoutMkLst>
             <pc:docMk/>
-            <pc:sldMasterMk cId="1044736884" sldId="2147483924"/>
-            <pc:sldLayoutMk cId="1176222049" sldId="2147483926"/>
+            <pc:sldMasterMk cId="2047013614" sldId="2147483900"/>
+            <pc:sldLayoutMk cId="495098709" sldId="2147483902"/>
           </pc:sldLayoutMkLst>
         </pc:sldLayoutChg>
         <pc:sldLayoutChg chg="modTransition">
-          <pc:chgData name="SOUMYA VAJJHALA" userId="f3e3711e514002e0" providerId="LiveId" clId="{B90B7DA6-ADEA-4F08-A8B3-DE313E7D1105}" dt="2019-09-28T22:23:25.986" v="69"/>
+          <pc:chgData name="SOUMYA VAJJHALA" userId="f3e3711e514002e0" providerId="LiveId" clId="{4725CB5F-4605-480E-9824-30CCFA0E54A6}" dt="2019-12-01T20:07:58.249" v="86"/>
           <pc:sldLayoutMkLst>
             <pc:docMk/>
-            <pc:sldMasterMk cId="1044736884" sldId="2147483924"/>
-            <pc:sldLayoutMk cId="1954421762" sldId="2147483927"/>
+            <pc:sldMasterMk cId="2047013614" sldId="2147483900"/>
+            <pc:sldLayoutMk cId="1275230993" sldId="2147483903"/>
           </pc:sldLayoutMkLst>
         </pc:sldLayoutChg>
         <pc:sldLayoutChg chg="modTransition">
-          <pc:chgData name="SOUMYA VAJJHALA" userId="f3e3711e514002e0" providerId="LiveId" clId="{B90B7DA6-ADEA-4F08-A8B3-DE313E7D1105}" dt="2019-09-28T22:23:25.986" v="69"/>
+          <pc:chgData name="SOUMYA VAJJHALA" userId="f3e3711e514002e0" providerId="LiveId" clId="{4725CB5F-4605-480E-9824-30CCFA0E54A6}" dt="2019-12-01T20:07:58.249" v="86"/>
           <pc:sldLayoutMkLst>
             <pc:docMk/>
-            <pc:sldMasterMk cId="1044736884" sldId="2147483924"/>
-            <pc:sldLayoutMk cId="1793611092" sldId="2147483928"/>
+            <pc:sldMasterMk cId="2047013614" sldId="2147483900"/>
+            <pc:sldLayoutMk cId="3939292461" sldId="2147483904"/>
           </pc:sldLayoutMkLst>
         </pc:sldLayoutChg>
         <pc:sldLayoutChg chg="modTransition">
-          <pc:chgData name="SOUMYA VAJJHALA" userId="f3e3711e514002e0" providerId="LiveId" clId="{B90B7DA6-ADEA-4F08-A8B3-DE313E7D1105}" dt="2019-09-28T22:23:25.986" v="69"/>
+          <pc:chgData name="SOUMYA VAJJHALA" userId="f3e3711e514002e0" providerId="LiveId" clId="{4725CB5F-4605-480E-9824-30CCFA0E54A6}" dt="2019-12-01T20:07:58.249" v="86"/>
           <pc:sldLayoutMkLst>
             <pc:docMk/>
-            <pc:sldMasterMk cId="1044736884" sldId="2147483924"/>
-            <pc:sldLayoutMk cId="1063454463" sldId="2147483929"/>
+            <pc:sldMasterMk cId="2047013614" sldId="2147483900"/>
+            <pc:sldLayoutMk cId="715097491" sldId="2147483905"/>
           </pc:sldLayoutMkLst>
         </pc:sldLayoutChg>
         <pc:sldLayoutChg chg="modTransition">
-          <pc:chgData name="SOUMYA VAJJHALA" userId="f3e3711e514002e0" providerId="LiveId" clId="{B90B7DA6-ADEA-4F08-A8B3-DE313E7D1105}" dt="2019-09-28T22:23:25.986" v="69"/>
+          <pc:chgData name="SOUMYA VAJJHALA" userId="f3e3711e514002e0" providerId="LiveId" clId="{4725CB5F-4605-480E-9824-30CCFA0E54A6}" dt="2019-12-01T20:07:58.249" v="86"/>
           <pc:sldLayoutMkLst>
             <pc:docMk/>
-            <pc:sldMasterMk cId="1044736884" sldId="2147483924"/>
-            <pc:sldLayoutMk cId="3234782217" sldId="2147483930"/>
+            <pc:sldMasterMk cId="2047013614" sldId="2147483900"/>
+            <pc:sldLayoutMk cId="3434919355" sldId="2147483906"/>
           </pc:sldLayoutMkLst>
         </pc:sldLayoutChg>
         <pc:sldLayoutChg chg="modTransition">
-          <pc:chgData name="SOUMYA VAJJHALA" userId="f3e3711e514002e0" providerId="LiveId" clId="{B90B7DA6-ADEA-4F08-A8B3-DE313E7D1105}" dt="2019-09-28T22:23:25.986" v="69"/>
+          <pc:chgData name="SOUMYA VAJJHALA" userId="f3e3711e514002e0" providerId="LiveId" clId="{4725CB5F-4605-480E-9824-30CCFA0E54A6}" dt="2019-12-01T20:07:58.249" v="86"/>
           <pc:sldLayoutMkLst>
             <pc:docMk/>
-            <pc:sldMasterMk cId="1044736884" sldId="2147483924"/>
-            <pc:sldLayoutMk cId="2006347281" sldId="2147483931"/>
+            <pc:sldMasterMk cId="2047013614" sldId="2147483900"/>
+            <pc:sldLayoutMk cId="3497864621" sldId="2147483907"/>
           </pc:sldLayoutMkLst>
         </pc:sldLayoutChg>
         <pc:sldLayoutChg chg="modTransition">
-          <pc:chgData name="SOUMYA VAJJHALA" userId="f3e3711e514002e0" providerId="LiveId" clId="{B90B7DA6-ADEA-4F08-A8B3-DE313E7D1105}" dt="2019-09-28T22:23:25.986" v="69"/>
+          <pc:chgData name="SOUMYA VAJJHALA" userId="f3e3711e514002e0" providerId="LiveId" clId="{4725CB5F-4605-480E-9824-30CCFA0E54A6}" dt="2019-12-01T20:07:58.249" v="86"/>
           <pc:sldLayoutMkLst>
             <pc:docMk/>
-            <pc:sldMasterMk cId="1044736884" sldId="2147483924"/>
-            <pc:sldLayoutMk cId="4099236210" sldId="2147483932"/>
+            <pc:sldMasterMk cId="2047013614" sldId="2147483900"/>
+            <pc:sldLayoutMk cId="2890331703" sldId="2147483908"/>
           </pc:sldLayoutMkLst>
         </pc:sldLayoutChg>
         <pc:sldLayoutChg chg="modTransition">
-          <pc:chgData name="SOUMYA VAJJHALA" userId="f3e3711e514002e0" providerId="LiveId" clId="{B90B7DA6-ADEA-4F08-A8B3-DE313E7D1105}" dt="2019-09-28T22:23:25.986" v="69"/>
+          <pc:chgData name="SOUMYA VAJJHALA" userId="f3e3711e514002e0" providerId="LiveId" clId="{4725CB5F-4605-480E-9824-30CCFA0E54A6}" dt="2019-12-01T20:07:58.249" v="86"/>
           <pc:sldLayoutMkLst>
             <pc:docMk/>
-            <pc:sldMasterMk cId="1044736884" sldId="2147483924"/>
-            <pc:sldLayoutMk cId="348937994" sldId="2147483933"/>
+            <pc:sldMasterMk cId="2047013614" sldId="2147483900"/>
+            <pc:sldLayoutMk cId="2860250413" sldId="2147483909"/>
           </pc:sldLayoutMkLst>
         </pc:sldLayoutChg>
         <pc:sldLayoutChg chg="modTransition">
-          <pc:chgData name="SOUMYA VAJJHALA" userId="f3e3711e514002e0" providerId="LiveId" clId="{B90B7DA6-ADEA-4F08-A8B3-DE313E7D1105}" dt="2019-09-28T22:23:25.986" v="69"/>
+          <pc:chgData name="SOUMYA VAJJHALA" userId="f3e3711e514002e0" providerId="LiveId" clId="{4725CB5F-4605-480E-9824-30CCFA0E54A6}" dt="2019-12-01T20:07:58.249" v="86"/>
           <pc:sldLayoutMkLst>
             <pc:docMk/>
-            <pc:sldMasterMk cId="1044736884" sldId="2147483924"/>
-            <pc:sldLayoutMk cId="3487784475" sldId="2147483934"/>
+            <pc:sldMasterMk cId="2047013614" sldId="2147483900"/>
+            <pc:sldLayoutMk cId="1766478214" sldId="2147483910"/>
           </pc:sldLayoutMkLst>
         </pc:sldLayoutChg>
         <pc:sldLayoutChg chg="modTransition">
-          <pc:chgData name="SOUMYA VAJJHALA" userId="f3e3711e514002e0" providerId="LiveId" clId="{B90B7DA6-ADEA-4F08-A8B3-DE313E7D1105}" dt="2019-09-28T22:23:25.986" v="69"/>
+          <pc:chgData name="SOUMYA VAJJHALA" userId="f3e3711e514002e0" providerId="LiveId" clId="{4725CB5F-4605-480E-9824-30CCFA0E54A6}" dt="2019-12-01T20:07:58.249" v="86"/>
           <pc:sldLayoutMkLst>
             <pc:docMk/>
-            <pc:sldMasterMk cId="1044736884" sldId="2147483924"/>
-            <pc:sldLayoutMk cId="4189876705" sldId="2147483935"/>
+            <pc:sldMasterMk cId="2047013614" sldId="2147483900"/>
+            <pc:sldLayoutMk cId="835702839" sldId="2147483911"/>
           </pc:sldLayoutMkLst>
         </pc:sldLayoutChg>
       </pc:sldMasterChg>
     </pc:docChg>
   </pc:docChgLst>
 </pc:chgInfo>
-</file>
-
-<file path=ppt/notesMasters/notesMaster1.xml><?xml version="1.0" encoding="utf-8"?>
-<p:notesMaster xmlns:a="http://schemas.openxmlformats.org/drawingml/2006/main" xmlns:r="http://schemas.openxmlformats.org/officeDocument/2006/relationships" xmlns:p="http://schemas.openxmlformats.org/presentationml/2006/main">
-  <p:cSld>
-    <p:bg>
-      <p:bgRef idx="1001">
-        <a:schemeClr val="bg1"/>
-      </p:bgRef>
-    </p:bg>
-    <p:spTree>
-      <p:nvGrpSpPr>
-        <p:cNvPr id="1" name=""/>
-        <p:cNvGrpSpPr/>
-        <p:nvPr/>
-      </p:nvGrpSpPr>
-      <p:grpSpPr>
-        <a:xfrm>
-          <a:off x="0" y="0"/>
-          <a:ext cx="0" cy="0"/>
-          <a:chOff x="0" y="0"/>
-          <a:chExt cx="0" cy="0"/>
-        </a:xfrm>
-      </p:grpSpPr>
-      <p:sp>
-        <p:nvSpPr>
-          <p:cNvPr id="2" name="Header Placeholder 1"/>
-          <p:cNvSpPr>
-            <a:spLocks noGrp="1"/>
-          </p:cNvSpPr>
-          <p:nvPr>
-            <p:ph type="hdr" sz="quarter"/>
-          </p:nvPr>
-        </p:nvSpPr>
-        <p:spPr>
-          <a:xfrm>
-            <a:off x="0" y="0"/>
-            <a:ext cx="2971800" cy="458788"/>
-          </a:xfrm>
-          <a:prstGeom prst="rect">
-            <a:avLst/>
-          </a:prstGeom>
-        </p:spPr>
-        <p:txBody>
-          <a:bodyPr vert="horz" lIns="91440" tIns="45720" rIns="91440" bIns="45720" rtlCol="0"/>
-          <a:lstStyle>
-            <a:lvl1pPr algn="l">
-              <a:defRPr sz="1200"/>
-            </a:lvl1pPr>
-          </a:lstStyle>
-          <a:p>
-            <a:endParaRPr lang="en-US"/>
-          </a:p>
-        </p:txBody>
-      </p:sp>
-      <p:sp>
-        <p:nvSpPr>
-          <p:cNvPr id="3" name="Date Placeholder 2"/>
-          <p:cNvSpPr>
-            <a:spLocks noGrp="1"/>
-          </p:cNvSpPr>
-          <p:nvPr>
-            <p:ph type="dt" idx="1"/>
-          </p:nvPr>
-        </p:nvSpPr>
-        <p:spPr>
-          <a:xfrm>
-            <a:off x="3884613" y="0"/>
-            <a:ext cx="2971800" cy="458788"/>
-          </a:xfrm>
-          <a:prstGeom prst="rect">
-            <a:avLst/>
-          </a:prstGeom>
-        </p:spPr>
-        <p:txBody>
-          <a:bodyPr vert="horz" lIns="91440" tIns="45720" rIns="91440" bIns="45720" rtlCol="0"/>
-          <a:lstStyle>
-            <a:lvl1pPr algn="r">
-              <a:defRPr sz="1200"/>
-            </a:lvl1pPr>
-          </a:lstStyle>
-          <a:p>
-            <a:fld id="{BB167D85-0EFA-434A-BB97-0C124A3C4402}" type="datetimeFigureOut">
-              <a:rPr lang="en-US" smtClean="0"/>
-              <a:t>9/28/2019</a:t>
-            </a:fld>
-            <a:endParaRPr lang="en-US"/>
-          </a:p>
-        </p:txBody>
-      </p:sp>
-      <p:sp>
-        <p:nvSpPr>
-          <p:cNvPr id="4" name="Slide Image Placeholder 3"/>
-          <p:cNvSpPr>
-            <a:spLocks noGrp="1" noRot="1" noChangeAspect="1"/>
-          </p:cNvSpPr>
-          <p:nvPr>
-            <p:ph type="sldImg" idx="2"/>
-          </p:nvPr>
-        </p:nvSpPr>
-        <p:spPr>
-          <a:xfrm>
-            <a:off x="685800" y="1143000"/>
-            <a:ext cx="5486400" cy="3086100"/>
-          </a:xfrm>
-          <a:prstGeom prst="rect">
-            <a:avLst/>
-          </a:prstGeom>
-          <a:noFill/>
-          <a:ln w="12700">
-            <a:solidFill>
-              <a:prstClr val="black"/>
-            </a:solidFill>
-          </a:ln>
-        </p:spPr>
-        <p:txBody>
-          <a:bodyPr vert="horz" lIns="91440" tIns="45720" rIns="91440" bIns="45720" rtlCol="0" anchor="ctr"/>
-          <a:lstStyle/>
-          <a:p>
-            <a:endParaRPr lang="en-US"/>
-          </a:p>
-        </p:txBody>
-      </p:sp>
-      <p:sp>
-        <p:nvSpPr>
-          <p:cNvPr id="5" name="Notes Placeholder 4"/>
-          <p:cNvSpPr>
-            <a:spLocks noGrp="1"/>
-          </p:cNvSpPr>
-          <p:nvPr>
-            <p:ph type="body" sz="quarter" idx="3"/>
-          </p:nvPr>
-        </p:nvSpPr>
-        <p:spPr>
-          <a:xfrm>
-            <a:off x="685800" y="4400550"/>
-            <a:ext cx="5486400" cy="3600450"/>
-          </a:xfrm>
-          <a:prstGeom prst="rect">
-            <a:avLst/>
-          </a:prstGeom>
-        </p:spPr>
-        <p:txBody>
-          <a:bodyPr vert="horz" lIns="91440" tIns="45720" rIns="91440" bIns="45720" rtlCol="0"/>
-          <a:lstStyle/>
-          <a:p>
-            <a:pPr lvl="0"/>
-            <a:r>
-              <a:rPr lang="en-US"/>
-              <a:t>Click to edit Master text styles</a:t>
-            </a:r>
-          </a:p>
-          <a:p>
-            <a:pPr lvl="1"/>
-            <a:r>
-              <a:rPr lang="en-US"/>
-              <a:t>Second level</a:t>
-            </a:r>
-          </a:p>
-          <a:p>
-            <a:pPr lvl="2"/>
-            <a:r>
-              <a:rPr lang="en-US"/>
-              <a:t>Third level</a:t>
-            </a:r>
-          </a:p>
-          <a:p>
-            <a:pPr lvl="3"/>
-            <a:r>
-              <a:rPr lang="en-US"/>
-              <a:t>Fourth level</a:t>
-            </a:r>
-          </a:p>
-          <a:p>
-            <a:pPr lvl="4"/>
-            <a:r>
-              <a:rPr lang="en-US"/>
-              <a:t>Fifth level</a:t>
-            </a:r>
-          </a:p>
-        </p:txBody>
-      </p:sp>
-      <p:sp>
-        <p:nvSpPr>
-          <p:cNvPr id="6" name="Footer Placeholder 5"/>
-          <p:cNvSpPr>
-            <a:spLocks noGrp="1"/>
-          </p:cNvSpPr>
-          <p:nvPr>
-            <p:ph type="ftr" sz="quarter" idx="4"/>
-          </p:nvPr>
-        </p:nvSpPr>
-        <p:spPr>
-          <a:xfrm>
-            <a:off x="0" y="8685213"/>
-            <a:ext cx="2971800" cy="458787"/>
-          </a:xfrm>
-          <a:prstGeom prst="rect">
-            <a:avLst/>
-          </a:prstGeom>
-        </p:spPr>
-        <p:txBody>
-          <a:bodyPr vert="horz" lIns="91440" tIns="45720" rIns="91440" bIns="45720" rtlCol="0" anchor="b"/>
-          <a:lstStyle>
-            <a:lvl1pPr algn="l">
-              <a:defRPr sz="1200"/>
-            </a:lvl1pPr>
-          </a:lstStyle>
-          <a:p>
-            <a:endParaRPr lang="en-US"/>
-          </a:p>
-        </p:txBody>
-      </p:sp>
-      <p:sp>
-        <p:nvSpPr>
-          <p:cNvPr id="7" name="Slide Number Placeholder 6"/>
-          <p:cNvSpPr>
-            <a:spLocks noGrp="1"/>
-          </p:cNvSpPr>
-          <p:nvPr>
-            <p:ph type="sldNum" sz="quarter" idx="5"/>
-          </p:nvPr>
-        </p:nvSpPr>
-        <p:spPr>
-          <a:xfrm>
-            <a:off x="3884613" y="8685213"/>
-            <a:ext cx="2971800" cy="458787"/>
-          </a:xfrm>
-          <a:prstGeom prst="rect">
-            <a:avLst/>
-          </a:prstGeom>
-        </p:spPr>
-        <p:txBody>
-          <a:bodyPr vert="horz" lIns="91440" tIns="45720" rIns="91440" bIns="45720" rtlCol="0" anchor="b"/>
-          <a:lstStyle>
-            <a:lvl1pPr algn="r">
-              <a:defRPr sz="1200"/>
-            </a:lvl1pPr>
-          </a:lstStyle>
-          <a:p>
-            <a:fld id="{24CDFA83-E281-4AC1-9D46-BD808766C258}" type="slidenum">
-              <a:rPr lang="en-US" smtClean="0"/>
-              <a:t>‹#›</a:t>
-            </a:fld>
-            <a:endParaRPr lang="en-US"/>
-          </a:p>
-        </p:txBody>
-      </p:sp>
-    </p:spTree>
-    <p:extLst>
-      <p:ext uri="{BB962C8B-B14F-4D97-AF65-F5344CB8AC3E}">
-        <p14:creationId xmlns:p14="http://schemas.microsoft.com/office/powerpoint/2010/main" val="1656899055"/>
-      </p:ext>
-    </p:extLst>
-  </p:cSld>
-  <p:clrMap bg1="lt1" tx1="dk1" bg2="lt2" tx2="dk2" accent1="accent1" accent2="accent2" accent3="accent3" accent4="accent4" accent5="accent5" accent6="accent6" hlink="hlink" folHlink="folHlink"/>
-  <p:notesStyle>
-    <a:lvl1pPr marL="0" algn="l" defTabSz="914400" rtl="0" eaLnBrk="1" latinLnBrk="0" hangingPunct="1">
-      <a:defRPr sz="1200" kern="1200">
-        <a:solidFill>
-          <a:schemeClr val="tx1"/>
-        </a:solidFill>
-        <a:latin typeface="+mn-lt"/>
-        <a:ea typeface="+mn-ea"/>
-        <a:cs typeface="+mn-cs"/>
-      </a:defRPr>
-    </a:lvl1pPr>
-    <a:lvl2pPr marL="457200" algn="l" defTabSz="914400" rtl="0" eaLnBrk="1" latinLnBrk="0" hangingPunct="1">
-      <a:defRPr sz="1200" kern="1200">
-        <a:solidFill>
-          <a:schemeClr val="tx1"/>
-        </a:solidFill>
-        <a:latin typeface="+mn-lt"/>
-        <a:ea typeface="+mn-ea"/>
-        <a:cs typeface="+mn-cs"/>
-      </a:defRPr>
-    </a:lvl2pPr>
-    <a:lvl3pPr marL="914400" algn="l" defTabSz="914400" rtl="0" eaLnBrk="1" latinLnBrk="0" hangingPunct="1">
-      <a:defRPr sz="1200" kern="1200">
-        <a:solidFill>
-          <a:schemeClr val="tx1"/>
-        </a:solidFill>
-        <a:latin typeface="+mn-lt"/>
-        <a:ea typeface="+mn-ea"/>
-        <a:cs typeface="+mn-cs"/>
-      </a:defRPr>
-    </a:lvl3pPr>
-    <a:lvl4pPr marL="1371600" algn="l" defTabSz="914400" rtl="0" eaLnBrk="1" latinLnBrk="0" hangingPunct="1">
-      <a:defRPr sz="1200" kern="1200">
-        <a:solidFill>
-          <a:schemeClr val="tx1"/>
-        </a:solidFill>
-        <a:latin typeface="+mn-lt"/>
-        <a:ea typeface="+mn-ea"/>
-        <a:cs typeface="+mn-cs"/>
-      </a:defRPr>
-    </a:lvl4pPr>
-    <a:lvl5pPr marL="1828800" algn="l" defTabSz="914400" rtl="0" eaLnBrk="1" latinLnBrk="0" hangingPunct="1">
-      <a:defRPr sz="1200" kern="1200">
-        <a:solidFill>
-          <a:schemeClr val="tx1"/>
-        </a:solidFill>
-        <a:latin typeface="+mn-lt"/>
-        <a:ea typeface="+mn-ea"/>
-        <a:cs typeface="+mn-cs"/>
-      </a:defRPr>
-    </a:lvl5pPr>
-    <a:lvl6pPr marL="2286000" algn="l" defTabSz="914400" rtl="0" eaLnBrk="1" latinLnBrk="0" hangingPunct="1">
-      <a:defRPr sz="1200" kern="1200">
-        <a:solidFill>
-          <a:schemeClr val="tx1"/>
-        </a:solidFill>
-        <a:latin typeface="+mn-lt"/>
-        <a:ea typeface="+mn-ea"/>
-        <a:cs typeface="+mn-cs"/>
-      </a:defRPr>
-    </a:lvl6pPr>
-    <a:lvl7pPr marL="2743200" algn="l" defTabSz="914400" rtl="0" eaLnBrk="1" latinLnBrk="0" hangingPunct="1">
-      <a:defRPr sz="1200" kern="1200">
-        <a:solidFill>
-          <a:schemeClr val="tx1"/>
-        </a:solidFill>
-        <a:latin typeface="+mn-lt"/>
-        <a:ea typeface="+mn-ea"/>
-        <a:cs typeface="+mn-cs"/>
-      </a:defRPr>
-    </a:lvl7pPr>
-    <a:lvl8pPr marL="3200400" algn="l" defTabSz="914400" rtl="0" eaLnBrk="1" latinLnBrk="0" hangingPunct="1">
-      <a:defRPr sz="1200" kern="1200">
-        <a:solidFill>
-          <a:schemeClr val="tx1"/>
-        </a:solidFill>
-        <a:latin typeface="+mn-lt"/>
-        <a:ea typeface="+mn-ea"/>
-        <a:cs typeface="+mn-cs"/>
-      </a:defRPr>
-    </a:lvl8pPr>
-    <a:lvl9pPr marL="3657600" algn="l" defTabSz="914400" rtl="0" eaLnBrk="1" latinLnBrk="0" hangingPunct="1">
-      <a:defRPr sz="1200" kern="1200">
-        <a:solidFill>
-          <a:schemeClr val="tx1"/>
-        </a:solidFill>
-        <a:latin typeface="+mn-lt"/>
-        <a:ea typeface="+mn-ea"/>
-        <a:cs typeface="+mn-cs"/>
-      </a:defRPr>
-    </a:lvl9pPr>
-  </p:notesStyle>
-</p:notesMaster>
 </file>
 
 <file path=ppt/slideLayouts/slideLayout1.xml><?xml version="1.0" encoding="utf-8"?>
@@ -1017,8 +665,8 @@
         </p:nvSpPr>
         <p:spPr>
           <a:xfrm>
-            <a:off x="1524000" y="1122363"/>
-            <a:ext cx="9144000" cy="2387600"/>
+            <a:off x="685800" y="1122363"/>
+            <a:ext cx="7772400" cy="2387600"/>
           </a:xfrm>
         </p:spPr>
         <p:txBody>
@@ -1049,8 +697,8 @@
         </p:nvSpPr>
         <p:spPr>
           <a:xfrm>
-            <a:off x="1524000" y="3602038"/>
-            <a:ext cx="9144000" cy="1655762"/>
+            <a:off x="1143000" y="3602038"/>
+            <a:ext cx="6858000" cy="1655762"/>
           </a:xfrm>
         </p:spPr>
         <p:txBody>
@@ -1118,7 +766,7 @@
           <a:lstStyle/>
           <a:p>
             <a:pPr defTabSz="342900"/>
-            <a:fld id="{A78E7A88-2F93-46D8-94EB-9253A0F68569}" type="datetime1">
+            <a:fld id="{9E016143-E03C-4CFD-AFDC-14E5BDEA754C}" type="datetimeFigureOut">
               <a:rPr lang="en-US" smtClean="0">
                 <a:solidFill>
                   <a:prstClr val="white">
@@ -1127,7 +775,8 @@
                   </a:prstClr>
                 </a:solidFill>
               </a:rPr>
-              <a:t>9/28/2019</a:t>
+              <a:pPr defTabSz="342900"/>
+              <a:t>12/1/2019</a:t>
             </a:fld>
             <a:endParaRPr lang="en-US" dirty="0">
               <a:solidFill>
@@ -1156,17 +805,6 @@
           <a:lstStyle/>
           <a:p>
             <a:pPr defTabSz="342900"/>
-            <a:r>
-              <a:rPr lang="en-US">
-                <a:solidFill>
-                  <a:prstClr val="white">
-                    <a:lumMod val="50000"/>
-                    <a:lumOff val="50000"/>
-                  </a:prstClr>
-                </a:solidFill>
-              </a:rPr>
-              <a:t>Seattle</a:t>
-            </a:r>
             <a:endParaRPr lang="en-US" dirty="0">
               <a:solidFill>
                 <a:prstClr val="white">
@@ -1214,7 +852,7 @@
     </p:spTree>
     <p:extLst>
       <p:ext uri="{BB962C8B-B14F-4D97-AF65-F5344CB8AC3E}">
-        <p14:creationId xmlns:p14="http://schemas.microsoft.com/office/powerpoint/2010/main" val="3959073353"/>
+        <p14:creationId xmlns:p14="http://schemas.microsoft.com/office/powerpoint/2010/main" val="3902438096"/>
       </p:ext>
     </p:extLst>
   </p:cSld>
@@ -1344,7 +982,7 @@
           <a:lstStyle/>
           <a:p>
             <a:pPr defTabSz="342900"/>
-            <a:fld id="{15ADD0A5-C209-4342-8206-5C85DA156D76}" type="datetime1">
+            <a:fld id="{0E59FD0C-5451-4CA0-86AF-E70AE3279989}" type="datetimeFigureOut">
               <a:rPr lang="en-US" smtClean="0">
                 <a:solidFill>
                   <a:prstClr val="white">
@@ -1353,7 +991,8 @@
                   </a:prstClr>
                 </a:solidFill>
               </a:rPr>
-              <a:t>9/28/2019</a:t>
+              <a:pPr defTabSz="342900"/>
+              <a:t>12/1/2019</a:t>
             </a:fld>
             <a:endParaRPr lang="en-US" dirty="0">
               <a:solidFill>
@@ -1382,17 +1021,6 @@
           <a:lstStyle/>
           <a:p>
             <a:pPr defTabSz="342900"/>
-            <a:r>
-              <a:rPr lang="en-US">
-                <a:solidFill>
-                  <a:prstClr val="white">
-                    <a:lumMod val="50000"/>
-                    <a:lumOff val="50000"/>
-                  </a:prstClr>
-                </a:solidFill>
-              </a:rPr>
-              <a:t>Seattle</a:t>
-            </a:r>
             <a:endParaRPr lang="en-US" dirty="0">
               <a:solidFill>
                 <a:prstClr val="white">
@@ -1440,7 +1068,7 @@
     </p:spTree>
     <p:extLst>
       <p:ext uri="{BB962C8B-B14F-4D97-AF65-F5344CB8AC3E}">
-        <p14:creationId xmlns:p14="http://schemas.microsoft.com/office/powerpoint/2010/main" val="3487784475"/>
+        <p14:creationId xmlns:p14="http://schemas.microsoft.com/office/powerpoint/2010/main" val="1766478214"/>
       </p:ext>
     </p:extLst>
   </p:cSld>
@@ -1459,6 +1087,7 @@
       </p:transition>
     </mc:Fallback>
   </mc:AlternateContent>
+  <p:hf sldNum="0" hdr="0" ftr="0" dt="0"/>
 </p:sldLayout>
 </file>
 
@@ -1491,8 +1120,8 @@
         </p:nvSpPr>
         <p:spPr>
           <a:xfrm>
-            <a:off x="8724900" y="365125"/>
-            <a:ext cx="2628900" cy="5811838"/>
+            <a:off x="6543675" y="365125"/>
+            <a:ext cx="1971675" cy="5811838"/>
           </a:xfrm>
         </p:spPr>
         <p:txBody>
@@ -1519,8 +1148,8 @@
         </p:nvSpPr>
         <p:spPr>
           <a:xfrm>
-            <a:off x="838200" y="365125"/>
-            <a:ext cx="7734300" cy="5811838"/>
+            <a:off x="628650" y="365125"/>
+            <a:ext cx="5800725" cy="5811838"/>
           </a:xfrm>
         </p:spPr>
         <p:txBody>
@@ -1580,7 +1209,7 @@
           <a:lstStyle/>
           <a:p>
             <a:pPr defTabSz="342900"/>
-            <a:fld id="{8D1E1596-453C-44C3-A873-9E4102FADA23}" type="datetime1">
+            <a:fld id="{0E59FD0C-5451-4CA0-86AF-E70AE3279989}" type="datetimeFigureOut">
               <a:rPr lang="en-US" smtClean="0">
                 <a:solidFill>
                   <a:prstClr val="white">
@@ -1589,7 +1218,8 @@
                   </a:prstClr>
                 </a:solidFill>
               </a:rPr>
-              <a:t>9/28/2019</a:t>
+              <a:pPr defTabSz="342900"/>
+              <a:t>12/1/2019</a:t>
             </a:fld>
             <a:endParaRPr lang="en-US" dirty="0">
               <a:solidFill>
@@ -1618,17 +1248,6 @@
           <a:lstStyle/>
           <a:p>
             <a:pPr defTabSz="342900"/>
-            <a:r>
-              <a:rPr lang="en-US">
-                <a:solidFill>
-                  <a:prstClr val="white">
-                    <a:lumMod val="50000"/>
-                    <a:lumOff val="50000"/>
-                  </a:prstClr>
-                </a:solidFill>
-              </a:rPr>
-              <a:t>Seattle</a:t>
-            </a:r>
             <a:endParaRPr lang="en-US" dirty="0">
               <a:solidFill>
                 <a:prstClr val="white">
@@ -1676,7 +1295,7 @@
     </p:spTree>
     <p:extLst>
       <p:ext uri="{BB962C8B-B14F-4D97-AF65-F5344CB8AC3E}">
-        <p14:creationId xmlns:p14="http://schemas.microsoft.com/office/powerpoint/2010/main" val="4189876705"/>
+        <p14:creationId xmlns:p14="http://schemas.microsoft.com/office/powerpoint/2010/main" val="835702839"/>
       </p:ext>
     </p:extLst>
   </p:cSld>
@@ -1695,6 +1314,7 @@
       </p:transition>
     </mc:Fallback>
   </mc:AlternateContent>
+  <p:hf sldNum="0" hdr="0" ftr="0" dt="0"/>
 </p:sldLayout>
 </file>
 
@@ -1806,7 +1426,7 @@
           <a:lstStyle/>
           <a:p>
             <a:pPr defTabSz="342900"/>
-            <a:fld id="{79210807-7E32-4BBD-AB88-AD113F5D049B}" type="datetime1">
+            <a:fld id="{78C94063-DF36-4330-A365-08DA1FA5B7D6}" type="datetimeFigureOut">
               <a:rPr lang="en-US" smtClean="0">
                 <a:solidFill>
                   <a:prstClr val="white">
@@ -1815,7 +1435,8 @@
                   </a:prstClr>
                 </a:solidFill>
               </a:rPr>
-              <a:t>9/28/2019</a:t>
+              <a:pPr defTabSz="342900"/>
+              <a:t>12/1/2019</a:t>
             </a:fld>
             <a:endParaRPr lang="en-US" dirty="0">
               <a:solidFill>
@@ -1844,17 +1465,6 @@
           <a:lstStyle/>
           <a:p>
             <a:pPr defTabSz="342900"/>
-            <a:r>
-              <a:rPr lang="en-US">
-                <a:solidFill>
-                  <a:prstClr val="white">
-                    <a:lumMod val="50000"/>
-                    <a:lumOff val="50000"/>
-                  </a:prstClr>
-                </a:solidFill>
-              </a:rPr>
-              <a:t>Seattle</a:t>
-            </a:r>
             <a:endParaRPr lang="en-US" dirty="0">
               <a:solidFill>
                 <a:prstClr val="white">
@@ -1902,7 +1512,7 @@
     </p:spTree>
     <p:extLst>
       <p:ext uri="{BB962C8B-B14F-4D97-AF65-F5344CB8AC3E}">
-        <p14:creationId xmlns:p14="http://schemas.microsoft.com/office/powerpoint/2010/main" val="1176222049"/>
+        <p14:creationId xmlns:p14="http://schemas.microsoft.com/office/powerpoint/2010/main" val="495098709"/>
       </p:ext>
     </p:extLst>
   </p:cSld>
@@ -1953,8 +1563,8 @@
         </p:nvSpPr>
         <p:spPr>
           <a:xfrm>
-            <a:off x="831850" y="1709738"/>
-            <a:ext cx="10515600" cy="2852737"/>
+            <a:off x="623888" y="1709739"/>
+            <a:ext cx="7886700" cy="2852737"/>
           </a:xfrm>
         </p:spPr>
         <p:txBody>
@@ -1985,8 +1595,8 @@
         </p:nvSpPr>
         <p:spPr>
           <a:xfrm>
-            <a:off x="831850" y="4589463"/>
-            <a:ext cx="10515600" cy="1500187"/>
+            <a:off x="623888" y="4589464"/>
+            <a:ext cx="7886700" cy="1500187"/>
           </a:xfrm>
         </p:spPr>
         <p:txBody>
@@ -1996,9 +1606,7 @@
               <a:buNone/>
               <a:defRPr sz="2400">
                 <a:solidFill>
-                  <a:schemeClr val="tx1">
-                    <a:tint val="75000"/>
-                  </a:schemeClr>
+                  <a:schemeClr val="tx1"/>
                 </a:solidFill>
               </a:defRPr>
             </a:lvl1pPr>
@@ -2108,7 +1716,7 @@
           <a:lstStyle/>
           <a:p>
             <a:pPr defTabSz="342900"/>
-            <a:fld id="{3ACCF6D0-25BA-4C1A-BE15-E134A53F5DB1}" type="datetime1">
+            <a:fld id="{908A7C6C-0F39-4D70-8E8D-FE5B9C95FA73}" type="datetimeFigureOut">
               <a:rPr lang="en-US" smtClean="0">
                 <a:solidFill>
                   <a:prstClr val="white">
@@ -2117,7 +1725,8 @@
                   </a:prstClr>
                 </a:solidFill>
               </a:rPr>
-              <a:t>9/28/2019</a:t>
+              <a:pPr defTabSz="342900"/>
+              <a:t>12/1/2019</a:t>
             </a:fld>
             <a:endParaRPr lang="en-US" dirty="0">
               <a:solidFill>
@@ -2146,17 +1755,6 @@
           <a:lstStyle/>
           <a:p>
             <a:pPr defTabSz="342900"/>
-            <a:r>
-              <a:rPr lang="en-US">
-                <a:solidFill>
-                  <a:prstClr val="white">
-                    <a:lumMod val="50000"/>
-                    <a:lumOff val="50000"/>
-                  </a:prstClr>
-                </a:solidFill>
-              </a:rPr>
-              <a:t>Seattle</a:t>
-            </a:r>
             <a:endParaRPr lang="en-US" dirty="0">
               <a:solidFill>
                 <a:prstClr val="white">
@@ -2204,7 +1802,7 @@
     </p:spTree>
     <p:extLst>
       <p:ext uri="{BB962C8B-B14F-4D97-AF65-F5344CB8AC3E}">
-        <p14:creationId xmlns:p14="http://schemas.microsoft.com/office/powerpoint/2010/main" val="1954421762"/>
+        <p14:creationId xmlns:p14="http://schemas.microsoft.com/office/powerpoint/2010/main" val="1275230993"/>
       </p:ext>
     </p:extLst>
   </p:cSld>
@@ -2278,8 +1876,8 @@
         </p:nvSpPr>
         <p:spPr>
           <a:xfrm>
-            <a:off x="838200" y="1825625"/>
-            <a:ext cx="5181600" cy="4351338"/>
+            <a:off x="628650" y="1825625"/>
+            <a:ext cx="3886200" cy="4351338"/>
           </a:xfrm>
         </p:spPr>
         <p:txBody>
@@ -2335,8 +1933,8 @@
         </p:nvSpPr>
         <p:spPr>
           <a:xfrm>
-            <a:off x="6172200" y="1825625"/>
-            <a:ext cx="5181600" cy="4351338"/>
+            <a:off x="4629150" y="1825625"/>
+            <a:ext cx="3886200" cy="4351338"/>
           </a:xfrm>
         </p:spPr>
         <p:txBody>
@@ -2396,7 +1994,7 @@
           <a:lstStyle/>
           <a:p>
             <a:pPr defTabSz="342900"/>
-            <a:fld id="{E7B5AF7B-FB72-40E4-8A98-63A431FB0BC6}" type="datetime1">
+            <a:fld id="{0E59FD0C-5451-4CA0-86AF-E70AE3279989}" type="datetimeFigureOut">
               <a:rPr lang="en-US" smtClean="0">
                 <a:solidFill>
                   <a:prstClr val="white">
@@ -2405,7 +2003,8 @@
                   </a:prstClr>
                 </a:solidFill>
               </a:rPr>
-              <a:t>9/28/2019</a:t>
+              <a:pPr defTabSz="342900"/>
+              <a:t>12/1/2019</a:t>
             </a:fld>
             <a:endParaRPr lang="en-US" dirty="0">
               <a:solidFill>
@@ -2434,17 +2033,6 @@
           <a:lstStyle/>
           <a:p>
             <a:pPr defTabSz="342900"/>
-            <a:r>
-              <a:rPr lang="en-US">
-                <a:solidFill>
-                  <a:prstClr val="white">
-                    <a:lumMod val="50000"/>
-                    <a:lumOff val="50000"/>
-                  </a:prstClr>
-                </a:solidFill>
-              </a:rPr>
-              <a:t>Seattle</a:t>
-            </a:r>
             <a:endParaRPr lang="en-US" dirty="0">
               <a:solidFill>
                 <a:prstClr val="white">
@@ -2492,7 +2080,7 @@
     </p:spTree>
     <p:extLst>
       <p:ext uri="{BB962C8B-B14F-4D97-AF65-F5344CB8AC3E}">
-        <p14:creationId xmlns:p14="http://schemas.microsoft.com/office/powerpoint/2010/main" val="1793611092"/>
+        <p14:creationId xmlns:p14="http://schemas.microsoft.com/office/powerpoint/2010/main" val="3939292461"/>
       </p:ext>
     </p:extLst>
   </p:cSld>
@@ -2511,6 +2099,7 @@
       </p:transition>
     </mc:Fallback>
   </mc:AlternateContent>
+  <p:hf sldNum="0" hdr="0" ftr="0" dt="0"/>
 </p:sldLayout>
 </file>
 
@@ -2543,8 +2132,8 @@
         </p:nvSpPr>
         <p:spPr>
           <a:xfrm>
-            <a:off x="839788" y="365125"/>
-            <a:ext cx="10515600" cy="1325563"/>
+            <a:off x="629841" y="365126"/>
+            <a:ext cx="7886700" cy="1325563"/>
           </a:xfrm>
         </p:spPr>
         <p:txBody>
@@ -2571,8 +2160,8 @@
         </p:nvSpPr>
         <p:spPr>
           <a:xfrm>
-            <a:off x="839788" y="1681163"/>
-            <a:ext cx="5157787" cy="823912"/>
+            <a:off x="629842" y="1681163"/>
+            <a:ext cx="3868340" cy="823912"/>
           </a:xfrm>
         </p:spPr>
         <p:txBody>
@@ -2636,8 +2225,8 @@
         </p:nvSpPr>
         <p:spPr>
           <a:xfrm>
-            <a:off x="839788" y="2505075"/>
-            <a:ext cx="5157787" cy="3684588"/>
+            <a:off x="629842" y="2505075"/>
+            <a:ext cx="3868340" cy="3684588"/>
           </a:xfrm>
         </p:spPr>
         <p:txBody>
@@ -2693,8 +2282,8 @@
         </p:nvSpPr>
         <p:spPr>
           <a:xfrm>
-            <a:off x="6172200" y="1681163"/>
-            <a:ext cx="5183188" cy="823912"/>
+            <a:off x="4629150" y="1681163"/>
+            <a:ext cx="3887391" cy="823912"/>
           </a:xfrm>
         </p:spPr>
         <p:txBody>
@@ -2758,8 +2347,8 @@
         </p:nvSpPr>
         <p:spPr>
           <a:xfrm>
-            <a:off x="6172200" y="2505075"/>
-            <a:ext cx="5183188" cy="3684588"/>
+            <a:off x="4629150" y="2505075"/>
+            <a:ext cx="3887391" cy="3684588"/>
           </a:xfrm>
         </p:spPr>
         <p:txBody>
@@ -2819,7 +2408,7 @@
           <a:lstStyle/>
           <a:p>
             <a:pPr defTabSz="342900"/>
-            <a:fld id="{F660C251-BFFB-4916-B66D-07B594E0FF56}" type="datetime1">
+            <a:fld id="{0E59FD0C-5451-4CA0-86AF-E70AE3279989}" type="datetimeFigureOut">
               <a:rPr lang="en-US" smtClean="0">
                 <a:solidFill>
                   <a:prstClr val="white">
@@ -2828,7 +2417,8 @@
                   </a:prstClr>
                 </a:solidFill>
               </a:rPr>
-              <a:t>9/28/2019</a:t>
+              <a:pPr defTabSz="342900"/>
+              <a:t>12/1/2019</a:t>
             </a:fld>
             <a:endParaRPr lang="en-US" dirty="0">
               <a:solidFill>
@@ -2857,17 +2447,6 @@
           <a:lstStyle/>
           <a:p>
             <a:pPr defTabSz="342900"/>
-            <a:r>
-              <a:rPr lang="en-US">
-                <a:solidFill>
-                  <a:prstClr val="white">
-                    <a:lumMod val="50000"/>
-                    <a:lumOff val="50000"/>
-                  </a:prstClr>
-                </a:solidFill>
-              </a:rPr>
-              <a:t>Seattle</a:t>
-            </a:r>
             <a:endParaRPr lang="en-US" dirty="0">
               <a:solidFill>
                 <a:prstClr val="white">
@@ -2915,7 +2494,7 @@
     </p:spTree>
     <p:extLst>
       <p:ext uri="{BB962C8B-B14F-4D97-AF65-F5344CB8AC3E}">
-        <p14:creationId xmlns:p14="http://schemas.microsoft.com/office/powerpoint/2010/main" val="1063454463"/>
+        <p14:creationId xmlns:p14="http://schemas.microsoft.com/office/powerpoint/2010/main" val="715097491"/>
       </p:ext>
     </p:extLst>
   </p:cSld>
@@ -2934,6 +2513,7 @@
       </p:transition>
     </mc:Fallback>
   </mc:AlternateContent>
+  <p:hf sldNum="0" hdr="0" ftr="0" dt="0"/>
 </p:sldLayout>
 </file>
 
@@ -2993,7 +2573,7 @@
           <a:lstStyle/>
           <a:p>
             <a:pPr defTabSz="342900"/>
-            <a:fld id="{042CE89A-4A36-4E7A-8BE3-F1981503530C}" type="datetime1">
+            <a:fld id="{4F170639-886C-4FCF-9EAB-ABB5DA3F3F4A}" type="datetimeFigureOut">
               <a:rPr lang="en-US" smtClean="0">
                 <a:solidFill>
                   <a:prstClr val="white">
@@ -3002,7 +2582,8 @@
                   </a:prstClr>
                 </a:solidFill>
               </a:rPr>
-              <a:t>9/28/2019</a:t>
+              <a:pPr defTabSz="342900"/>
+              <a:t>12/1/2019</a:t>
             </a:fld>
             <a:endParaRPr lang="en-US" dirty="0">
               <a:solidFill>
@@ -3031,17 +2612,6 @@
           <a:lstStyle/>
           <a:p>
             <a:pPr defTabSz="342900"/>
-            <a:r>
-              <a:rPr lang="en-US">
-                <a:solidFill>
-                  <a:prstClr val="white">
-                    <a:lumMod val="50000"/>
-                    <a:lumOff val="50000"/>
-                  </a:prstClr>
-                </a:solidFill>
-              </a:rPr>
-              <a:t>Seattle</a:t>
-            </a:r>
             <a:endParaRPr lang="en-US" dirty="0">
               <a:solidFill>
                 <a:prstClr val="white">
@@ -3089,7 +2659,7 @@
     </p:spTree>
     <p:extLst>
       <p:ext uri="{BB962C8B-B14F-4D97-AF65-F5344CB8AC3E}">
-        <p14:creationId xmlns:p14="http://schemas.microsoft.com/office/powerpoint/2010/main" val="3234782217"/>
+        <p14:creationId xmlns:p14="http://schemas.microsoft.com/office/powerpoint/2010/main" val="3434919355"/>
       </p:ext>
     </p:extLst>
   </p:cSld>
@@ -3144,7 +2714,7 @@
           <a:lstStyle/>
           <a:p>
             <a:pPr defTabSz="342900"/>
-            <a:fld id="{0450B6DC-3FEF-4C32-8E79-33503095FEAA}" type="datetime1">
+            <a:fld id="{22230651-31F4-45D2-98AE-A2108F41BC07}" type="datetimeFigureOut">
               <a:rPr lang="en-US" smtClean="0">
                 <a:solidFill>
                   <a:prstClr val="white">
@@ -3153,7 +2723,8 @@
                   </a:prstClr>
                 </a:solidFill>
               </a:rPr>
-              <a:t>9/28/2019</a:t>
+              <a:pPr defTabSz="342900"/>
+              <a:t>12/1/2019</a:t>
             </a:fld>
             <a:endParaRPr lang="en-US" dirty="0">
               <a:solidFill>
@@ -3182,17 +2753,6 @@
           <a:lstStyle/>
           <a:p>
             <a:pPr defTabSz="342900"/>
-            <a:r>
-              <a:rPr lang="en-US">
-                <a:solidFill>
-                  <a:prstClr val="white">
-                    <a:lumMod val="50000"/>
-                    <a:lumOff val="50000"/>
-                  </a:prstClr>
-                </a:solidFill>
-              </a:rPr>
-              <a:t>Seattle</a:t>
-            </a:r>
             <a:endParaRPr lang="en-US" dirty="0">
               <a:solidFill>
                 <a:prstClr val="white">
@@ -3240,7 +2800,7 @@
     </p:spTree>
     <p:extLst>
       <p:ext uri="{BB962C8B-B14F-4D97-AF65-F5344CB8AC3E}">
-        <p14:creationId xmlns:p14="http://schemas.microsoft.com/office/powerpoint/2010/main" val="2006347281"/>
+        <p14:creationId xmlns:p14="http://schemas.microsoft.com/office/powerpoint/2010/main" val="3497864621"/>
       </p:ext>
     </p:extLst>
   </p:cSld>
@@ -3291,8 +2851,8 @@
         </p:nvSpPr>
         <p:spPr>
           <a:xfrm>
-            <a:off x="839788" y="457200"/>
-            <a:ext cx="3932237" cy="1600200"/>
+            <a:off x="629841" y="457200"/>
+            <a:ext cx="2949178" cy="1600200"/>
           </a:xfrm>
         </p:spPr>
         <p:txBody>
@@ -3323,8 +2883,8 @@
         </p:nvSpPr>
         <p:spPr>
           <a:xfrm>
-            <a:off x="5183188" y="987425"/>
-            <a:ext cx="6172200" cy="4873625"/>
+            <a:off x="3887391" y="987426"/>
+            <a:ext cx="4629150" cy="4873625"/>
           </a:xfrm>
         </p:spPr>
         <p:txBody>
@@ -3408,8 +2968,8 @@
         </p:nvSpPr>
         <p:spPr>
           <a:xfrm>
-            <a:off x="839788" y="2057400"/>
-            <a:ext cx="3932237" cy="3811588"/>
+            <a:off x="629841" y="2057400"/>
+            <a:ext cx="2949178" cy="3811588"/>
           </a:xfrm>
         </p:spPr>
         <p:txBody>
@@ -3477,7 +3037,7 @@
           <a:lstStyle/>
           <a:p>
             <a:pPr defTabSz="342900"/>
-            <a:fld id="{D73DD8C9-0447-4FE4-963B-620BBA06FC15}" type="datetime1">
+            <a:fld id="{0E59FD0C-5451-4CA0-86AF-E70AE3279989}" type="datetimeFigureOut">
               <a:rPr lang="en-US" smtClean="0">
                 <a:solidFill>
                   <a:prstClr val="white">
@@ -3486,7 +3046,8 @@
                   </a:prstClr>
                 </a:solidFill>
               </a:rPr>
-              <a:t>9/28/2019</a:t>
+              <a:pPr defTabSz="342900"/>
+              <a:t>12/1/2019</a:t>
             </a:fld>
             <a:endParaRPr lang="en-US" dirty="0">
               <a:solidFill>
@@ -3515,17 +3076,6 @@
           <a:lstStyle/>
           <a:p>
             <a:pPr defTabSz="342900"/>
-            <a:r>
-              <a:rPr lang="en-US">
-                <a:solidFill>
-                  <a:prstClr val="white">
-                    <a:lumMod val="50000"/>
-                    <a:lumOff val="50000"/>
-                  </a:prstClr>
-                </a:solidFill>
-              </a:rPr>
-              <a:t>Seattle</a:t>
-            </a:r>
             <a:endParaRPr lang="en-US" dirty="0">
               <a:solidFill>
                 <a:prstClr val="white">
@@ -3573,7 +3123,7 @@
     </p:spTree>
     <p:extLst>
       <p:ext uri="{BB962C8B-B14F-4D97-AF65-F5344CB8AC3E}">
-        <p14:creationId xmlns:p14="http://schemas.microsoft.com/office/powerpoint/2010/main" val="4099236210"/>
+        <p14:creationId xmlns:p14="http://schemas.microsoft.com/office/powerpoint/2010/main" val="2890331703"/>
       </p:ext>
     </p:extLst>
   </p:cSld>
@@ -3592,6 +3142,7 @@
       </p:transition>
     </mc:Fallback>
   </mc:AlternateContent>
+  <p:hf sldNum="0" hdr="0" ftr="0" dt="0"/>
 </p:sldLayout>
 </file>
 
@@ -3624,8 +3175,8 @@
         </p:nvSpPr>
         <p:spPr>
           <a:xfrm>
-            <a:off x="839788" y="457200"/>
-            <a:ext cx="3932237" cy="1600200"/>
+            <a:off x="629841" y="457200"/>
+            <a:ext cx="2949178" cy="1600200"/>
           </a:xfrm>
         </p:spPr>
         <p:txBody>
@@ -3656,8 +3207,8 @@
         </p:nvSpPr>
         <p:spPr>
           <a:xfrm>
-            <a:off x="5183188" y="987425"/>
-            <a:ext cx="6172200" cy="4873625"/>
+            <a:off x="3887391" y="987426"/>
+            <a:ext cx="4629150" cy="4873625"/>
           </a:xfrm>
         </p:spPr>
         <p:txBody>
@@ -3721,8 +3272,8 @@
         </p:nvSpPr>
         <p:spPr>
           <a:xfrm>
-            <a:off x="839788" y="2057400"/>
-            <a:ext cx="3932237" cy="3811588"/>
+            <a:off x="629841" y="2057400"/>
+            <a:ext cx="2949178" cy="3811588"/>
           </a:xfrm>
         </p:spPr>
         <p:txBody>
@@ -3790,7 +3341,7 @@
           <a:lstStyle/>
           <a:p>
             <a:pPr defTabSz="342900"/>
-            <a:fld id="{37671A7D-50B3-45E1-BF20-7A1030D44B04}" type="datetime1">
+            <a:fld id="{5E6440AA-91A0-436F-8FDB-C0F939DCAE21}" type="datetimeFigureOut">
               <a:rPr lang="en-US" smtClean="0">
                 <a:solidFill>
                   <a:prstClr val="white">
@@ -3799,7 +3350,8 @@
                   </a:prstClr>
                 </a:solidFill>
               </a:rPr>
-              <a:t>9/28/2019</a:t>
+              <a:pPr defTabSz="342900"/>
+              <a:t>12/1/2019</a:t>
             </a:fld>
             <a:endParaRPr lang="en-US" dirty="0">
               <a:solidFill>
@@ -3828,17 +3380,6 @@
           <a:lstStyle/>
           <a:p>
             <a:pPr defTabSz="342900"/>
-            <a:r>
-              <a:rPr lang="en-US">
-                <a:solidFill>
-                  <a:prstClr val="white">
-                    <a:lumMod val="50000"/>
-                    <a:lumOff val="50000"/>
-                  </a:prstClr>
-                </a:solidFill>
-              </a:rPr>
-              <a:t>Seattle</a:t>
-            </a:r>
             <a:endParaRPr lang="en-US" dirty="0">
               <a:solidFill>
                 <a:prstClr val="white">
@@ -3886,7 +3427,7 @@
     </p:spTree>
     <p:extLst>
       <p:ext uri="{BB962C8B-B14F-4D97-AF65-F5344CB8AC3E}">
-        <p14:creationId xmlns:p14="http://schemas.microsoft.com/office/powerpoint/2010/main" val="348937994"/>
+        <p14:creationId xmlns:p14="http://schemas.microsoft.com/office/powerpoint/2010/main" val="2860250413"/>
       </p:ext>
     </p:extLst>
   </p:cSld>
@@ -3942,8 +3483,8 @@
         </p:nvSpPr>
         <p:spPr>
           <a:xfrm>
-            <a:off x="838200" y="365125"/>
-            <a:ext cx="10515600" cy="1325563"/>
+            <a:off x="628650" y="365126"/>
+            <a:ext cx="7886700" cy="1325563"/>
           </a:xfrm>
           <a:prstGeom prst="rect">
             <a:avLst/>
@@ -3975,8 +3516,8 @@
         </p:nvSpPr>
         <p:spPr>
           <a:xfrm>
-            <a:off x="838200" y="1825625"/>
-            <a:ext cx="10515600" cy="4351338"/>
+            <a:off x="628650" y="1825625"/>
+            <a:ext cx="7886700" cy="4351338"/>
           </a:xfrm>
           <a:prstGeom prst="rect">
             <a:avLst/>
@@ -4037,8 +3578,8 @@
         </p:nvSpPr>
         <p:spPr>
           <a:xfrm>
-            <a:off x="838200" y="6356350"/>
-            <a:ext cx="2743200" cy="365125"/>
+            <a:off x="628650" y="6356351"/>
+            <a:ext cx="2057400" cy="365125"/>
           </a:xfrm>
           <a:prstGeom prst="rect">
             <a:avLst/>
@@ -4059,7 +3600,7 @@
           </a:lstStyle>
           <a:p>
             <a:pPr defTabSz="342900"/>
-            <a:fld id="{2696D8E6-15B3-4348-8FB9-6EB44F876E10}" type="datetime1">
+            <a:fld id="{0E59FD0C-5451-4CA0-86AF-E70AE3279989}" type="datetimeFigureOut">
               <a:rPr lang="en-US" smtClean="0">
                 <a:solidFill>
                   <a:prstClr val="white">
@@ -4068,7 +3609,8 @@
                   </a:prstClr>
                 </a:solidFill>
               </a:rPr>
-              <a:t>9/28/2019</a:t>
+              <a:pPr defTabSz="342900"/>
+              <a:t>12/1/2019</a:t>
             </a:fld>
             <a:endParaRPr lang="en-US" dirty="0">
               <a:solidFill>
@@ -4093,8 +3635,8 @@
         </p:nvSpPr>
         <p:spPr>
           <a:xfrm>
-            <a:off x="4038600" y="6356350"/>
-            <a:ext cx="4114800" cy="365125"/>
+            <a:off x="3028950" y="6356351"/>
+            <a:ext cx="3086100" cy="365125"/>
           </a:xfrm>
           <a:prstGeom prst="rect">
             <a:avLst/>
@@ -4115,17 +3657,6 @@
           </a:lstStyle>
           <a:p>
             <a:pPr defTabSz="342900"/>
-            <a:r>
-              <a:rPr lang="en-US">
-                <a:solidFill>
-                  <a:prstClr val="white">
-                    <a:lumMod val="50000"/>
-                    <a:lumOff val="50000"/>
-                  </a:prstClr>
-                </a:solidFill>
-              </a:rPr>
-              <a:t>Seattle</a:t>
-            </a:r>
             <a:endParaRPr lang="en-US" dirty="0">
               <a:solidFill>
                 <a:prstClr val="white">
@@ -4149,8 +3680,8 @@
         </p:nvSpPr>
         <p:spPr>
           <a:xfrm>
-            <a:off x="8610600" y="6356350"/>
-            <a:ext cx="2743200" cy="365125"/>
+            <a:off x="6457950" y="6356351"/>
+            <a:ext cx="2057400" cy="365125"/>
           </a:xfrm>
           <a:prstGeom prst="rect">
             <a:avLst/>
@@ -4191,23 +3722,23 @@
     </p:spTree>
     <p:extLst>
       <p:ext uri="{BB962C8B-B14F-4D97-AF65-F5344CB8AC3E}">
-        <p14:creationId xmlns:p14="http://schemas.microsoft.com/office/powerpoint/2010/main" val="1044736884"/>
+        <p14:creationId xmlns:p14="http://schemas.microsoft.com/office/powerpoint/2010/main" val="2047013614"/>
       </p:ext>
     </p:extLst>
   </p:cSld>
   <p:clrMap bg1="lt1" tx1="dk1" bg2="lt2" tx2="dk2" accent1="accent1" accent2="accent2" accent3="accent3" accent4="accent4" accent5="accent5" accent6="accent6" hlink="hlink" folHlink="folHlink"/>
   <p:sldLayoutIdLst>
-    <p:sldLayoutId id="2147483925" r:id="rId1"/>
-    <p:sldLayoutId id="2147483926" r:id="rId2"/>
-    <p:sldLayoutId id="2147483927" r:id="rId3"/>
-    <p:sldLayoutId id="2147483928" r:id="rId4"/>
-    <p:sldLayoutId id="2147483929" r:id="rId5"/>
-    <p:sldLayoutId id="2147483930" r:id="rId6"/>
-    <p:sldLayoutId id="2147483931" r:id="rId7"/>
-    <p:sldLayoutId id="2147483932" r:id="rId8"/>
-    <p:sldLayoutId id="2147483933" r:id="rId9"/>
-    <p:sldLayoutId id="2147483934" r:id="rId10"/>
-    <p:sldLayoutId id="2147483935" r:id="rId11"/>
+    <p:sldLayoutId id="2147483901" r:id="rId1"/>
+    <p:sldLayoutId id="2147483902" r:id="rId2"/>
+    <p:sldLayoutId id="2147483903" r:id="rId3"/>
+    <p:sldLayoutId id="2147483904" r:id="rId4"/>
+    <p:sldLayoutId id="2147483905" r:id="rId5"/>
+    <p:sldLayoutId id="2147483906" r:id="rId6"/>
+    <p:sldLayoutId id="2147483907" r:id="rId7"/>
+    <p:sldLayoutId id="2147483908" r:id="rId8"/>
+    <p:sldLayoutId id="2147483909" r:id="rId9"/>
+    <p:sldLayoutId id="2147483910" r:id="rId10"/>
+    <p:sldLayoutId id="2147483911" r:id="rId11"/>
   </p:sldLayoutIdLst>
   <mc:AlternateContent xmlns:mc="http://schemas.openxmlformats.org/markup-compatibility/2006">
     <mc:Choice xmlns:p14="http://schemas.microsoft.com/office/powerpoint/2010/main" Requires="p14">
@@ -4221,7 +3752,7 @@
       </p:transition>
     </mc:Fallback>
   </mc:AlternateContent>
-  <p:hf hdr="0" dt="0"/>
+  <p:hf sldNum="0" hdr="0" ftr="0" dt="0"/>
   <p:txStyles>
     <p:titleStyle>
       <a:lvl1pPr algn="l" defTabSz="914400" rtl="0" eaLnBrk="1" latinLnBrk="0" hangingPunct="1">
@@ -4552,8 +4083,8 @@
         </p:blipFill>
         <p:spPr>
           <a:xfrm>
-            <a:off x="1536879" y="2675211"/>
-            <a:ext cx="9144000" cy="3576221"/>
+            <a:off x="1152659" y="2863659"/>
+            <a:ext cx="6858000" cy="2682166"/>
           </a:xfrm>
           <a:prstGeom prst="rect">
             <a:avLst/>
@@ -4571,8 +4102,8 @@
         </p:nvSpPr>
         <p:spPr>
           <a:xfrm>
-            <a:off x="0" y="457200"/>
-            <a:ext cx="12179121" cy="1877437"/>
+            <a:off x="0" y="677752"/>
+            <a:ext cx="9134341" cy="1877437"/>
           </a:xfrm>
           <a:prstGeom prst="rect">
             <a:avLst/>
@@ -4585,68 +4116,28 @@
           </a:bodyPr>
           <a:lstStyle/>
           <a:p>
-            <a:pPr marL="0" marR="0" lvl="0" indent="0" algn="ctr" defTabSz="914400" rtl="0" eaLnBrk="1" fontAlgn="auto" latinLnBrk="0" hangingPunct="1">
-              <a:lnSpc>
-                <a:spcPct val="100000"/>
-              </a:lnSpc>
-              <a:spcBef>
-                <a:spcPts val="0"/>
-              </a:spcBef>
-              <a:spcAft>
-                <a:spcPts val="0"/>
-              </a:spcAft>
-              <a:buClrTx/>
-              <a:buSzTx/>
-              <a:buFontTx/>
-              <a:buNone/>
-              <a:tabLst/>
+            <a:pPr algn="ctr" defTabSz="685800">
               <a:defRPr/>
             </a:pPr>
             <a:r>
-              <a:rPr kumimoji="0" lang="en-US" sz="8000" b="0" i="0" u="none" strike="noStrike" kern="1200" cap="none" spc="0" normalizeH="0" baseline="0" noProof="0" dirty="0">
-                <a:ln>
-                  <a:noFill/>
-                </a:ln>
+              <a:rPr lang="en-US" sz="8000" dirty="0">
                 <a:solidFill>
                   <a:srgbClr val="000000"/>
                 </a:solidFill>
-                <a:effectLst/>
-                <a:uLnTx/>
-                <a:uFillTx/>
                 <a:latin typeface="Georgia" panose="02040502050405020303" pitchFamily="18" charset="0"/>
               </a:rPr>
               <a:t>Seattle</a:t>
             </a:r>
           </a:p>
           <a:p>
-            <a:pPr marL="0" marR="0" lvl="0" indent="0" algn="ctr" defTabSz="914400" rtl="0" eaLnBrk="1" fontAlgn="auto" latinLnBrk="0" hangingPunct="1">
-              <a:lnSpc>
-                <a:spcPct val="100000"/>
-              </a:lnSpc>
-              <a:spcBef>
-                <a:spcPts val="0"/>
-              </a:spcBef>
-              <a:spcAft>
-                <a:spcPts val="0"/>
-              </a:spcAft>
-              <a:buClrTx/>
-              <a:buSzTx/>
-              <a:buFontTx/>
-              <a:buNone/>
-              <a:tabLst/>
+            <a:pPr algn="ctr" defTabSz="685800">
               <a:defRPr/>
             </a:pPr>
             <a:r>
-              <a:rPr kumimoji="0" lang="en-US" sz="3600" b="0" i="0" u="none" strike="noStrike" kern="1200" cap="none" spc="0" normalizeH="0" baseline="0" noProof="0" dirty="0">
-                <a:ln>
-                  <a:noFill/>
-                </a:ln>
+              <a:rPr lang="en-US" sz="3600" dirty="0">
                 <a:solidFill>
                   <a:srgbClr val="000000"/>
                 </a:solidFill>
-                <a:effectLst/>
-                <a:uLnTx/>
-                <a:uFillTx/>
                 <a:latin typeface="Georgia" panose="02040502050405020303" pitchFamily="18" charset="0"/>
               </a:rPr>
               <a:t>Making the Most of Your First Port</a:t>
@@ -4662,8 +4153,8 @@
         </p:nvSpPr>
         <p:spPr>
           <a:xfrm>
-            <a:off x="12879" y="2383049"/>
-            <a:ext cx="12179121" cy="146080"/>
+            <a:off x="9660" y="2644537"/>
+            <a:ext cx="9134341" cy="109560"/>
           </a:xfrm>
           <a:prstGeom prst="rect">
             <a:avLst/>
@@ -4694,36 +4185,14 @@
           <a:bodyPr rtlCol="0" anchor="ctr"/>
           <a:lstStyle/>
           <a:p>
-            <a:pPr marL="0" marR="0" lvl="0" indent="0" algn="ctr" defTabSz="914400" rtl="0" eaLnBrk="1" fontAlgn="auto" latinLnBrk="0" hangingPunct="1">
-              <a:lnSpc>
-                <a:spcPct val="100000"/>
-              </a:lnSpc>
-              <a:spcBef>
-                <a:spcPts val="0"/>
-              </a:spcBef>
-              <a:spcAft>
-                <a:spcPts val="0"/>
-              </a:spcAft>
-              <a:buClrTx/>
-              <a:buSzTx/>
-              <a:buFontTx/>
-              <a:buNone/>
-              <a:tabLst/>
+            <a:pPr algn="ctr" defTabSz="685800">
               <a:defRPr/>
             </a:pPr>
-            <a:endParaRPr kumimoji="0" lang="en-US" sz="1800" b="0" i="0" u="none" strike="noStrike" kern="1200" cap="none" spc="0" normalizeH="0" baseline="0" noProof="0">
-              <a:ln>
-                <a:noFill/>
-              </a:ln>
+            <a:endParaRPr lang="en-US" sz="1350">
               <a:solidFill>
                 <a:srgbClr val="FFFFFF"/>
               </a:solidFill>
-              <a:effectLst/>
-              <a:uLnTx/>
-              <a:uFillTx/>
               <a:latin typeface="Corbel" panose="020B0503020204020204"/>
-              <a:ea typeface="+mn-ea"/>
-              <a:cs typeface="+mn-cs"/>
             </a:endParaRPr>
           </a:p>
         </p:txBody>
@@ -4736,8 +4205,8 @@
         </p:nvSpPr>
         <p:spPr>
           <a:xfrm>
-            <a:off x="12879" y="2502179"/>
-            <a:ext cx="12179121" cy="53902"/>
+            <a:off x="9660" y="2733884"/>
+            <a:ext cx="9134341" cy="40427"/>
           </a:xfrm>
           <a:prstGeom prst="rect">
             <a:avLst/>
@@ -4771,36 +4240,14 @@
           <a:bodyPr rtlCol="0" anchor="ctr"/>
           <a:lstStyle/>
           <a:p>
-            <a:pPr marL="0" marR="0" lvl="0" indent="0" algn="ctr" defTabSz="914400" rtl="0" eaLnBrk="1" fontAlgn="auto" latinLnBrk="0" hangingPunct="1">
-              <a:lnSpc>
-                <a:spcPct val="100000"/>
-              </a:lnSpc>
-              <a:spcBef>
-                <a:spcPts val="0"/>
-              </a:spcBef>
-              <a:spcAft>
-                <a:spcPts val="0"/>
-              </a:spcAft>
-              <a:buClrTx/>
-              <a:buSzTx/>
-              <a:buFontTx/>
-              <a:buNone/>
-              <a:tabLst/>
+            <a:pPr algn="ctr" defTabSz="685800">
               <a:defRPr/>
             </a:pPr>
-            <a:endParaRPr kumimoji="0" lang="en-US" sz="1800" b="0" i="0" u="none" strike="noStrike" kern="1200" cap="none" spc="0" normalizeH="0" baseline="0" noProof="0">
-              <a:ln>
-                <a:noFill/>
-              </a:ln>
+            <a:endParaRPr lang="en-US" sz="1350">
               <a:solidFill>
                 <a:srgbClr val="FFFFFF"/>
               </a:solidFill>
-              <a:effectLst/>
-              <a:uLnTx/>
-              <a:uFillTx/>
               <a:latin typeface="Corbel" panose="020B0503020204020204"/>
-              <a:ea typeface="+mn-ea"/>
-              <a:cs typeface="+mn-cs"/>
             </a:endParaRPr>
           </a:p>
         </p:txBody>
@@ -4813,8 +4260,8 @@
         </p:nvSpPr>
         <p:spPr>
           <a:xfrm>
-            <a:off x="-6626" y="6510270"/>
-            <a:ext cx="12179121" cy="146080"/>
+            <a:off x="-4969" y="5739953"/>
+            <a:ext cx="9134341" cy="109560"/>
           </a:xfrm>
           <a:prstGeom prst="rect">
             <a:avLst/>
@@ -4845,36 +4292,14 @@
           <a:bodyPr rtlCol="0" anchor="ctr"/>
           <a:lstStyle/>
           <a:p>
-            <a:pPr marL="0" marR="0" lvl="0" indent="0" algn="ctr" defTabSz="914400" rtl="0" eaLnBrk="1" fontAlgn="auto" latinLnBrk="0" hangingPunct="1">
-              <a:lnSpc>
-                <a:spcPct val="100000"/>
-              </a:lnSpc>
-              <a:spcBef>
-                <a:spcPts val="0"/>
-              </a:spcBef>
-              <a:spcAft>
-                <a:spcPts val="0"/>
-              </a:spcAft>
-              <a:buClrTx/>
-              <a:buSzTx/>
-              <a:buFontTx/>
-              <a:buNone/>
-              <a:tabLst/>
+            <a:pPr algn="ctr" defTabSz="685800">
               <a:defRPr/>
             </a:pPr>
-            <a:endParaRPr kumimoji="0" lang="en-US" sz="1800" b="0" i="0" u="none" strike="noStrike" kern="1200" cap="none" spc="0" normalizeH="0" baseline="0" noProof="0">
-              <a:ln>
-                <a:noFill/>
-              </a:ln>
+            <a:endParaRPr lang="en-US" sz="1350">
               <a:solidFill>
                 <a:srgbClr val="FFFFFF"/>
               </a:solidFill>
-              <a:effectLst/>
-              <a:uLnTx/>
-              <a:uFillTx/>
               <a:latin typeface="Corbel" panose="020B0503020204020204"/>
-              <a:ea typeface="+mn-ea"/>
-              <a:cs typeface="+mn-cs"/>
             </a:endParaRPr>
           </a:p>
         </p:txBody>
@@ -4887,8 +4312,8 @@
         </p:nvSpPr>
         <p:spPr>
           <a:xfrm>
-            <a:off x="-6626" y="6629400"/>
-            <a:ext cx="12179121" cy="53902"/>
+            <a:off x="-4969" y="5829300"/>
+            <a:ext cx="9134341" cy="40427"/>
           </a:xfrm>
           <a:prstGeom prst="rect">
             <a:avLst/>
@@ -4922,119 +4347,14 @@
           <a:bodyPr rtlCol="0" anchor="ctr"/>
           <a:lstStyle/>
           <a:p>
-            <a:pPr marL="0" marR="0" lvl="0" indent="0" algn="ctr" defTabSz="914400" rtl="0" eaLnBrk="1" fontAlgn="auto" latinLnBrk="0" hangingPunct="1">
-              <a:lnSpc>
-                <a:spcPct val="100000"/>
-              </a:lnSpc>
-              <a:spcBef>
-                <a:spcPts val="0"/>
-              </a:spcBef>
-              <a:spcAft>
-                <a:spcPts val="0"/>
-              </a:spcAft>
-              <a:buClrTx/>
-              <a:buSzTx/>
-              <a:buFontTx/>
-              <a:buNone/>
-              <a:tabLst/>
+            <a:pPr algn="ctr" defTabSz="685800">
               <a:defRPr/>
             </a:pPr>
-            <a:endParaRPr kumimoji="0" lang="en-US" sz="1800" b="0" i="0" u="none" strike="noStrike" kern="1200" cap="none" spc="0" normalizeH="0" baseline="0" noProof="0">
-              <a:ln>
-                <a:noFill/>
-              </a:ln>
+            <a:endParaRPr lang="en-US" sz="1350">
               <a:solidFill>
                 <a:srgbClr val="FFFFFF"/>
               </a:solidFill>
-              <a:effectLst/>
-              <a:uLnTx/>
-              <a:uFillTx/>
               <a:latin typeface="Corbel" panose="020B0503020204020204"/>
-              <a:ea typeface="+mn-ea"/>
-              <a:cs typeface="+mn-cs"/>
-            </a:endParaRPr>
-          </a:p>
-        </p:txBody>
-      </p:sp>
-      <p:sp>
-        <p:nvSpPr>
-          <p:cNvPr id="4" name="Footer Placeholder 3">
-            <a:extLst>
-              <a:ext uri="{FF2B5EF4-FFF2-40B4-BE49-F238E27FC236}">
-                <a16:creationId xmlns:a16="http://schemas.microsoft.com/office/drawing/2014/main" id="{39B4C57E-AFBE-43BA-AD61-7548079245BD}"/>
-              </a:ext>
-            </a:extLst>
-          </p:cNvPr>
-          <p:cNvSpPr>
-            <a:spLocks noGrp="1"/>
-          </p:cNvSpPr>
-          <p:nvPr>
-            <p:ph type="ftr" sz="quarter" idx="11"/>
-          </p:nvPr>
-        </p:nvSpPr>
-        <p:spPr/>
-        <p:txBody>
-          <a:bodyPr/>
-          <a:lstStyle/>
-          <a:p>
-            <a:pPr defTabSz="342900"/>
-            <a:r>
-              <a:rPr lang="en-US">
-                <a:solidFill>
-                  <a:prstClr val="white">
-                    <a:lumMod val="50000"/>
-                    <a:lumOff val="50000"/>
-                  </a:prstClr>
-                </a:solidFill>
-              </a:rPr>
-              <a:t>Seattle</a:t>
-            </a:r>
-            <a:endParaRPr lang="en-US" dirty="0">
-              <a:solidFill>
-                <a:prstClr val="white">
-                  <a:lumMod val="50000"/>
-                  <a:lumOff val="50000"/>
-                </a:prstClr>
-              </a:solidFill>
-            </a:endParaRPr>
-          </a:p>
-        </p:txBody>
-      </p:sp>
-      <p:sp>
-        <p:nvSpPr>
-          <p:cNvPr id="9" name="Slide Number Placeholder 8">
-            <a:extLst>
-              <a:ext uri="{FF2B5EF4-FFF2-40B4-BE49-F238E27FC236}">
-                <a16:creationId xmlns:a16="http://schemas.microsoft.com/office/drawing/2014/main" id="{EE7FCA68-A550-428A-8889-DAAE892B3C1C}"/>
-              </a:ext>
-            </a:extLst>
-          </p:cNvPr>
-          <p:cNvSpPr>
-            <a:spLocks noGrp="1"/>
-          </p:cNvSpPr>
-          <p:nvPr>
-            <p:ph type="sldNum" sz="quarter" idx="12"/>
-          </p:nvPr>
-        </p:nvSpPr>
-        <p:spPr/>
-        <p:txBody>
-          <a:bodyPr/>
-          <a:lstStyle/>
-          <a:p>
-            <a:pPr defTabSz="342900"/>
-            <a:fld id="{4FAB73BC-B049-4115-A692-8D63A059BFB8}" type="slidenum">
-              <a:rPr lang="en-US" smtClean="0">
-                <a:solidFill>
-                  <a:srgbClr val="818E9F"/>
-                </a:solidFill>
-              </a:rPr>
-              <a:pPr defTabSz="342900"/>
-              <a:t>1</a:t>
-            </a:fld>
-            <a:endParaRPr lang="en-US" dirty="0">
-              <a:solidFill>
-                <a:srgbClr val="818E9F"/>
-              </a:solidFill>
             </a:endParaRPr>
           </a:p>
         </p:txBody>
@@ -5042,7 +4362,7 @@
     </p:spTree>
     <p:extLst>
       <p:ext uri="{BB962C8B-B14F-4D97-AF65-F5344CB8AC3E}">
-        <p14:creationId xmlns:p14="http://schemas.microsoft.com/office/powerpoint/2010/main" val="1404370098"/>
+        <p14:creationId xmlns:p14="http://schemas.microsoft.com/office/powerpoint/2010/main" val="2360001570"/>
       </p:ext>
     </p:extLst>
   </p:cSld>
@@ -5197,89 +4517,6 @@
               </a:rPr>
               <a:t>You Develop Your Itinerary</a:t>
             </a:r>
-          </a:p>
-        </p:txBody>
-      </p:sp>
-      <p:sp>
-        <p:nvSpPr>
-          <p:cNvPr id="4" name="Footer Placeholder 3">
-            <a:extLst>
-              <a:ext uri="{FF2B5EF4-FFF2-40B4-BE49-F238E27FC236}">
-                <a16:creationId xmlns:a16="http://schemas.microsoft.com/office/drawing/2014/main" id="{52D6EAEC-71A4-4176-A6E1-2E5FD210928D}"/>
-              </a:ext>
-            </a:extLst>
-          </p:cNvPr>
-          <p:cNvSpPr>
-            <a:spLocks noGrp="1"/>
-          </p:cNvSpPr>
-          <p:nvPr>
-            <p:ph type="ftr" sz="quarter" idx="11"/>
-          </p:nvPr>
-        </p:nvSpPr>
-        <p:spPr/>
-        <p:txBody>
-          <a:bodyPr/>
-          <a:lstStyle/>
-          <a:p>
-            <a:pPr defTabSz="342900"/>
-            <a:r>
-              <a:rPr lang="en-US">
-                <a:solidFill>
-                  <a:prstClr val="white">
-                    <a:lumMod val="50000"/>
-                    <a:lumOff val="50000"/>
-                  </a:prstClr>
-                </a:solidFill>
-              </a:rPr>
-              <a:t>Seattle</a:t>
-            </a:r>
-            <a:endParaRPr lang="en-US" dirty="0">
-              <a:solidFill>
-                <a:prstClr val="white">
-                  <a:lumMod val="50000"/>
-                  <a:lumOff val="50000"/>
-                </a:prstClr>
-              </a:solidFill>
-            </a:endParaRPr>
-          </a:p>
-        </p:txBody>
-      </p:sp>
-      <p:sp>
-        <p:nvSpPr>
-          <p:cNvPr id="5" name="Slide Number Placeholder 4">
-            <a:extLst>
-              <a:ext uri="{FF2B5EF4-FFF2-40B4-BE49-F238E27FC236}">
-                <a16:creationId xmlns:a16="http://schemas.microsoft.com/office/drawing/2014/main" id="{C7B7BE81-75DC-406D-83EA-A2851F590F69}"/>
-              </a:ext>
-            </a:extLst>
-          </p:cNvPr>
-          <p:cNvSpPr>
-            <a:spLocks noGrp="1"/>
-          </p:cNvSpPr>
-          <p:nvPr>
-            <p:ph type="sldNum" sz="quarter" idx="12"/>
-          </p:nvPr>
-        </p:nvSpPr>
-        <p:spPr/>
-        <p:txBody>
-          <a:bodyPr/>
-          <a:lstStyle/>
-          <a:p>
-            <a:pPr defTabSz="342900"/>
-            <a:fld id="{4FAB73BC-B049-4115-A692-8D63A059BFB8}" type="slidenum">
-              <a:rPr lang="en-US" smtClean="0">
-                <a:solidFill>
-                  <a:srgbClr val="818E9F"/>
-                </a:solidFill>
-              </a:rPr>
-              <a:pPr defTabSz="342900"/>
-              <a:t>2</a:t>
-            </a:fld>
-            <a:endParaRPr lang="en-US" dirty="0">
-              <a:solidFill>
-                <a:srgbClr val="818E9F"/>
-              </a:solidFill>
-            </a:endParaRPr>
           </a:p>
         </p:txBody>
       </p:sp>
@@ -5347,7 +4584,7 @@
         </p:nvSpPr>
         <p:spPr>
           <a:xfrm>
-            <a:off x="1921046" y="987426"/>
+            <a:off x="397046" y="987427"/>
             <a:ext cx="3176334" cy="4873625"/>
           </a:xfrm>
         </p:spPr>
@@ -5387,96 +4624,13 @@
               </a:ext>
             </a:extLst>
           </a:blip>
-          <a:srcRect l="7785" r="7785"/>
+          <a:srcRect l="18339" r="18339"/>
           <a:stretch>
             <a:fillRect/>
           </a:stretch>
         </p:blipFill>
         <p:spPr/>
       </p:pic>
-      <p:sp>
-        <p:nvSpPr>
-          <p:cNvPr id="3" name="Footer Placeholder 2">
-            <a:extLst>
-              <a:ext uri="{FF2B5EF4-FFF2-40B4-BE49-F238E27FC236}">
-                <a16:creationId xmlns:a16="http://schemas.microsoft.com/office/drawing/2014/main" id="{77C303E0-3543-4C31-93FC-045CC7374384}"/>
-              </a:ext>
-            </a:extLst>
-          </p:cNvPr>
-          <p:cNvSpPr>
-            <a:spLocks noGrp="1"/>
-          </p:cNvSpPr>
-          <p:nvPr>
-            <p:ph type="ftr" sz="quarter" idx="11"/>
-          </p:nvPr>
-        </p:nvSpPr>
-        <p:spPr/>
-        <p:txBody>
-          <a:bodyPr/>
-          <a:lstStyle/>
-          <a:p>
-            <a:pPr defTabSz="342900"/>
-            <a:r>
-              <a:rPr lang="en-US">
-                <a:solidFill>
-                  <a:prstClr val="white">
-                    <a:lumMod val="50000"/>
-                    <a:lumOff val="50000"/>
-                  </a:prstClr>
-                </a:solidFill>
-              </a:rPr>
-              <a:t>Seattle</a:t>
-            </a:r>
-            <a:endParaRPr lang="en-US" dirty="0">
-              <a:solidFill>
-                <a:prstClr val="white">
-                  <a:lumMod val="50000"/>
-                  <a:lumOff val="50000"/>
-                </a:prstClr>
-              </a:solidFill>
-            </a:endParaRPr>
-          </a:p>
-        </p:txBody>
-      </p:sp>
-      <p:sp>
-        <p:nvSpPr>
-          <p:cNvPr id="4" name="Slide Number Placeholder 3">
-            <a:extLst>
-              <a:ext uri="{FF2B5EF4-FFF2-40B4-BE49-F238E27FC236}">
-                <a16:creationId xmlns:a16="http://schemas.microsoft.com/office/drawing/2014/main" id="{8868C456-8A1A-4D42-AD80-32CD79C87639}"/>
-              </a:ext>
-            </a:extLst>
-          </p:cNvPr>
-          <p:cNvSpPr>
-            <a:spLocks noGrp="1"/>
-          </p:cNvSpPr>
-          <p:nvPr>
-            <p:ph type="sldNum" sz="quarter" idx="12"/>
-          </p:nvPr>
-        </p:nvSpPr>
-        <p:spPr/>
-        <p:txBody>
-          <a:bodyPr/>
-          <a:lstStyle/>
-          <a:p>
-            <a:pPr defTabSz="342900"/>
-            <a:fld id="{4FAB73BC-B049-4115-A692-8D63A059BFB8}" type="slidenum">
-              <a:rPr lang="en-US" smtClean="0">
-                <a:solidFill>
-                  <a:srgbClr val="818E9F"/>
-                </a:solidFill>
-              </a:rPr>
-              <a:pPr defTabSz="342900"/>
-              <a:t>3</a:t>
-            </a:fld>
-            <a:endParaRPr lang="en-US" dirty="0">
-              <a:solidFill>
-                <a:srgbClr val="818E9F"/>
-              </a:solidFill>
-            </a:endParaRPr>
-          </a:p>
-        </p:txBody>
-      </p:sp>
     </p:spTree>
     <p:extLst>
       <p:ext uri="{BB962C8B-B14F-4D97-AF65-F5344CB8AC3E}">
@@ -5583,7 +4737,7 @@
             <a:pPr lvl="1"/>
             <a:r>
               <a:rPr lang="en-US" sz="1400" dirty="0"/>
-              <a:t>Pike Market Place for breakfast and shopping</a:t>
+              <a:t>Pike Place Market for breakfast and shopping</a:t>
             </a:r>
           </a:p>
           <a:p>
@@ -5623,91 +4777,8 @@
             <a:pPr lvl="1"/>
             <a:r>
               <a:rPr lang="en-US" sz="1500" dirty="0"/>
-              <a:t>Pike Market Place Place for dinner</a:t>
-            </a:r>
-          </a:p>
-        </p:txBody>
-      </p:sp>
-      <p:sp>
-        <p:nvSpPr>
-          <p:cNvPr id="4" name="Footer Placeholder 3">
-            <a:extLst>
-              <a:ext uri="{FF2B5EF4-FFF2-40B4-BE49-F238E27FC236}">
-                <a16:creationId xmlns:a16="http://schemas.microsoft.com/office/drawing/2014/main" id="{E35631D8-0A5A-474F-8D45-7BC0A417B0D8}"/>
-              </a:ext>
-            </a:extLst>
-          </p:cNvPr>
-          <p:cNvSpPr>
-            <a:spLocks noGrp="1"/>
-          </p:cNvSpPr>
-          <p:nvPr>
-            <p:ph type="ftr" sz="quarter" idx="11"/>
-          </p:nvPr>
-        </p:nvSpPr>
-        <p:spPr/>
-        <p:txBody>
-          <a:bodyPr/>
-          <a:lstStyle/>
-          <a:p>
-            <a:pPr defTabSz="342900"/>
-            <a:r>
-              <a:rPr lang="en-US">
-                <a:solidFill>
-                  <a:prstClr val="white">
-                    <a:lumMod val="50000"/>
-                    <a:lumOff val="50000"/>
-                  </a:prstClr>
-                </a:solidFill>
-              </a:rPr>
-              <a:t>Seattle</a:t>
-            </a:r>
-            <a:endParaRPr lang="en-US" dirty="0">
-              <a:solidFill>
-                <a:prstClr val="white">
-                  <a:lumMod val="50000"/>
-                  <a:lumOff val="50000"/>
-                </a:prstClr>
-              </a:solidFill>
-            </a:endParaRPr>
-          </a:p>
-        </p:txBody>
-      </p:sp>
-      <p:sp>
-        <p:nvSpPr>
-          <p:cNvPr id="5" name="Slide Number Placeholder 4">
-            <a:extLst>
-              <a:ext uri="{FF2B5EF4-FFF2-40B4-BE49-F238E27FC236}">
-                <a16:creationId xmlns:a16="http://schemas.microsoft.com/office/drawing/2014/main" id="{0C8F1EAC-7CB4-4AB9-AE17-870867C6A8C3}"/>
-              </a:ext>
-            </a:extLst>
-          </p:cNvPr>
-          <p:cNvSpPr>
-            <a:spLocks noGrp="1"/>
-          </p:cNvSpPr>
-          <p:nvPr>
-            <p:ph type="sldNum" sz="quarter" idx="12"/>
-          </p:nvPr>
-        </p:nvSpPr>
-        <p:spPr/>
-        <p:txBody>
-          <a:bodyPr/>
-          <a:lstStyle/>
-          <a:p>
-            <a:pPr defTabSz="342900"/>
-            <a:fld id="{4FAB73BC-B049-4115-A692-8D63A059BFB8}" type="slidenum">
-              <a:rPr lang="en-US" smtClean="0">
-                <a:solidFill>
-                  <a:srgbClr val="818E9F"/>
-                </a:solidFill>
-              </a:rPr>
-              <a:pPr defTabSz="342900"/>
-              <a:t>4</a:t>
-            </a:fld>
-            <a:endParaRPr lang="en-US" dirty="0">
-              <a:solidFill>
-                <a:srgbClr val="818E9F"/>
-              </a:solidFill>
-            </a:endParaRPr>
+              <a:t>Pike Place Market for dinner</a:t>
+            </a:r>
           </a:p>
         </p:txBody>
       </p:sp>
@@ -5769,10 +4840,9 @@
           <a:lstStyle/>
           <a:p>
             <a:r>
-              <a:rPr lang="en-US"/>
+              <a:rPr lang="en-US" dirty="0"/>
               <a:t>Day Two Sample Itinerary</a:t>
             </a:r>
-            <a:endParaRPr lang="en-US" dirty="0"/>
           </a:p>
         </p:txBody>
       </p:sp>
@@ -5793,7 +4863,7 @@
           <a:p>
             <a:r>
               <a:rPr lang="en-US" dirty="0"/>
-              <a:t>Pike Market Place</a:t>
+              <a:t>Pike Place Market</a:t>
             </a:r>
           </a:p>
           <a:p>
@@ -5848,8 +4918,8 @@
         </p:blipFill>
         <p:spPr>
           <a:xfrm>
-            <a:off x="6218238" y="2006204"/>
-            <a:ext cx="4937125" cy="3702843"/>
+            <a:off x="4663679" y="2361904"/>
+            <a:ext cx="3702844" cy="2777132"/>
           </a:xfrm>
           <a:prstGeom prst="rect">
             <a:avLst/>
@@ -5890,93 +4960,10 @@
           </a:sp3d>
         </p:spPr>
       </p:pic>
-      <p:sp>
-        <p:nvSpPr>
-          <p:cNvPr id="4" name="Footer Placeholder 3">
-            <a:extLst>
-              <a:ext uri="{FF2B5EF4-FFF2-40B4-BE49-F238E27FC236}">
-                <a16:creationId xmlns:a16="http://schemas.microsoft.com/office/drawing/2014/main" id="{2455B8BB-593B-428B-B66B-BFBF0C54E3C7}"/>
-              </a:ext>
-            </a:extLst>
-          </p:cNvPr>
-          <p:cNvSpPr>
-            <a:spLocks noGrp="1"/>
-          </p:cNvSpPr>
-          <p:nvPr>
-            <p:ph type="ftr" sz="quarter" idx="11"/>
-          </p:nvPr>
-        </p:nvSpPr>
-        <p:spPr/>
-        <p:txBody>
-          <a:bodyPr/>
-          <a:lstStyle/>
-          <a:p>
-            <a:pPr defTabSz="342900"/>
-            <a:r>
-              <a:rPr lang="en-US">
-                <a:solidFill>
-                  <a:prstClr val="white">
-                    <a:lumMod val="50000"/>
-                    <a:lumOff val="50000"/>
-                  </a:prstClr>
-                </a:solidFill>
-              </a:rPr>
-              <a:t>Seattle</a:t>
-            </a:r>
-            <a:endParaRPr lang="en-US" dirty="0">
-              <a:solidFill>
-                <a:prstClr val="white">
-                  <a:lumMod val="50000"/>
-                  <a:lumOff val="50000"/>
-                </a:prstClr>
-              </a:solidFill>
-            </a:endParaRPr>
-          </a:p>
-        </p:txBody>
-      </p:sp>
-      <p:sp>
-        <p:nvSpPr>
-          <p:cNvPr id="5" name="Slide Number Placeholder 4">
-            <a:extLst>
-              <a:ext uri="{FF2B5EF4-FFF2-40B4-BE49-F238E27FC236}">
-                <a16:creationId xmlns:a16="http://schemas.microsoft.com/office/drawing/2014/main" id="{B9D84A51-0229-4C74-B450-361425B0875B}"/>
-              </a:ext>
-            </a:extLst>
-          </p:cNvPr>
-          <p:cNvSpPr>
-            <a:spLocks noGrp="1"/>
-          </p:cNvSpPr>
-          <p:nvPr>
-            <p:ph type="sldNum" sz="quarter" idx="12"/>
-          </p:nvPr>
-        </p:nvSpPr>
-        <p:spPr/>
-        <p:txBody>
-          <a:bodyPr/>
-          <a:lstStyle/>
-          <a:p>
-            <a:pPr defTabSz="342900"/>
-            <a:fld id="{4FAB73BC-B049-4115-A692-8D63A059BFB8}" type="slidenum">
-              <a:rPr lang="en-US" smtClean="0">
-                <a:solidFill>
-                  <a:srgbClr val="818E9F"/>
-                </a:solidFill>
-              </a:rPr>
-              <a:pPr defTabSz="342900"/>
-              <a:t>5</a:t>
-            </a:fld>
-            <a:endParaRPr lang="en-US" dirty="0">
-              <a:solidFill>
-                <a:srgbClr val="818E9F"/>
-              </a:solidFill>
-            </a:endParaRPr>
-          </a:p>
-        </p:txBody>
-      </p:sp>
     </p:spTree>
     <p:extLst>
       <p:ext uri="{BB962C8B-B14F-4D97-AF65-F5344CB8AC3E}">
-        <p14:creationId xmlns:p14="http://schemas.microsoft.com/office/powerpoint/2010/main" val="76303506"/>
+        <p14:creationId xmlns:p14="http://schemas.microsoft.com/office/powerpoint/2010/main" val="2509816388"/>
       </p:ext>
     </p:extLst>
   </p:cSld>
@@ -6023,7 +5010,7 @@
         </p:nvSpPr>
         <p:spPr>
           <a:xfrm>
-            <a:off x="4708855" y="2678231"/>
+            <a:off x="3184855" y="2678231"/>
             <a:ext cx="5091830" cy="1477328"/>
           </a:xfrm>
           <a:prstGeom prst="rect">
@@ -6039,7 +5026,7 @@
           <a:p>
             <a:pPr algn="ctr" defTabSz="342900"/>
             <a:r>
-              <a:rPr lang="en-US" sz="4500" dirty="0">
+              <a:rPr lang="en-US" sz="4500" b="1" i="1" dirty="0">
                 <a:solidFill>
                   <a:schemeClr val="accent1">
                     <a:lumMod val="50000"/>
@@ -6050,7 +5037,7 @@
               <a:t>And if you can spare</a:t>
             </a:r>
             <a:br>
-              <a:rPr lang="en-US" sz="4500" dirty="0">
+              <a:rPr lang="en-US" sz="4500" b="1" i="1" dirty="0">
                 <a:solidFill>
                   <a:schemeClr val="accent1">
                     <a:lumMod val="50000"/>
@@ -6060,7 +5047,7 @@
               </a:rPr>
             </a:br>
             <a:r>
-              <a:rPr lang="en-US" sz="4500" dirty="0">
+              <a:rPr lang="en-US" sz="4500" b="1" i="1" dirty="0">
                 <a:solidFill>
                   <a:schemeClr val="accent1">
                     <a:lumMod val="50000"/>
@@ -6070,89 +5057,6 @@
               </a:rPr>
               <a:t>one more day…</a:t>
             </a:r>
-          </a:p>
-        </p:txBody>
-      </p:sp>
-      <p:sp>
-        <p:nvSpPr>
-          <p:cNvPr id="2" name="Footer Placeholder 1">
-            <a:extLst>
-              <a:ext uri="{FF2B5EF4-FFF2-40B4-BE49-F238E27FC236}">
-                <a16:creationId xmlns:a16="http://schemas.microsoft.com/office/drawing/2014/main" id="{98C1FAAA-5FEA-4164-A26B-A0507832AAD9}"/>
-              </a:ext>
-            </a:extLst>
-          </p:cNvPr>
-          <p:cNvSpPr>
-            <a:spLocks noGrp="1"/>
-          </p:cNvSpPr>
-          <p:nvPr>
-            <p:ph type="ftr" sz="quarter" idx="11"/>
-          </p:nvPr>
-        </p:nvSpPr>
-        <p:spPr/>
-        <p:txBody>
-          <a:bodyPr/>
-          <a:lstStyle/>
-          <a:p>
-            <a:pPr defTabSz="342900"/>
-            <a:r>
-              <a:rPr lang="en-US">
-                <a:solidFill>
-                  <a:prstClr val="white">
-                    <a:lumMod val="50000"/>
-                    <a:lumOff val="50000"/>
-                  </a:prstClr>
-                </a:solidFill>
-              </a:rPr>
-              <a:t>Seattle</a:t>
-            </a:r>
-            <a:endParaRPr lang="en-US" dirty="0">
-              <a:solidFill>
-                <a:prstClr val="white">
-                  <a:lumMod val="50000"/>
-                  <a:lumOff val="50000"/>
-                </a:prstClr>
-              </a:solidFill>
-            </a:endParaRPr>
-          </a:p>
-        </p:txBody>
-      </p:sp>
-      <p:sp>
-        <p:nvSpPr>
-          <p:cNvPr id="3" name="Slide Number Placeholder 2">
-            <a:extLst>
-              <a:ext uri="{FF2B5EF4-FFF2-40B4-BE49-F238E27FC236}">
-                <a16:creationId xmlns:a16="http://schemas.microsoft.com/office/drawing/2014/main" id="{92253378-1A0B-4D17-881F-A22BBA703BBA}"/>
-              </a:ext>
-            </a:extLst>
-          </p:cNvPr>
-          <p:cNvSpPr>
-            <a:spLocks noGrp="1"/>
-          </p:cNvSpPr>
-          <p:nvPr>
-            <p:ph type="sldNum" sz="quarter" idx="12"/>
-          </p:nvPr>
-        </p:nvSpPr>
-        <p:spPr/>
-        <p:txBody>
-          <a:bodyPr/>
-          <a:lstStyle/>
-          <a:p>
-            <a:pPr defTabSz="342900"/>
-            <a:fld id="{4FAB73BC-B049-4115-A692-8D63A059BFB8}" type="slidenum">
-              <a:rPr lang="en-US" smtClean="0">
-                <a:solidFill>
-                  <a:srgbClr val="818E9F"/>
-                </a:solidFill>
-              </a:rPr>
-              <a:pPr defTabSz="342900"/>
-              <a:t>6</a:t>
-            </a:fld>
-            <a:endParaRPr lang="en-US" dirty="0">
-              <a:solidFill>
-                <a:srgbClr val="818E9F"/>
-              </a:solidFill>
-            </a:endParaRPr>
           </a:p>
         </p:txBody>
       </p:sp>
@@ -6220,7 +5124,7 @@
         </p:nvSpPr>
         <p:spPr>
           <a:xfrm>
-            <a:off x="1524000" y="5169753"/>
+            <a:off x="0" y="5169753"/>
             <a:ext cx="9144000" cy="854080"/>
           </a:xfrm>
           <a:prstGeom prst="rect">
@@ -6249,89 +5153,6 @@
               </a:rPr>
               <a:t>Visit Mt. Rainier National Park!</a:t>
             </a:r>
-          </a:p>
-        </p:txBody>
-      </p:sp>
-      <p:sp>
-        <p:nvSpPr>
-          <p:cNvPr id="3" name="Footer Placeholder 2">
-            <a:extLst>
-              <a:ext uri="{FF2B5EF4-FFF2-40B4-BE49-F238E27FC236}">
-                <a16:creationId xmlns:a16="http://schemas.microsoft.com/office/drawing/2014/main" id="{90A4C5E9-A878-47A9-B0D9-275959957AE2}"/>
-              </a:ext>
-            </a:extLst>
-          </p:cNvPr>
-          <p:cNvSpPr>
-            <a:spLocks noGrp="1"/>
-          </p:cNvSpPr>
-          <p:nvPr>
-            <p:ph type="ftr" sz="quarter" idx="11"/>
-          </p:nvPr>
-        </p:nvSpPr>
-        <p:spPr/>
-        <p:txBody>
-          <a:bodyPr/>
-          <a:lstStyle/>
-          <a:p>
-            <a:pPr defTabSz="342900"/>
-            <a:r>
-              <a:rPr lang="en-US">
-                <a:solidFill>
-                  <a:prstClr val="white">
-                    <a:lumMod val="50000"/>
-                    <a:lumOff val="50000"/>
-                  </a:prstClr>
-                </a:solidFill>
-              </a:rPr>
-              <a:t>Seattle</a:t>
-            </a:r>
-            <a:endParaRPr lang="en-US" dirty="0">
-              <a:solidFill>
-                <a:prstClr val="white">
-                  <a:lumMod val="50000"/>
-                  <a:lumOff val="50000"/>
-                </a:prstClr>
-              </a:solidFill>
-            </a:endParaRPr>
-          </a:p>
-        </p:txBody>
-      </p:sp>
-      <p:sp>
-        <p:nvSpPr>
-          <p:cNvPr id="4" name="Slide Number Placeholder 3">
-            <a:extLst>
-              <a:ext uri="{FF2B5EF4-FFF2-40B4-BE49-F238E27FC236}">
-                <a16:creationId xmlns:a16="http://schemas.microsoft.com/office/drawing/2014/main" id="{DC2274BD-33EC-4595-8DF5-6C8D3A717F5A}"/>
-              </a:ext>
-            </a:extLst>
-          </p:cNvPr>
-          <p:cNvSpPr>
-            <a:spLocks noGrp="1"/>
-          </p:cNvSpPr>
-          <p:nvPr>
-            <p:ph type="sldNum" sz="quarter" idx="12"/>
-          </p:nvPr>
-        </p:nvSpPr>
-        <p:spPr/>
-        <p:txBody>
-          <a:bodyPr/>
-          <a:lstStyle/>
-          <a:p>
-            <a:pPr defTabSz="342900"/>
-            <a:fld id="{4FAB73BC-B049-4115-A692-8D63A059BFB8}" type="slidenum">
-              <a:rPr lang="en-US" smtClean="0">
-                <a:solidFill>
-                  <a:srgbClr val="818E9F"/>
-                </a:solidFill>
-              </a:rPr>
-              <a:pPr defTabSz="342900"/>
-              <a:t>7</a:t>
-            </a:fld>
-            <a:endParaRPr lang="en-US" dirty="0">
-              <a:solidFill>
-                <a:srgbClr val="818E9F"/>
-              </a:solidFill>
-            </a:endParaRPr>
           </a:p>
         </p:txBody>
       </p:sp>
@@ -6619,299 +5440,4 @@
     </a:ext>
   </a:extLst>
 </a:theme>
-</file>
-
-<file path=ppt/theme/theme2.xml><?xml version="1.0" encoding="utf-8"?>
-<a:theme xmlns:a="http://schemas.openxmlformats.org/drawingml/2006/main" name="Office Theme">
-  <a:themeElements>
-    <a:clrScheme name="Office">
-      <a:dk1>
-        <a:sysClr val="windowText" lastClr="000000"/>
-      </a:dk1>
-      <a:lt1>
-        <a:sysClr val="window" lastClr="FFFFFF"/>
-      </a:lt1>
-      <a:dk2>
-        <a:srgbClr val="44546A"/>
-      </a:dk2>
-      <a:lt2>
-        <a:srgbClr val="E7E6E6"/>
-      </a:lt2>
-      <a:accent1>
-        <a:srgbClr val="4472C4"/>
-      </a:accent1>
-      <a:accent2>
-        <a:srgbClr val="ED7D31"/>
-      </a:accent2>
-      <a:accent3>
-        <a:srgbClr val="A5A5A5"/>
-      </a:accent3>
-      <a:accent4>
-        <a:srgbClr val="FFC000"/>
-      </a:accent4>
-      <a:accent5>
-        <a:srgbClr val="5B9BD5"/>
-      </a:accent5>
-      <a:accent6>
-        <a:srgbClr val="70AD47"/>
-      </a:accent6>
-      <a:hlink>
-        <a:srgbClr val="0563C1"/>
-      </a:hlink>
-      <a:folHlink>
-        <a:srgbClr val="954F72"/>
-      </a:folHlink>
-    </a:clrScheme>
-    <a:fontScheme name="Office">
-      <a:majorFont>
-        <a:latin typeface="Calibri Light" panose="020F0302020204030204"/>
-        <a:ea typeface=""/>
-        <a:cs typeface=""/>
-        <a:font script="Jpan" typeface="游ゴシック Light"/>
-        <a:font script="Hang" typeface="맑은 고딕"/>
-        <a:font script="Hans" typeface="等线 Light"/>
-        <a:font script="Hant" typeface="新細明體"/>
-        <a:font script="Arab" typeface="Times New Roman"/>
-        <a:font script="Hebr" typeface="Times New Roman"/>
-        <a:font script="Thai" typeface="Angsana New"/>
-        <a:font script="Ethi" typeface="Nyala"/>
-        <a:font script="Beng" typeface="Vrinda"/>
-        <a:font script="Gujr" typeface="Shruti"/>
-        <a:font script="Khmr" typeface="MoolBoran"/>
-        <a:font script="Knda" typeface="Tunga"/>
-        <a:font script="Guru" typeface="Raavi"/>
-        <a:font script="Cans" typeface="Euphemia"/>
-        <a:font script="Cher" typeface="Plantagenet Cherokee"/>
-        <a:font script="Yiii" typeface="Microsoft Yi Baiti"/>
-        <a:font script="Tibt" typeface="Microsoft Himalaya"/>
-        <a:font script="Thaa" typeface="MV Boli"/>
-        <a:font script="Deva" typeface="Mangal"/>
-        <a:font script="Telu" typeface="Gautami"/>
-        <a:font script="Taml" typeface="Latha"/>
-        <a:font script="Syrc" typeface="Estrangelo Edessa"/>
-        <a:font script="Orya" typeface="Kalinga"/>
-        <a:font script="Mlym" typeface="Kartika"/>
-        <a:font script="Laoo" typeface="DokChampa"/>
-        <a:font script="Sinh" typeface="Iskoola Pota"/>
-        <a:font script="Mong" typeface="Mongolian Baiti"/>
-        <a:font script="Viet" typeface="Times New Roman"/>
-        <a:font script="Uigh" typeface="Microsoft Uighur"/>
-        <a:font script="Geor" typeface="Sylfaen"/>
-        <a:font script="Armn" typeface="Arial"/>
-        <a:font script="Bugi" typeface="Leelawadee UI"/>
-        <a:font script="Bopo" typeface="Microsoft JhengHei"/>
-        <a:font script="Java" typeface="Javanese Text"/>
-        <a:font script="Lisu" typeface="Segoe UI"/>
-        <a:font script="Mymr" typeface="Myanmar Text"/>
-        <a:font script="Nkoo" typeface="Ebrima"/>
-        <a:font script="Olck" typeface="Nirmala UI"/>
-        <a:font script="Osma" typeface="Ebrima"/>
-        <a:font script="Phag" typeface="Phagspa"/>
-        <a:font script="Syrn" typeface="Estrangelo Edessa"/>
-        <a:font script="Syrj" typeface="Estrangelo Edessa"/>
-        <a:font script="Syre" typeface="Estrangelo Edessa"/>
-        <a:font script="Sora" typeface="Nirmala UI"/>
-        <a:font script="Tale" typeface="Microsoft Tai Le"/>
-        <a:font script="Talu" typeface="Microsoft New Tai Lue"/>
-        <a:font script="Tfng" typeface="Ebrima"/>
-      </a:majorFont>
-      <a:minorFont>
-        <a:latin typeface="Calibri" panose="020F0502020204030204"/>
-        <a:ea typeface=""/>
-        <a:cs typeface=""/>
-        <a:font script="Jpan" typeface="游ゴシック"/>
-        <a:font script="Hang" typeface="맑은 고딕"/>
-        <a:font script="Hans" typeface="等线"/>
-        <a:font script="Hant" typeface="新細明體"/>
-        <a:font script="Arab" typeface="Arial"/>
-        <a:font script="Hebr" typeface="Arial"/>
-        <a:font script="Thai" typeface="Cordia New"/>
-        <a:font script="Ethi" typeface="Nyala"/>
-        <a:font script="Beng" typeface="Vrinda"/>
-        <a:font script="Gujr" typeface="Shruti"/>
-        <a:font script="Khmr" typeface="DaunPenh"/>
-        <a:font script="Knda" typeface="Tunga"/>
-        <a:font script="Guru" typeface="Raavi"/>
-        <a:font script="Cans" typeface="Euphemia"/>
-        <a:font script="Cher" typeface="Plantagenet Cherokee"/>
-        <a:font script="Yiii" typeface="Microsoft Yi Baiti"/>
-        <a:font script="Tibt" typeface="Microsoft Himalaya"/>
-        <a:font script="Thaa" typeface="MV Boli"/>
-        <a:font script="Deva" typeface="Mangal"/>
-        <a:font script="Telu" typeface="Gautami"/>
-        <a:font script="Taml" typeface="Latha"/>
-        <a:font script="Syrc" typeface="Estrangelo Edessa"/>
-        <a:font script="Orya" typeface="Kalinga"/>
-        <a:font script="Mlym" typeface="Kartika"/>
-        <a:font script="Laoo" typeface="DokChampa"/>
-        <a:font script="Sinh" typeface="Iskoola Pota"/>
-        <a:font script="Mong" typeface="Mongolian Baiti"/>
-        <a:font script="Viet" typeface="Arial"/>
-        <a:font script="Uigh" typeface="Microsoft Uighur"/>
-        <a:font script="Geor" typeface="Sylfaen"/>
-        <a:font script="Armn" typeface="Arial"/>
-        <a:font script="Bugi" typeface="Leelawadee UI"/>
-        <a:font script="Bopo" typeface="Microsoft JhengHei"/>
-        <a:font script="Java" typeface="Javanese Text"/>
-        <a:font script="Lisu" typeface="Segoe UI"/>
-        <a:font script="Mymr" typeface="Myanmar Text"/>
-        <a:font script="Nkoo" typeface="Ebrima"/>
-        <a:font script="Olck" typeface="Nirmala UI"/>
-        <a:font script="Osma" typeface="Ebrima"/>
-        <a:font script="Phag" typeface="Phagspa"/>
-        <a:font script="Syrn" typeface="Estrangelo Edessa"/>
-        <a:font script="Syrj" typeface="Estrangelo Edessa"/>
-        <a:font script="Syre" typeface="Estrangelo Edessa"/>
-        <a:font script="Sora" typeface="Nirmala UI"/>
-        <a:font script="Tale" typeface="Microsoft Tai Le"/>
-        <a:font script="Talu" typeface="Microsoft New Tai Lue"/>
-        <a:font script="Tfng" typeface="Ebrima"/>
-      </a:minorFont>
-    </a:fontScheme>
-    <a:fmtScheme name="Office">
-      <a:fillStyleLst>
-        <a:solidFill>
-          <a:schemeClr val="phClr"/>
-        </a:solidFill>
-        <a:gradFill rotWithShape="1">
-          <a:gsLst>
-            <a:gs pos="0">
-              <a:schemeClr val="phClr">
-                <a:lumMod val="110000"/>
-                <a:satMod val="105000"/>
-                <a:tint val="67000"/>
-              </a:schemeClr>
-            </a:gs>
-            <a:gs pos="50000">
-              <a:schemeClr val="phClr">
-                <a:lumMod val="105000"/>
-                <a:satMod val="103000"/>
-                <a:tint val="73000"/>
-              </a:schemeClr>
-            </a:gs>
-            <a:gs pos="100000">
-              <a:schemeClr val="phClr">
-                <a:lumMod val="105000"/>
-                <a:satMod val="109000"/>
-                <a:tint val="81000"/>
-              </a:schemeClr>
-            </a:gs>
-          </a:gsLst>
-          <a:lin ang="5400000" scaled="0"/>
-        </a:gradFill>
-        <a:gradFill rotWithShape="1">
-          <a:gsLst>
-            <a:gs pos="0">
-              <a:schemeClr val="phClr">
-                <a:satMod val="103000"/>
-                <a:lumMod val="102000"/>
-                <a:tint val="94000"/>
-              </a:schemeClr>
-            </a:gs>
-            <a:gs pos="50000">
-              <a:schemeClr val="phClr">
-                <a:satMod val="110000"/>
-                <a:lumMod val="100000"/>
-                <a:shade val="100000"/>
-              </a:schemeClr>
-            </a:gs>
-            <a:gs pos="100000">
-              <a:schemeClr val="phClr">
-                <a:lumMod val="99000"/>
-                <a:satMod val="120000"/>
-                <a:shade val="78000"/>
-              </a:schemeClr>
-            </a:gs>
-          </a:gsLst>
-          <a:lin ang="5400000" scaled="0"/>
-        </a:gradFill>
-      </a:fillStyleLst>
-      <a:lnStyleLst>
-        <a:ln w="6350" cap="flat" cmpd="sng" algn="ctr">
-          <a:solidFill>
-            <a:schemeClr val="phClr"/>
-          </a:solidFill>
-          <a:prstDash val="solid"/>
-          <a:miter lim="800000"/>
-        </a:ln>
-        <a:ln w="12700" cap="flat" cmpd="sng" algn="ctr">
-          <a:solidFill>
-            <a:schemeClr val="phClr"/>
-          </a:solidFill>
-          <a:prstDash val="solid"/>
-          <a:miter lim="800000"/>
-        </a:ln>
-        <a:ln w="19050" cap="flat" cmpd="sng" algn="ctr">
-          <a:solidFill>
-            <a:schemeClr val="phClr"/>
-          </a:solidFill>
-          <a:prstDash val="solid"/>
-          <a:miter lim="800000"/>
-        </a:ln>
-      </a:lnStyleLst>
-      <a:effectStyleLst>
-        <a:effectStyle>
-          <a:effectLst/>
-        </a:effectStyle>
-        <a:effectStyle>
-          <a:effectLst/>
-        </a:effectStyle>
-        <a:effectStyle>
-          <a:effectLst>
-            <a:outerShdw blurRad="57150" dist="19050" dir="5400000" algn="ctr" rotWithShape="0">
-              <a:srgbClr val="000000">
-                <a:alpha val="63000"/>
-              </a:srgbClr>
-            </a:outerShdw>
-          </a:effectLst>
-        </a:effectStyle>
-      </a:effectStyleLst>
-      <a:bgFillStyleLst>
-        <a:solidFill>
-          <a:schemeClr val="phClr"/>
-        </a:solidFill>
-        <a:solidFill>
-          <a:schemeClr val="phClr">
-            <a:tint val="95000"/>
-            <a:satMod val="170000"/>
-          </a:schemeClr>
-        </a:solidFill>
-        <a:gradFill rotWithShape="1">
-          <a:gsLst>
-            <a:gs pos="0">
-              <a:schemeClr val="phClr">
-                <a:tint val="93000"/>
-                <a:satMod val="150000"/>
-                <a:shade val="98000"/>
-                <a:lumMod val="102000"/>
-              </a:schemeClr>
-            </a:gs>
-            <a:gs pos="50000">
-              <a:schemeClr val="phClr">
-                <a:tint val="98000"/>
-                <a:satMod val="130000"/>
-                <a:shade val="90000"/>
-                <a:lumMod val="103000"/>
-              </a:schemeClr>
-            </a:gs>
-            <a:gs pos="100000">
-              <a:schemeClr val="phClr">
-                <a:shade val="63000"/>
-                <a:satMod val="120000"/>
-              </a:schemeClr>
-            </a:gs>
-          </a:gsLst>
-          <a:lin ang="5400000" scaled="0"/>
-        </a:gradFill>
-      </a:bgFillStyleLst>
-    </a:fmtScheme>
-  </a:themeElements>
-  <a:objectDefaults/>
-  <a:extraClrSchemeLst/>
-  <a:extLst>
-    <a:ext uri="{05A4C25C-085E-4340-85A3-A5531E510DB2}">
-      <thm15:themeFamily xmlns:thm15="http://schemas.microsoft.com/office/thememl/2012/main" name="Office Theme" id="{62F939B6-93AF-4DB8-9C6B-D6C7DFDC589F}" vid="{4A3C46E8-61CC-4603-A589-7422A47A8E4A}"/>
-    </a:ext>
-  </a:extLst>
-</a:theme>
 </file>
--- a/Desktop Publishing & Presentation Graphics Applications/Microsoft PowerPoint-Comprehensive/Getting Started with Microsoft PowerPoint/Seattle.pptx
+++ b/Desktop Publishing & Presentation Graphics Applications/Microsoft PowerPoint-Comprehensive/Getting Started with Microsoft PowerPoint/Seattle.pptx
@@ -2,18 +2,18 @@
 <file path=ppt/presentation.xml><?xml version="1.0" encoding="utf-8"?>
 <p:presentation xmlns:a="http://schemas.openxmlformats.org/drawingml/2006/main" xmlns:r="http://schemas.openxmlformats.org/officeDocument/2006/relationships" xmlns:p="http://schemas.openxmlformats.org/presentationml/2006/main" saveSubsetFonts="1">
   <p:sldMasterIdLst>
-    <p:sldMasterId id="2147483900" r:id="rId1"/>
+    <p:sldMasterId id="2147483876" r:id="rId1"/>
   </p:sldMasterIdLst>
   <p:sldIdLst>
     <p:sldId id="264" r:id="rId2"/>
     <p:sldId id="260" r:id="rId3"/>
-    <p:sldId id="261" r:id="rId4"/>
-    <p:sldId id="262" r:id="rId5"/>
-    <p:sldId id="265" r:id="rId6"/>
+    <p:sldId id="262" r:id="rId4"/>
+    <p:sldId id="265" r:id="rId5"/>
+    <p:sldId id="261" r:id="rId6"/>
     <p:sldId id="258" r:id="rId7"/>
     <p:sldId id="259" r:id="rId8"/>
   </p:sldIdLst>
-  <p:sldSz cx="9144000" cy="6858000" type="screen4x3"/>
+  <p:sldSz cx="12192000" cy="6858000"/>
   <p:notesSz cx="6858000" cy="9144000"/>
   <p:defaultTextStyle>
     <a:defPPr>
@@ -121,7 +121,7 @@
 <file path=ppt/revisionInfo.xml><?xml version="1.0" encoding="utf-8"?>
 <p1510:revInfo xmlns:a="http://schemas.openxmlformats.org/drawingml/2006/main" xmlns:r="http://schemas.openxmlformats.org/officeDocument/2006/relationships" xmlns:p1510="http://schemas.microsoft.com/office/powerpoint/2015/10/main">
   <p1510:revLst>
-    <p1510:client id="{4725CB5F-4605-480E-9824-30CCFA0E54A6}" v="50" dt="2019-12-01T20:07:58.249"/>
+    <p1510:client id="{01F47973-9CB2-44DD-8EBD-67833D4EF65D}" v="53" dt="2020-06-08T20:29:28.116"/>
   </p1510:revLst>
 </p1510:revInfo>
 </file>
@@ -129,27 +129,43 @@
 <file path=ppt/changesInfos/changesInfo1.xml><?xml version="1.0" encoding="utf-8"?>
 <pc:chgInfo xmlns:a="http://schemas.openxmlformats.org/drawingml/2006/main" xmlns:r="http://schemas.openxmlformats.org/officeDocument/2006/relationships" xmlns:ac="http://schemas.microsoft.com/office/drawing/2013/main/command" xmlns:pc="http://schemas.microsoft.com/office/powerpoint/2013/main/command">
   <pc:docChgLst>
-    <pc:chgData name="SOUMYA VAJJHALA" userId="f3e3711e514002e0" providerId="LiveId" clId="{4725CB5F-4605-480E-9824-30CCFA0E54A6}"/>
-    <pc:docChg chg="undo custSel addSld delSld modSld sldOrd modMainMaster">
-      <pc:chgData name="SOUMYA VAJJHALA" userId="f3e3711e514002e0" providerId="LiveId" clId="{4725CB5F-4605-480E-9824-30CCFA0E54A6}" dt="2019-12-01T20:07:58.249" v="86"/>
+    <pc:chgData name="SOUMYA VAJJHALA" userId="f3e3711e514002e0" providerId="LiveId" clId="{01F47973-9CB2-44DD-8EBD-67833D4EF65D}"/>
+    <pc:docChg chg="undo custSel addSld delSld modSld sldOrd delMainMaster modMainMaster">
+      <pc:chgData name="SOUMYA VAJJHALA" userId="f3e3711e514002e0" providerId="LiveId" clId="{01F47973-9CB2-44DD-8EBD-67833D4EF65D}" dt="2020-06-08T20:29:28.116" v="79"/>
       <pc:docMkLst>
         <pc:docMk/>
       </pc:docMkLst>
-      <pc:sldChg chg="del">
-        <pc:chgData name="SOUMYA VAJJHALA" userId="f3e3711e514002e0" providerId="LiveId" clId="{4725CB5F-4605-480E-9824-30CCFA0E54A6}" dt="2019-12-01T20:05:56.328" v="79" actId="2696"/>
+      <pc:sldChg chg="modSp del">
+        <pc:chgData name="SOUMYA VAJJHALA" userId="f3e3711e514002e0" providerId="LiveId" clId="{01F47973-9CB2-44DD-8EBD-67833D4EF65D}" dt="2020-06-08T20:24:54.585" v="62" actId="47"/>
         <pc:sldMkLst>
           <pc:docMk/>
           <pc:sldMk cId="1863023238" sldId="257"/>
         </pc:sldMkLst>
+        <pc:spChg chg="mod">
+          <ac:chgData name="SOUMYA VAJJHALA" userId="f3e3711e514002e0" providerId="LiveId" clId="{01F47973-9CB2-44DD-8EBD-67833D4EF65D}" dt="2020-06-08T20:20:29.229" v="61"/>
+          <ac:spMkLst>
+            <pc:docMk/>
+            <pc:sldMk cId="1863023238" sldId="257"/>
+            <ac:spMk id="2" creationId="{00000000-0000-0000-0000-000000000000}"/>
+          </ac:spMkLst>
+        </pc:spChg>
+        <pc:spChg chg="mod">
+          <ac:chgData name="SOUMYA VAJJHALA" userId="f3e3711e514002e0" providerId="LiveId" clId="{01F47973-9CB2-44DD-8EBD-67833D4EF65D}" dt="2020-06-08T20:20:29.229" v="61"/>
+          <ac:spMkLst>
+            <pc:docMk/>
+            <pc:sldMk cId="1863023238" sldId="257"/>
+            <ac:spMk id="3" creationId="{00000000-0000-0000-0000-000000000000}"/>
+          </ac:spMkLst>
+        </pc:spChg>
       </pc:sldChg>
-      <pc:sldChg chg="modSp ord modTransition">
-        <pc:chgData name="SOUMYA VAJJHALA" userId="f3e3711e514002e0" providerId="LiveId" clId="{4725CB5F-4605-480E-9824-30CCFA0E54A6}" dt="2019-12-01T20:07:58.249" v="86"/>
+      <pc:sldChg chg="modSp mod ord modTransition">
+        <pc:chgData name="SOUMYA VAJJHALA" userId="f3e3711e514002e0" providerId="LiveId" clId="{01F47973-9CB2-44DD-8EBD-67833D4EF65D}" dt="2020-06-08T20:29:28.116" v="79"/>
         <pc:sldMkLst>
           <pc:docMk/>
           <pc:sldMk cId="829478752" sldId="258"/>
         </pc:sldMkLst>
         <pc:spChg chg="mod">
-          <ac:chgData name="SOUMYA VAJJHALA" userId="f3e3711e514002e0" providerId="LiveId" clId="{4725CB5F-4605-480E-9824-30CCFA0E54A6}" dt="2019-12-01T20:02:16.568" v="63" actId="947"/>
+          <ac:chgData name="SOUMYA VAJJHALA" userId="f3e3711e514002e0" providerId="LiveId" clId="{01F47973-9CB2-44DD-8EBD-67833D4EF65D}" dt="2020-06-08T20:09:27.701" v="49" actId="114"/>
           <ac:spMkLst>
             <pc:docMk/>
             <pc:sldMk cId="829478752" sldId="258"/>
@@ -158,13 +174,13 @@
         </pc:spChg>
       </pc:sldChg>
       <pc:sldChg chg="modSp ord modTransition">
-        <pc:chgData name="SOUMYA VAJJHALA" userId="f3e3711e514002e0" providerId="LiveId" clId="{4725CB5F-4605-480E-9824-30CCFA0E54A6}" dt="2019-12-01T20:07:58.249" v="86"/>
+        <pc:chgData name="SOUMYA VAJJHALA" userId="f3e3711e514002e0" providerId="LiveId" clId="{01F47973-9CB2-44DD-8EBD-67833D4EF65D}" dt="2020-06-08T20:29:28.116" v="79"/>
         <pc:sldMkLst>
           <pc:docMk/>
           <pc:sldMk cId="1622807326" sldId="259"/>
         </pc:sldMkLst>
         <pc:spChg chg="mod">
-          <ac:chgData name="SOUMYA VAJJHALA" userId="f3e3711e514002e0" providerId="LiveId" clId="{4725CB5F-4605-480E-9824-30CCFA0E54A6}" dt="2019-12-01T19:52:32.478" v="1"/>
+          <ac:chgData name="SOUMYA VAJJHALA" userId="f3e3711e514002e0" providerId="LiveId" clId="{01F47973-9CB2-44DD-8EBD-67833D4EF65D}" dt="2020-06-08T17:54:21.444" v="0"/>
           <ac:spMkLst>
             <pc:docMk/>
             <pc:sldMk cId="1622807326" sldId="259"/>
@@ -172,14 +188,14 @@
           </ac:spMkLst>
         </pc:spChg>
       </pc:sldChg>
-      <pc:sldChg chg="modSp ord modTransition">
-        <pc:chgData name="SOUMYA VAJJHALA" userId="f3e3711e514002e0" providerId="LiveId" clId="{4725CB5F-4605-480E-9824-30CCFA0E54A6}" dt="2019-12-01T20:07:58.249" v="86"/>
+      <pc:sldChg chg="modSp mod modTransition">
+        <pc:chgData name="SOUMYA VAJJHALA" userId="f3e3711e514002e0" providerId="LiveId" clId="{01F47973-9CB2-44DD-8EBD-67833D4EF65D}" dt="2020-06-08T20:29:28.116" v="79"/>
         <pc:sldMkLst>
           <pc:docMk/>
           <pc:sldMk cId="583645046" sldId="260"/>
         </pc:sldMkLst>
         <pc:spChg chg="mod">
-          <ac:chgData name="SOUMYA VAJJHALA" userId="f3e3711e514002e0" providerId="LiveId" clId="{4725CB5F-4605-480E-9824-30CCFA0E54A6}" dt="2019-12-01T20:03:04.759" v="66" actId="122"/>
+          <ac:chgData name="SOUMYA VAJJHALA" userId="f3e3711e514002e0" providerId="LiveId" clId="{01F47973-9CB2-44DD-8EBD-67833D4EF65D}" dt="2020-06-08T20:13:48.945" v="53" actId="122"/>
           <ac:spMkLst>
             <pc:docMk/>
             <pc:sldMk cId="583645046" sldId="260"/>
@@ -187,7 +203,7 @@
           </ac:spMkLst>
         </pc:spChg>
         <pc:spChg chg="mod">
-          <ac:chgData name="SOUMYA VAJJHALA" userId="f3e3711e514002e0" providerId="LiveId" clId="{4725CB5F-4605-480E-9824-30CCFA0E54A6}" dt="2019-12-01T20:03:07.054" v="67" actId="122"/>
+          <ac:chgData name="SOUMYA VAJJHALA" userId="f3e3711e514002e0" providerId="LiveId" clId="{01F47973-9CB2-44DD-8EBD-67833D4EF65D}" dt="2020-06-08T20:13:51.600" v="54" actId="122"/>
           <ac:spMkLst>
             <pc:docMk/>
             <pc:sldMk cId="583645046" sldId="260"/>
@@ -195,29 +211,45 @@
           </ac:spMkLst>
         </pc:spChg>
       </pc:sldChg>
-      <pc:sldChg chg="modSp ord modTransition">
-        <pc:chgData name="SOUMYA VAJJHALA" userId="f3e3711e514002e0" providerId="LiveId" clId="{4725CB5F-4605-480E-9824-30CCFA0E54A6}" dt="2019-12-01T20:07:58.249" v="86"/>
+      <pc:sldChg chg="modSp mod ord modTransition">
+        <pc:chgData name="SOUMYA VAJJHALA" userId="f3e3711e514002e0" providerId="LiveId" clId="{01F47973-9CB2-44DD-8EBD-67833D4EF65D}" dt="2020-06-08T20:29:28.116" v="79"/>
         <pc:sldMkLst>
           <pc:docMk/>
           <pc:sldMk cId="1038816324" sldId="261"/>
         </pc:sldMkLst>
         <pc:spChg chg="mod">
-          <ac:chgData name="SOUMYA VAJJHALA" userId="f3e3711e514002e0" providerId="LiveId" clId="{4725CB5F-4605-480E-9824-30CCFA0E54A6}" dt="2019-12-01T20:03:15.492" v="68" actId="2710"/>
+          <ac:chgData name="SOUMYA VAJJHALA" userId="f3e3711e514002e0" providerId="LiveId" clId="{01F47973-9CB2-44DD-8EBD-67833D4EF65D}" dt="2020-06-08T20:15:20.800" v="55" actId="2710"/>
           <ac:spMkLst>
             <pc:docMk/>
             <pc:sldMk cId="1038816324" sldId="261"/>
             <ac:spMk id="2" creationId="{00000000-0000-0000-0000-000000000000}"/>
           </ac:spMkLst>
         </pc:spChg>
+        <pc:picChg chg="mod">
+          <ac:chgData name="SOUMYA VAJJHALA" userId="f3e3711e514002e0" providerId="LiveId" clId="{01F47973-9CB2-44DD-8EBD-67833D4EF65D}" dt="2020-06-08T20:08:48.568" v="46"/>
+          <ac:picMkLst>
+            <pc:docMk/>
+            <pc:sldMk cId="1038816324" sldId="261"/>
+            <ac:picMk id="5" creationId="{00000000-0000-0000-0000-000000000000}"/>
+          </ac:picMkLst>
+        </pc:picChg>
       </pc:sldChg>
       <pc:sldChg chg="modSp modTransition">
-        <pc:chgData name="SOUMYA VAJJHALA" userId="f3e3711e514002e0" providerId="LiveId" clId="{4725CB5F-4605-480E-9824-30CCFA0E54A6}" dt="2019-12-01T20:07:58.249" v="86"/>
+        <pc:chgData name="SOUMYA VAJJHALA" userId="f3e3711e514002e0" providerId="LiveId" clId="{01F47973-9CB2-44DD-8EBD-67833D4EF65D}" dt="2020-06-08T20:29:28.116" v="79"/>
         <pc:sldMkLst>
           <pc:docMk/>
           <pc:sldMk cId="1496063175" sldId="262"/>
         </pc:sldMkLst>
         <pc:spChg chg="mod">
-          <ac:chgData name="SOUMYA VAJJHALA" userId="f3e3711e514002e0" providerId="LiveId" clId="{4725CB5F-4605-480E-9824-30CCFA0E54A6}" dt="2019-12-01T19:56:36.294" v="37"/>
+          <ac:chgData name="SOUMYA VAJJHALA" userId="f3e3711e514002e0" providerId="LiveId" clId="{01F47973-9CB2-44DD-8EBD-67833D4EF65D}" dt="2020-06-08T20:08:48.568" v="46"/>
+          <ac:spMkLst>
+            <pc:docMk/>
+            <pc:sldMk cId="1496063175" sldId="262"/>
+            <ac:spMk id="2" creationId="{00000000-0000-0000-0000-000000000000}"/>
+          </ac:spMkLst>
+        </pc:spChg>
+        <pc:spChg chg="mod">
+          <ac:chgData name="SOUMYA VAJJHALA" userId="f3e3711e514002e0" providerId="LiveId" clId="{01F47973-9CB2-44DD-8EBD-67833D4EF65D}" dt="2020-06-08T20:08:48.568" v="46"/>
           <ac:spMkLst>
             <pc:docMk/>
             <pc:sldMk cId="1496063175" sldId="262"/>
@@ -225,51 +257,75 @@
           </ac:spMkLst>
         </pc:spChg>
       </pc:sldChg>
-      <pc:sldChg chg="del">
-        <pc:chgData name="SOUMYA VAJJHALA" userId="f3e3711e514002e0" providerId="LiveId" clId="{4725CB5F-4605-480E-9824-30CCFA0E54A6}" dt="2019-12-01T19:55:31.997" v="34" actId="2696"/>
+      <pc:sldChg chg="modSp del">
+        <pc:chgData name="SOUMYA VAJJHALA" userId="f3e3711e514002e0" providerId="LiveId" clId="{01F47973-9CB2-44DD-8EBD-67833D4EF65D}" dt="2020-06-08T19:55:41.026" v="33" actId="47"/>
         <pc:sldMkLst>
           <pc:docMk/>
           <pc:sldMk cId="1959685738" sldId="263"/>
         </pc:sldMkLst>
+        <pc:spChg chg="mod">
+          <ac:chgData name="SOUMYA VAJJHALA" userId="f3e3711e514002e0" providerId="LiveId" clId="{01F47973-9CB2-44DD-8EBD-67833D4EF65D}" dt="2020-06-08T17:54:21.444" v="0"/>
+          <ac:spMkLst>
+            <pc:docMk/>
+            <pc:sldMk cId="1959685738" sldId="263"/>
+            <ac:spMk id="2" creationId="{00000000-0000-0000-0000-000000000000}"/>
+          </ac:spMkLst>
+        </pc:spChg>
+        <pc:spChg chg="mod">
+          <ac:chgData name="SOUMYA VAJJHALA" userId="f3e3711e514002e0" providerId="LiveId" clId="{01F47973-9CB2-44DD-8EBD-67833D4EF65D}" dt="2020-06-08T17:54:21.444" v="0"/>
+          <ac:spMkLst>
+            <pc:docMk/>
+            <pc:sldMk cId="1959685738" sldId="263"/>
+            <ac:spMk id="3" creationId="{00000000-0000-0000-0000-000000000000}"/>
+          </ac:spMkLst>
+        </pc:spChg>
       </pc:sldChg>
-      <pc:sldChg chg="modSp add ord modTransition setBg">
-        <pc:chgData name="SOUMYA VAJJHALA" userId="f3e3711e514002e0" providerId="LiveId" clId="{4725CB5F-4605-480E-9824-30CCFA0E54A6}" dt="2019-12-01T20:07:58.249" v="86"/>
+      <pc:sldChg chg="modSp add mod modTransition setBg">
+        <pc:chgData name="SOUMYA VAJJHALA" userId="f3e3711e514002e0" providerId="LiveId" clId="{01F47973-9CB2-44DD-8EBD-67833D4EF65D}" dt="2020-06-08T20:29:28.116" v="79"/>
         <pc:sldMkLst>
           <pc:docMk/>
-          <pc:sldMk cId="2360001570" sldId="264"/>
+          <pc:sldMk cId="354210509" sldId="264"/>
         </pc:sldMkLst>
         <pc:spChg chg="mod">
-          <ac:chgData name="SOUMYA VAJJHALA" userId="f3e3711e514002e0" providerId="LiveId" clId="{4725CB5F-4605-480E-9824-30CCFA0E54A6}" dt="2019-12-01T20:00:50.667" v="58" actId="1076"/>
+          <ac:chgData name="SOUMYA VAJJHALA" userId="f3e3711e514002e0" providerId="LiveId" clId="{01F47973-9CB2-44DD-8EBD-67833D4EF65D}" dt="2020-06-08T20:19:19.008" v="60" actId="2711"/>
           <ac:spMkLst>
             <pc:docMk/>
-            <pc:sldMk cId="2360001570" sldId="264"/>
+            <pc:sldMk cId="354210509" sldId="264"/>
             <ac:spMk id="3" creationId="{00000000-0000-0000-0000-000000000000}"/>
           </ac:spMkLst>
         </pc:spChg>
       </pc:sldChg>
       <pc:sldChg chg="modSp add modTransition">
-        <pc:chgData name="SOUMYA VAJJHALA" userId="f3e3711e514002e0" providerId="LiveId" clId="{4725CB5F-4605-480E-9824-30CCFA0E54A6}" dt="2019-12-01T20:07:58.249" v="86"/>
+        <pc:chgData name="SOUMYA VAJJHALA" userId="f3e3711e514002e0" providerId="LiveId" clId="{01F47973-9CB2-44DD-8EBD-67833D4EF65D}" dt="2020-06-08T20:29:28.116" v="79"/>
         <pc:sldMkLst>
           <pc:docMk/>
-          <pc:sldMk cId="2509816388" sldId="265"/>
+          <pc:sldMk cId="2359476344" sldId="265"/>
         </pc:sldMkLst>
         <pc:spChg chg="mod">
-          <ac:chgData name="SOUMYA VAJJHALA" userId="f3e3711e514002e0" providerId="LiveId" clId="{4725CB5F-4605-480E-9824-30CCFA0E54A6}" dt="2019-12-01T19:56:36.294" v="37"/>
+          <ac:chgData name="SOUMYA VAJJHALA" userId="f3e3711e514002e0" providerId="LiveId" clId="{01F47973-9CB2-44DD-8EBD-67833D4EF65D}" dt="2020-06-08T20:08:48.568" v="46"/>
           <ac:spMkLst>
             <pc:docMk/>
-            <pc:sldMk cId="2509816388" sldId="265"/>
+            <pc:sldMk cId="2359476344" sldId="265"/>
+            <ac:spMk id="2" creationId="{00000000-0000-0000-0000-000000000000}"/>
+          </ac:spMkLst>
+        </pc:spChg>
+        <pc:spChg chg="mod">
+          <ac:chgData name="SOUMYA VAJJHALA" userId="f3e3711e514002e0" providerId="LiveId" clId="{01F47973-9CB2-44DD-8EBD-67833D4EF65D}" dt="2020-06-08T20:08:48.568" v="46"/>
+          <ac:spMkLst>
+            <pc:docMk/>
+            <pc:sldMk cId="2359476344" sldId="265"/>
             <ac:spMk id="3" creationId="{00000000-0000-0000-0000-000000000000}"/>
           </ac:spMkLst>
         </pc:spChg>
       </pc:sldChg>
       <pc:sldMasterChg chg="modSp modSldLayout">
-        <pc:chgData name="SOUMYA VAJJHALA" userId="f3e3711e514002e0" providerId="LiveId" clId="{4725CB5F-4605-480E-9824-30CCFA0E54A6}" dt="2019-12-01T19:52:32.478" v="1"/>
+        <pc:chgData name="SOUMYA VAJJHALA" userId="f3e3711e514002e0" providerId="LiveId" clId="{01F47973-9CB2-44DD-8EBD-67833D4EF65D}" dt="2020-06-08T17:54:21.444" v="0"/>
         <pc:sldMasterMkLst>
           <pc:docMk/>
           <pc:sldMasterMk cId="1605584857" sldId="2147483864"/>
         </pc:sldMasterMkLst>
         <pc:spChg chg="mod">
-          <ac:chgData name="SOUMYA VAJJHALA" userId="f3e3711e514002e0" providerId="LiveId" clId="{4725CB5F-4605-480E-9824-30CCFA0E54A6}" dt="2019-12-01T19:52:32.478" v="1"/>
+          <ac:chgData name="SOUMYA VAJJHALA" userId="f3e3711e514002e0" providerId="LiveId" clId="{01F47973-9CB2-44DD-8EBD-67833D4EF65D}" dt="2020-06-08T17:54:21.444" v="0"/>
           <ac:spMkLst>
             <pc:docMk/>
             <pc:sldMasterMk cId="1605584857" sldId="2147483864"/>
@@ -277,7 +333,7 @@
           </ac:spMkLst>
         </pc:spChg>
         <pc:spChg chg="mod">
-          <ac:chgData name="SOUMYA VAJJHALA" userId="f3e3711e514002e0" providerId="LiveId" clId="{4725CB5F-4605-480E-9824-30CCFA0E54A6}" dt="2019-12-01T19:52:32.478" v="1"/>
+          <ac:chgData name="SOUMYA VAJJHALA" userId="f3e3711e514002e0" providerId="LiveId" clId="{01F47973-9CB2-44DD-8EBD-67833D4EF65D}" dt="2020-06-08T17:54:21.444" v="0"/>
           <ac:spMkLst>
             <pc:docMk/>
             <pc:sldMasterMk cId="1605584857" sldId="2147483864"/>
@@ -285,7 +341,7 @@
           </ac:spMkLst>
         </pc:spChg>
         <pc:spChg chg="mod">
-          <ac:chgData name="SOUMYA VAJJHALA" userId="f3e3711e514002e0" providerId="LiveId" clId="{4725CB5F-4605-480E-9824-30CCFA0E54A6}" dt="2019-12-01T19:52:32.478" v="1"/>
+          <ac:chgData name="SOUMYA VAJJHALA" userId="f3e3711e514002e0" providerId="LiveId" clId="{01F47973-9CB2-44DD-8EBD-67833D4EF65D}" dt="2020-06-08T17:54:21.444" v="0"/>
           <ac:spMkLst>
             <pc:docMk/>
             <pc:sldMasterMk cId="1605584857" sldId="2147483864"/>
@@ -293,7 +349,7 @@
           </ac:spMkLst>
         </pc:spChg>
         <pc:spChg chg="mod">
-          <ac:chgData name="SOUMYA VAJJHALA" userId="f3e3711e514002e0" providerId="LiveId" clId="{4725CB5F-4605-480E-9824-30CCFA0E54A6}" dt="2019-12-01T19:52:32.478" v="1"/>
+          <ac:chgData name="SOUMYA VAJJHALA" userId="f3e3711e514002e0" providerId="LiveId" clId="{01F47973-9CB2-44DD-8EBD-67833D4EF65D}" dt="2020-06-08T17:54:21.444" v="0"/>
           <ac:spMkLst>
             <pc:docMk/>
             <pc:sldMasterMk cId="1605584857" sldId="2147483864"/>
@@ -301,7 +357,7 @@
           </ac:spMkLst>
         </pc:spChg>
         <pc:spChg chg="mod">
-          <ac:chgData name="SOUMYA VAJJHALA" userId="f3e3711e514002e0" providerId="LiveId" clId="{4725CB5F-4605-480E-9824-30CCFA0E54A6}" dt="2019-12-01T19:52:32.478" v="1"/>
+          <ac:chgData name="SOUMYA VAJJHALA" userId="f3e3711e514002e0" providerId="LiveId" clId="{01F47973-9CB2-44DD-8EBD-67833D4EF65D}" dt="2020-06-08T17:54:21.444" v="0"/>
           <ac:spMkLst>
             <pc:docMk/>
             <pc:sldMasterMk cId="1605584857" sldId="2147483864"/>
@@ -309,14 +365,14 @@
           </ac:spMkLst>
         </pc:spChg>
         <pc:sldLayoutChg chg="modSp">
-          <pc:chgData name="SOUMYA VAJJHALA" userId="f3e3711e514002e0" providerId="LiveId" clId="{4725CB5F-4605-480E-9824-30CCFA0E54A6}" dt="2019-12-01T19:52:32.478" v="1"/>
+          <pc:chgData name="SOUMYA VAJJHALA" userId="f3e3711e514002e0" providerId="LiveId" clId="{01F47973-9CB2-44DD-8EBD-67833D4EF65D}" dt="2020-06-08T17:54:21.444" v="0"/>
           <pc:sldLayoutMkLst>
             <pc:docMk/>
             <pc:sldMasterMk cId="1605584857" sldId="2147483864"/>
             <pc:sldLayoutMk cId="1634196270" sldId="2147483865"/>
           </pc:sldLayoutMkLst>
           <pc:spChg chg="mod">
-            <ac:chgData name="SOUMYA VAJJHALA" userId="f3e3711e514002e0" providerId="LiveId" clId="{4725CB5F-4605-480E-9824-30CCFA0E54A6}" dt="2019-12-01T19:52:32.478" v="1"/>
+            <ac:chgData name="SOUMYA VAJJHALA" userId="f3e3711e514002e0" providerId="LiveId" clId="{01F47973-9CB2-44DD-8EBD-67833D4EF65D}" dt="2020-06-08T17:54:21.444" v="0"/>
             <ac:spMkLst>
               <pc:docMk/>
               <pc:sldMasterMk cId="1605584857" sldId="2147483864"/>
@@ -325,7 +381,7 @@
             </ac:spMkLst>
           </pc:spChg>
           <pc:spChg chg="mod">
-            <ac:chgData name="SOUMYA VAJJHALA" userId="f3e3711e514002e0" providerId="LiveId" clId="{4725CB5F-4605-480E-9824-30CCFA0E54A6}" dt="2019-12-01T19:52:32.478" v="1"/>
+            <ac:chgData name="SOUMYA VAJJHALA" userId="f3e3711e514002e0" providerId="LiveId" clId="{01F47973-9CB2-44DD-8EBD-67833D4EF65D}" dt="2020-06-08T17:54:21.444" v="0"/>
             <ac:spMkLst>
               <pc:docMk/>
               <pc:sldMasterMk cId="1605584857" sldId="2147483864"/>
@@ -335,14 +391,14 @@
           </pc:spChg>
         </pc:sldLayoutChg>
         <pc:sldLayoutChg chg="modSp">
-          <pc:chgData name="SOUMYA VAJJHALA" userId="f3e3711e514002e0" providerId="LiveId" clId="{4725CB5F-4605-480E-9824-30CCFA0E54A6}" dt="2019-12-01T19:52:32.478" v="1"/>
+          <pc:chgData name="SOUMYA VAJJHALA" userId="f3e3711e514002e0" providerId="LiveId" clId="{01F47973-9CB2-44DD-8EBD-67833D4EF65D}" dt="2020-06-08T17:54:21.444" v="0"/>
           <pc:sldLayoutMkLst>
             <pc:docMk/>
             <pc:sldMasterMk cId="1605584857" sldId="2147483864"/>
             <pc:sldLayoutMk cId="661389444" sldId="2147483867"/>
           </pc:sldLayoutMkLst>
           <pc:spChg chg="mod">
-            <ac:chgData name="SOUMYA VAJJHALA" userId="f3e3711e514002e0" providerId="LiveId" clId="{4725CB5F-4605-480E-9824-30CCFA0E54A6}" dt="2019-12-01T19:52:32.478" v="1"/>
+            <ac:chgData name="SOUMYA VAJJHALA" userId="f3e3711e514002e0" providerId="LiveId" clId="{01F47973-9CB2-44DD-8EBD-67833D4EF65D}" dt="2020-06-08T17:54:21.444" v="0"/>
             <ac:spMkLst>
               <pc:docMk/>
               <pc:sldMasterMk cId="1605584857" sldId="2147483864"/>
@@ -351,7 +407,7 @@
             </ac:spMkLst>
           </pc:spChg>
           <pc:spChg chg="mod">
-            <ac:chgData name="SOUMYA VAJJHALA" userId="f3e3711e514002e0" providerId="LiveId" clId="{4725CB5F-4605-480E-9824-30CCFA0E54A6}" dt="2019-12-01T19:52:32.478" v="1"/>
+            <ac:chgData name="SOUMYA VAJJHALA" userId="f3e3711e514002e0" providerId="LiveId" clId="{01F47973-9CB2-44DD-8EBD-67833D4EF65D}" dt="2020-06-08T17:54:21.444" v="0"/>
             <ac:spMkLst>
               <pc:docMk/>
               <pc:sldMasterMk cId="1605584857" sldId="2147483864"/>
@@ -361,14 +417,14 @@
           </pc:spChg>
         </pc:sldLayoutChg>
         <pc:sldLayoutChg chg="modSp">
-          <pc:chgData name="SOUMYA VAJJHALA" userId="f3e3711e514002e0" providerId="LiveId" clId="{4725CB5F-4605-480E-9824-30CCFA0E54A6}" dt="2019-12-01T19:52:32.478" v="1"/>
+          <pc:chgData name="SOUMYA VAJJHALA" userId="f3e3711e514002e0" providerId="LiveId" clId="{01F47973-9CB2-44DD-8EBD-67833D4EF65D}" dt="2020-06-08T17:54:21.444" v="0"/>
           <pc:sldLayoutMkLst>
             <pc:docMk/>
             <pc:sldMasterMk cId="1605584857" sldId="2147483864"/>
             <pc:sldLayoutMk cId="1371076423" sldId="2147483868"/>
           </pc:sldLayoutMkLst>
           <pc:spChg chg="mod">
-            <ac:chgData name="SOUMYA VAJJHALA" userId="f3e3711e514002e0" providerId="LiveId" clId="{4725CB5F-4605-480E-9824-30CCFA0E54A6}" dt="2019-12-01T19:52:32.478" v="1"/>
+            <ac:chgData name="SOUMYA VAJJHALA" userId="f3e3711e514002e0" providerId="LiveId" clId="{01F47973-9CB2-44DD-8EBD-67833D4EF65D}" dt="2020-06-08T17:54:21.444" v="0"/>
             <ac:spMkLst>
               <pc:docMk/>
               <pc:sldMasterMk cId="1605584857" sldId="2147483864"/>
@@ -377,7 +433,7 @@
             </ac:spMkLst>
           </pc:spChg>
           <pc:spChg chg="mod">
-            <ac:chgData name="SOUMYA VAJJHALA" userId="f3e3711e514002e0" providerId="LiveId" clId="{4725CB5F-4605-480E-9824-30CCFA0E54A6}" dt="2019-12-01T19:52:32.478" v="1"/>
+            <ac:chgData name="SOUMYA VAJJHALA" userId="f3e3711e514002e0" providerId="LiveId" clId="{01F47973-9CB2-44DD-8EBD-67833D4EF65D}" dt="2020-06-08T17:54:21.444" v="0"/>
             <ac:spMkLst>
               <pc:docMk/>
               <pc:sldMasterMk cId="1605584857" sldId="2147483864"/>
@@ -387,14 +443,14 @@
           </pc:spChg>
         </pc:sldLayoutChg>
         <pc:sldLayoutChg chg="modSp">
-          <pc:chgData name="SOUMYA VAJJHALA" userId="f3e3711e514002e0" providerId="LiveId" clId="{4725CB5F-4605-480E-9824-30CCFA0E54A6}" dt="2019-12-01T19:52:32.478" v="1"/>
+          <pc:chgData name="SOUMYA VAJJHALA" userId="f3e3711e514002e0" providerId="LiveId" clId="{01F47973-9CB2-44DD-8EBD-67833D4EF65D}" dt="2020-06-08T17:54:21.444" v="0"/>
           <pc:sldLayoutMkLst>
             <pc:docMk/>
             <pc:sldMasterMk cId="1605584857" sldId="2147483864"/>
             <pc:sldLayoutMk cId="1919839944" sldId="2147483869"/>
           </pc:sldLayoutMkLst>
           <pc:spChg chg="mod">
-            <ac:chgData name="SOUMYA VAJJHALA" userId="f3e3711e514002e0" providerId="LiveId" clId="{4725CB5F-4605-480E-9824-30CCFA0E54A6}" dt="2019-12-01T19:52:32.478" v="1"/>
+            <ac:chgData name="SOUMYA VAJJHALA" userId="f3e3711e514002e0" providerId="LiveId" clId="{01F47973-9CB2-44DD-8EBD-67833D4EF65D}" dt="2020-06-08T17:54:21.444" v="0"/>
             <ac:spMkLst>
               <pc:docMk/>
               <pc:sldMasterMk cId="1605584857" sldId="2147483864"/>
@@ -403,7 +459,7 @@
             </ac:spMkLst>
           </pc:spChg>
           <pc:spChg chg="mod">
-            <ac:chgData name="SOUMYA VAJJHALA" userId="f3e3711e514002e0" providerId="LiveId" clId="{4725CB5F-4605-480E-9824-30CCFA0E54A6}" dt="2019-12-01T19:52:32.478" v="1"/>
+            <ac:chgData name="SOUMYA VAJJHALA" userId="f3e3711e514002e0" providerId="LiveId" clId="{01F47973-9CB2-44DD-8EBD-67833D4EF65D}" dt="2020-06-08T17:54:21.444" v="0"/>
             <ac:spMkLst>
               <pc:docMk/>
               <pc:sldMasterMk cId="1605584857" sldId="2147483864"/>
@@ -412,7 +468,7 @@
             </ac:spMkLst>
           </pc:spChg>
           <pc:spChg chg="mod">
-            <ac:chgData name="SOUMYA VAJJHALA" userId="f3e3711e514002e0" providerId="LiveId" clId="{4725CB5F-4605-480E-9824-30CCFA0E54A6}" dt="2019-12-01T19:52:32.478" v="1"/>
+            <ac:chgData name="SOUMYA VAJJHALA" userId="f3e3711e514002e0" providerId="LiveId" clId="{01F47973-9CB2-44DD-8EBD-67833D4EF65D}" dt="2020-06-08T17:54:21.444" v="0"/>
             <ac:spMkLst>
               <pc:docMk/>
               <pc:sldMasterMk cId="1605584857" sldId="2147483864"/>
@@ -421,7 +477,7 @@
             </ac:spMkLst>
           </pc:spChg>
           <pc:spChg chg="mod">
-            <ac:chgData name="SOUMYA VAJJHALA" userId="f3e3711e514002e0" providerId="LiveId" clId="{4725CB5F-4605-480E-9824-30CCFA0E54A6}" dt="2019-12-01T19:52:32.478" v="1"/>
+            <ac:chgData name="SOUMYA VAJJHALA" userId="f3e3711e514002e0" providerId="LiveId" clId="{01F47973-9CB2-44DD-8EBD-67833D4EF65D}" dt="2020-06-08T17:54:21.444" v="0"/>
             <ac:spMkLst>
               <pc:docMk/>
               <pc:sldMasterMk cId="1605584857" sldId="2147483864"/>
@@ -430,7 +486,7 @@
             </ac:spMkLst>
           </pc:spChg>
           <pc:spChg chg="mod">
-            <ac:chgData name="SOUMYA VAJJHALA" userId="f3e3711e514002e0" providerId="LiveId" clId="{4725CB5F-4605-480E-9824-30CCFA0E54A6}" dt="2019-12-01T19:52:32.478" v="1"/>
+            <ac:chgData name="SOUMYA VAJJHALA" userId="f3e3711e514002e0" providerId="LiveId" clId="{01F47973-9CB2-44DD-8EBD-67833D4EF65D}" dt="2020-06-08T17:54:21.444" v="0"/>
             <ac:spMkLst>
               <pc:docMk/>
               <pc:sldMasterMk cId="1605584857" sldId="2147483864"/>
@@ -440,14 +496,14 @@
           </pc:spChg>
         </pc:sldLayoutChg>
         <pc:sldLayoutChg chg="modSp">
-          <pc:chgData name="SOUMYA VAJJHALA" userId="f3e3711e514002e0" providerId="LiveId" clId="{4725CB5F-4605-480E-9824-30CCFA0E54A6}" dt="2019-12-01T19:52:32.478" v="1"/>
+          <pc:chgData name="SOUMYA VAJJHALA" userId="f3e3711e514002e0" providerId="LiveId" clId="{01F47973-9CB2-44DD-8EBD-67833D4EF65D}" dt="2020-06-08T17:54:21.444" v="0"/>
           <pc:sldLayoutMkLst>
             <pc:docMk/>
             <pc:sldMasterMk cId="1605584857" sldId="2147483864"/>
             <pc:sldLayoutMk cId="4044783473" sldId="2147483872"/>
           </pc:sldLayoutMkLst>
           <pc:spChg chg="mod">
-            <ac:chgData name="SOUMYA VAJJHALA" userId="f3e3711e514002e0" providerId="LiveId" clId="{4725CB5F-4605-480E-9824-30CCFA0E54A6}" dt="2019-12-01T19:52:32.478" v="1"/>
+            <ac:chgData name="SOUMYA VAJJHALA" userId="f3e3711e514002e0" providerId="LiveId" clId="{01F47973-9CB2-44DD-8EBD-67833D4EF65D}" dt="2020-06-08T17:54:21.444" v="0"/>
             <ac:spMkLst>
               <pc:docMk/>
               <pc:sldMasterMk cId="1605584857" sldId="2147483864"/>
@@ -456,7 +512,7 @@
             </ac:spMkLst>
           </pc:spChg>
           <pc:spChg chg="mod">
-            <ac:chgData name="SOUMYA VAJJHALA" userId="f3e3711e514002e0" providerId="LiveId" clId="{4725CB5F-4605-480E-9824-30CCFA0E54A6}" dt="2019-12-01T19:52:32.478" v="1"/>
+            <ac:chgData name="SOUMYA VAJJHALA" userId="f3e3711e514002e0" providerId="LiveId" clId="{01F47973-9CB2-44DD-8EBD-67833D4EF65D}" dt="2020-06-08T17:54:21.444" v="0"/>
             <ac:spMkLst>
               <pc:docMk/>
               <pc:sldMasterMk cId="1605584857" sldId="2147483864"/>
@@ -465,7 +521,7 @@
             </ac:spMkLst>
           </pc:spChg>
           <pc:spChg chg="mod">
-            <ac:chgData name="SOUMYA VAJJHALA" userId="f3e3711e514002e0" providerId="LiveId" clId="{4725CB5F-4605-480E-9824-30CCFA0E54A6}" dt="2019-12-01T19:52:32.478" v="1"/>
+            <ac:chgData name="SOUMYA VAJJHALA" userId="f3e3711e514002e0" providerId="LiveId" clId="{01F47973-9CB2-44DD-8EBD-67833D4EF65D}" dt="2020-06-08T17:54:21.444" v="0"/>
             <ac:spMkLst>
               <pc:docMk/>
               <pc:sldMasterMk cId="1605584857" sldId="2147483864"/>
@@ -475,14 +531,14 @@
           </pc:spChg>
         </pc:sldLayoutChg>
         <pc:sldLayoutChg chg="modSp">
-          <pc:chgData name="SOUMYA VAJJHALA" userId="f3e3711e514002e0" providerId="LiveId" clId="{4725CB5F-4605-480E-9824-30CCFA0E54A6}" dt="2019-12-01T19:52:32.478" v="1"/>
+          <pc:chgData name="SOUMYA VAJJHALA" userId="f3e3711e514002e0" providerId="LiveId" clId="{01F47973-9CB2-44DD-8EBD-67833D4EF65D}" dt="2020-06-08T17:54:21.444" v="0"/>
           <pc:sldLayoutMkLst>
             <pc:docMk/>
             <pc:sldMasterMk cId="1605584857" sldId="2147483864"/>
             <pc:sldLayoutMk cId="3818195506" sldId="2147483873"/>
           </pc:sldLayoutMkLst>
           <pc:spChg chg="mod">
-            <ac:chgData name="SOUMYA VAJJHALA" userId="f3e3711e514002e0" providerId="LiveId" clId="{4725CB5F-4605-480E-9824-30CCFA0E54A6}" dt="2019-12-01T19:52:32.478" v="1"/>
+            <ac:chgData name="SOUMYA VAJJHALA" userId="f3e3711e514002e0" providerId="LiveId" clId="{01F47973-9CB2-44DD-8EBD-67833D4EF65D}" dt="2020-06-08T17:54:21.444" v="0"/>
             <ac:spMkLst>
               <pc:docMk/>
               <pc:sldMasterMk cId="1605584857" sldId="2147483864"/>
@@ -491,7 +547,7 @@
             </ac:spMkLst>
           </pc:spChg>
           <pc:spChg chg="mod">
-            <ac:chgData name="SOUMYA VAJJHALA" userId="f3e3711e514002e0" providerId="LiveId" clId="{4725CB5F-4605-480E-9824-30CCFA0E54A6}" dt="2019-12-01T19:52:32.478" v="1"/>
+            <ac:chgData name="SOUMYA VAJJHALA" userId="f3e3711e514002e0" providerId="LiveId" clId="{01F47973-9CB2-44DD-8EBD-67833D4EF65D}" dt="2020-06-08T17:54:21.444" v="0"/>
             <ac:spMkLst>
               <pc:docMk/>
               <pc:sldMasterMk cId="1605584857" sldId="2147483864"/>
@@ -500,7 +556,7 @@
             </ac:spMkLst>
           </pc:spChg>
           <pc:spChg chg="mod">
-            <ac:chgData name="SOUMYA VAJJHALA" userId="f3e3711e514002e0" providerId="LiveId" clId="{4725CB5F-4605-480E-9824-30CCFA0E54A6}" dt="2019-12-01T19:52:32.478" v="1"/>
+            <ac:chgData name="SOUMYA VAJJHALA" userId="f3e3711e514002e0" providerId="LiveId" clId="{01F47973-9CB2-44DD-8EBD-67833D4EF65D}" dt="2020-06-08T17:54:21.444" v="0"/>
             <ac:spMkLst>
               <pc:docMk/>
               <pc:sldMasterMk cId="1605584857" sldId="2147483864"/>
@@ -510,14 +566,14 @@
           </pc:spChg>
         </pc:sldLayoutChg>
         <pc:sldLayoutChg chg="modSp">
-          <pc:chgData name="SOUMYA VAJJHALA" userId="f3e3711e514002e0" providerId="LiveId" clId="{4725CB5F-4605-480E-9824-30CCFA0E54A6}" dt="2019-12-01T19:52:32.478" v="1"/>
+          <pc:chgData name="SOUMYA VAJJHALA" userId="f3e3711e514002e0" providerId="LiveId" clId="{01F47973-9CB2-44DD-8EBD-67833D4EF65D}" dt="2020-06-08T17:54:21.444" v="0"/>
           <pc:sldLayoutMkLst>
             <pc:docMk/>
             <pc:sldMasterMk cId="1605584857" sldId="2147483864"/>
             <pc:sldLayoutMk cId="733748705" sldId="2147483875"/>
           </pc:sldLayoutMkLst>
           <pc:spChg chg="mod">
-            <ac:chgData name="SOUMYA VAJJHALA" userId="f3e3711e514002e0" providerId="LiveId" clId="{4725CB5F-4605-480E-9824-30CCFA0E54A6}" dt="2019-12-01T19:52:32.478" v="1"/>
+            <ac:chgData name="SOUMYA VAJJHALA" userId="f3e3711e514002e0" providerId="LiveId" clId="{01F47973-9CB2-44DD-8EBD-67833D4EF65D}" dt="2020-06-08T17:54:21.444" v="0"/>
             <ac:spMkLst>
               <pc:docMk/>
               <pc:sldMasterMk cId="1605584857" sldId="2147483864"/>
@@ -526,7 +582,7 @@
             </ac:spMkLst>
           </pc:spChg>
           <pc:spChg chg="mod">
-            <ac:chgData name="SOUMYA VAJJHALA" userId="f3e3711e514002e0" providerId="LiveId" clId="{4725CB5F-4605-480E-9824-30CCFA0E54A6}" dt="2019-12-01T19:52:32.478" v="1"/>
+            <ac:chgData name="SOUMYA VAJJHALA" userId="f3e3711e514002e0" providerId="LiveId" clId="{01F47973-9CB2-44DD-8EBD-67833D4EF65D}" dt="2020-06-08T17:54:21.444" v="0"/>
             <ac:spMkLst>
               <pc:docMk/>
               <pc:sldMasterMk cId="1605584857" sldId="2147483864"/>
@@ -537,97 +593,192 @@
         </pc:sldLayoutChg>
       </pc:sldMasterChg>
       <pc:sldMasterChg chg="modTransition modSldLayout">
-        <pc:chgData name="SOUMYA VAJJHALA" userId="f3e3711e514002e0" providerId="LiveId" clId="{4725CB5F-4605-480E-9824-30CCFA0E54A6}" dt="2019-12-01T20:07:58.249" v="86"/>
+        <pc:chgData name="SOUMYA VAJJHALA" userId="f3e3711e514002e0" providerId="LiveId" clId="{01F47973-9CB2-44DD-8EBD-67833D4EF65D}" dt="2020-06-08T20:29:28.116" v="79"/>
         <pc:sldMasterMkLst>
           <pc:docMk/>
-          <pc:sldMasterMk cId="2047013614" sldId="2147483900"/>
+          <pc:sldMasterMk cId="1993471175" sldId="2147483876"/>
         </pc:sldMasterMkLst>
         <pc:sldLayoutChg chg="modTransition">
-          <pc:chgData name="SOUMYA VAJJHALA" userId="f3e3711e514002e0" providerId="LiveId" clId="{4725CB5F-4605-480E-9824-30CCFA0E54A6}" dt="2019-12-01T20:07:58.249" v="86"/>
+          <pc:chgData name="SOUMYA VAJJHALA" userId="f3e3711e514002e0" providerId="LiveId" clId="{01F47973-9CB2-44DD-8EBD-67833D4EF65D}" dt="2020-06-08T20:29:28.116" v="79"/>
           <pc:sldLayoutMkLst>
             <pc:docMk/>
-            <pc:sldMasterMk cId="2047013614" sldId="2147483900"/>
-            <pc:sldLayoutMk cId="3902438096" sldId="2147483901"/>
+            <pc:sldMasterMk cId="1993471175" sldId="2147483876"/>
+            <pc:sldLayoutMk cId="1933014035" sldId="2147483877"/>
           </pc:sldLayoutMkLst>
         </pc:sldLayoutChg>
         <pc:sldLayoutChg chg="modTransition">
-          <pc:chgData name="SOUMYA VAJJHALA" userId="f3e3711e514002e0" providerId="LiveId" clId="{4725CB5F-4605-480E-9824-30CCFA0E54A6}" dt="2019-12-01T20:07:58.249" v="86"/>
+          <pc:chgData name="SOUMYA VAJJHALA" userId="f3e3711e514002e0" providerId="LiveId" clId="{01F47973-9CB2-44DD-8EBD-67833D4EF65D}" dt="2020-06-08T20:29:28.116" v="79"/>
           <pc:sldLayoutMkLst>
             <pc:docMk/>
-            <pc:sldMasterMk cId="2047013614" sldId="2147483900"/>
-            <pc:sldLayoutMk cId="495098709" sldId="2147483902"/>
+            <pc:sldMasterMk cId="1993471175" sldId="2147483876"/>
+            <pc:sldLayoutMk cId="3691291881" sldId="2147483878"/>
           </pc:sldLayoutMkLst>
         </pc:sldLayoutChg>
         <pc:sldLayoutChg chg="modTransition">
-          <pc:chgData name="SOUMYA VAJJHALA" userId="f3e3711e514002e0" providerId="LiveId" clId="{4725CB5F-4605-480E-9824-30CCFA0E54A6}" dt="2019-12-01T20:07:58.249" v="86"/>
+          <pc:chgData name="SOUMYA VAJJHALA" userId="f3e3711e514002e0" providerId="LiveId" clId="{01F47973-9CB2-44DD-8EBD-67833D4EF65D}" dt="2020-06-08T20:29:28.116" v="79"/>
           <pc:sldLayoutMkLst>
             <pc:docMk/>
-            <pc:sldMasterMk cId="2047013614" sldId="2147483900"/>
-            <pc:sldLayoutMk cId="1275230993" sldId="2147483903"/>
+            <pc:sldMasterMk cId="1993471175" sldId="2147483876"/>
+            <pc:sldLayoutMk cId="390831784" sldId="2147483879"/>
           </pc:sldLayoutMkLst>
         </pc:sldLayoutChg>
         <pc:sldLayoutChg chg="modTransition">
-          <pc:chgData name="SOUMYA VAJJHALA" userId="f3e3711e514002e0" providerId="LiveId" clId="{4725CB5F-4605-480E-9824-30CCFA0E54A6}" dt="2019-12-01T20:07:58.249" v="86"/>
+          <pc:chgData name="SOUMYA VAJJHALA" userId="f3e3711e514002e0" providerId="LiveId" clId="{01F47973-9CB2-44DD-8EBD-67833D4EF65D}" dt="2020-06-08T20:29:28.116" v="79"/>
           <pc:sldLayoutMkLst>
             <pc:docMk/>
-            <pc:sldMasterMk cId="2047013614" sldId="2147483900"/>
-            <pc:sldLayoutMk cId="3939292461" sldId="2147483904"/>
+            <pc:sldMasterMk cId="1993471175" sldId="2147483876"/>
+            <pc:sldLayoutMk cId="119854787" sldId="2147483880"/>
           </pc:sldLayoutMkLst>
         </pc:sldLayoutChg>
         <pc:sldLayoutChg chg="modTransition">
-          <pc:chgData name="SOUMYA VAJJHALA" userId="f3e3711e514002e0" providerId="LiveId" clId="{4725CB5F-4605-480E-9824-30CCFA0E54A6}" dt="2019-12-01T20:07:58.249" v="86"/>
+          <pc:chgData name="SOUMYA VAJJHALA" userId="f3e3711e514002e0" providerId="LiveId" clId="{01F47973-9CB2-44DD-8EBD-67833D4EF65D}" dt="2020-06-08T20:29:28.116" v="79"/>
           <pc:sldLayoutMkLst>
             <pc:docMk/>
-            <pc:sldMasterMk cId="2047013614" sldId="2147483900"/>
-            <pc:sldLayoutMk cId="715097491" sldId="2147483905"/>
+            <pc:sldMasterMk cId="1993471175" sldId="2147483876"/>
+            <pc:sldLayoutMk cId="1185363458" sldId="2147483881"/>
           </pc:sldLayoutMkLst>
         </pc:sldLayoutChg>
         <pc:sldLayoutChg chg="modTransition">
-          <pc:chgData name="SOUMYA VAJJHALA" userId="f3e3711e514002e0" providerId="LiveId" clId="{4725CB5F-4605-480E-9824-30CCFA0E54A6}" dt="2019-12-01T20:07:58.249" v="86"/>
+          <pc:chgData name="SOUMYA VAJJHALA" userId="f3e3711e514002e0" providerId="LiveId" clId="{01F47973-9CB2-44DD-8EBD-67833D4EF65D}" dt="2020-06-08T20:29:28.116" v="79"/>
           <pc:sldLayoutMkLst>
             <pc:docMk/>
-            <pc:sldMasterMk cId="2047013614" sldId="2147483900"/>
-            <pc:sldLayoutMk cId="3434919355" sldId="2147483906"/>
+            <pc:sldMasterMk cId="1993471175" sldId="2147483876"/>
+            <pc:sldLayoutMk cId="1111827431" sldId="2147483882"/>
           </pc:sldLayoutMkLst>
         </pc:sldLayoutChg>
         <pc:sldLayoutChg chg="modTransition">
-          <pc:chgData name="SOUMYA VAJJHALA" userId="f3e3711e514002e0" providerId="LiveId" clId="{4725CB5F-4605-480E-9824-30CCFA0E54A6}" dt="2019-12-01T20:07:58.249" v="86"/>
+          <pc:chgData name="SOUMYA VAJJHALA" userId="f3e3711e514002e0" providerId="LiveId" clId="{01F47973-9CB2-44DD-8EBD-67833D4EF65D}" dt="2020-06-08T20:29:28.116" v="79"/>
           <pc:sldLayoutMkLst>
             <pc:docMk/>
-            <pc:sldMasterMk cId="2047013614" sldId="2147483900"/>
-            <pc:sldLayoutMk cId="3497864621" sldId="2147483907"/>
+            <pc:sldMasterMk cId="1993471175" sldId="2147483876"/>
+            <pc:sldLayoutMk cId="1503918531" sldId="2147483883"/>
           </pc:sldLayoutMkLst>
         </pc:sldLayoutChg>
         <pc:sldLayoutChg chg="modTransition">
-          <pc:chgData name="SOUMYA VAJJHALA" userId="f3e3711e514002e0" providerId="LiveId" clId="{4725CB5F-4605-480E-9824-30CCFA0E54A6}" dt="2019-12-01T20:07:58.249" v="86"/>
+          <pc:chgData name="SOUMYA VAJJHALA" userId="f3e3711e514002e0" providerId="LiveId" clId="{01F47973-9CB2-44DD-8EBD-67833D4EF65D}" dt="2020-06-08T20:29:28.116" v="79"/>
           <pc:sldLayoutMkLst>
             <pc:docMk/>
-            <pc:sldMasterMk cId="2047013614" sldId="2147483900"/>
-            <pc:sldLayoutMk cId="2890331703" sldId="2147483908"/>
+            <pc:sldMasterMk cId="1993471175" sldId="2147483876"/>
+            <pc:sldLayoutMk cId="3066638042" sldId="2147483884"/>
           </pc:sldLayoutMkLst>
         </pc:sldLayoutChg>
         <pc:sldLayoutChg chg="modTransition">
-          <pc:chgData name="SOUMYA VAJJHALA" userId="f3e3711e514002e0" providerId="LiveId" clId="{4725CB5F-4605-480E-9824-30CCFA0E54A6}" dt="2019-12-01T20:07:58.249" v="86"/>
+          <pc:chgData name="SOUMYA VAJJHALA" userId="f3e3711e514002e0" providerId="LiveId" clId="{01F47973-9CB2-44DD-8EBD-67833D4EF65D}" dt="2020-06-08T20:29:28.116" v="79"/>
           <pc:sldLayoutMkLst>
             <pc:docMk/>
-            <pc:sldMasterMk cId="2047013614" sldId="2147483900"/>
-            <pc:sldLayoutMk cId="2860250413" sldId="2147483909"/>
+            <pc:sldMasterMk cId="1993471175" sldId="2147483876"/>
+            <pc:sldLayoutMk cId="2799788423" sldId="2147483885"/>
           </pc:sldLayoutMkLst>
         </pc:sldLayoutChg>
         <pc:sldLayoutChg chg="modTransition">
-          <pc:chgData name="SOUMYA VAJJHALA" userId="f3e3711e514002e0" providerId="LiveId" clId="{4725CB5F-4605-480E-9824-30CCFA0E54A6}" dt="2019-12-01T20:07:58.249" v="86"/>
+          <pc:chgData name="SOUMYA VAJJHALA" userId="f3e3711e514002e0" providerId="LiveId" clId="{01F47973-9CB2-44DD-8EBD-67833D4EF65D}" dt="2020-06-08T20:29:28.116" v="79"/>
           <pc:sldLayoutMkLst>
             <pc:docMk/>
-            <pc:sldMasterMk cId="2047013614" sldId="2147483900"/>
-            <pc:sldLayoutMk cId="1766478214" sldId="2147483910"/>
+            <pc:sldMasterMk cId="1993471175" sldId="2147483876"/>
+            <pc:sldLayoutMk cId="1189901756" sldId="2147483886"/>
           </pc:sldLayoutMkLst>
         </pc:sldLayoutChg>
         <pc:sldLayoutChg chg="modTransition">
-          <pc:chgData name="SOUMYA VAJJHALA" userId="f3e3711e514002e0" providerId="LiveId" clId="{4725CB5F-4605-480E-9824-30CCFA0E54A6}" dt="2019-12-01T20:07:58.249" v="86"/>
+          <pc:chgData name="SOUMYA VAJJHALA" userId="f3e3711e514002e0" providerId="LiveId" clId="{01F47973-9CB2-44DD-8EBD-67833D4EF65D}" dt="2020-06-08T20:29:28.116" v="79"/>
           <pc:sldLayoutMkLst>
             <pc:docMk/>
-            <pc:sldMasterMk cId="2047013614" sldId="2147483900"/>
-            <pc:sldLayoutMk cId="835702839" sldId="2147483911"/>
+            <pc:sldMasterMk cId="1993471175" sldId="2147483876"/>
+            <pc:sldLayoutMk cId="3450071383" sldId="2147483887"/>
+          </pc:sldLayoutMkLst>
+        </pc:sldLayoutChg>
+      </pc:sldMasterChg>
+      <pc:sldMasterChg chg="del delSldLayout">
+        <pc:chgData name="SOUMYA VAJJHALA" userId="f3e3711e514002e0" providerId="LiveId" clId="{01F47973-9CB2-44DD-8EBD-67833D4EF65D}" dt="2020-06-08T20:24:54.585" v="62" actId="47"/>
+        <pc:sldMasterMkLst>
+          <pc:docMk/>
+          <pc:sldMasterMk cId="3786096148" sldId="2147483900"/>
+        </pc:sldMasterMkLst>
+        <pc:sldLayoutChg chg="del">
+          <pc:chgData name="SOUMYA VAJJHALA" userId="f3e3711e514002e0" providerId="LiveId" clId="{01F47973-9CB2-44DD-8EBD-67833D4EF65D}" dt="2020-06-08T20:24:54.585" v="62" actId="47"/>
+          <pc:sldLayoutMkLst>
+            <pc:docMk/>
+            <pc:sldMasterMk cId="3786096148" sldId="2147483900"/>
+            <pc:sldLayoutMk cId="2494139922" sldId="2147483901"/>
+          </pc:sldLayoutMkLst>
+        </pc:sldLayoutChg>
+        <pc:sldLayoutChg chg="del">
+          <pc:chgData name="SOUMYA VAJJHALA" userId="f3e3711e514002e0" providerId="LiveId" clId="{01F47973-9CB2-44DD-8EBD-67833D4EF65D}" dt="2020-06-08T20:24:54.585" v="62" actId="47"/>
+          <pc:sldLayoutMkLst>
+            <pc:docMk/>
+            <pc:sldMasterMk cId="3786096148" sldId="2147483900"/>
+            <pc:sldLayoutMk cId="2702598495" sldId="2147483902"/>
+          </pc:sldLayoutMkLst>
+        </pc:sldLayoutChg>
+        <pc:sldLayoutChg chg="del">
+          <pc:chgData name="SOUMYA VAJJHALA" userId="f3e3711e514002e0" providerId="LiveId" clId="{01F47973-9CB2-44DD-8EBD-67833D4EF65D}" dt="2020-06-08T20:24:54.585" v="62" actId="47"/>
+          <pc:sldLayoutMkLst>
+            <pc:docMk/>
+            <pc:sldMasterMk cId="3786096148" sldId="2147483900"/>
+            <pc:sldLayoutMk cId="3582591493" sldId="2147483903"/>
+          </pc:sldLayoutMkLst>
+        </pc:sldLayoutChg>
+        <pc:sldLayoutChg chg="del">
+          <pc:chgData name="SOUMYA VAJJHALA" userId="f3e3711e514002e0" providerId="LiveId" clId="{01F47973-9CB2-44DD-8EBD-67833D4EF65D}" dt="2020-06-08T20:24:54.585" v="62" actId="47"/>
+          <pc:sldLayoutMkLst>
+            <pc:docMk/>
+            <pc:sldMasterMk cId="3786096148" sldId="2147483900"/>
+            <pc:sldLayoutMk cId="481628255" sldId="2147483904"/>
+          </pc:sldLayoutMkLst>
+        </pc:sldLayoutChg>
+        <pc:sldLayoutChg chg="del">
+          <pc:chgData name="SOUMYA VAJJHALA" userId="f3e3711e514002e0" providerId="LiveId" clId="{01F47973-9CB2-44DD-8EBD-67833D4EF65D}" dt="2020-06-08T20:24:54.585" v="62" actId="47"/>
+          <pc:sldLayoutMkLst>
+            <pc:docMk/>
+            <pc:sldMasterMk cId="3786096148" sldId="2147483900"/>
+            <pc:sldLayoutMk cId="507952072" sldId="2147483905"/>
+          </pc:sldLayoutMkLst>
+        </pc:sldLayoutChg>
+        <pc:sldLayoutChg chg="del">
+          <pc:chgData name="SOUMYA VAJJHALA" userId="f3e3711e514002e0" providerId="LiveId" clId="{01F47973-9CB2-44DD-8EBD-67833D4EF65D}" dt="2020-06-08T20:24:54.585" v="62" actId="47"/>
+          <pc:sldLayoutMkLst>
+            <pc:docMk/>
+            <pc:sldMasterMk cId="3786096148" sldId="2147483900"/>
+            <pc:sldLayoutMk cId="938231529" sldId="2147483906"/>
+          </pc:sldLayoutMkLst>
+        </pc:sldLayoutChg>
+        <pc:sldLayoutChg chg="del">
+          <pc:chgData name="SOUMYA VAJJHALA" userId="f3e3711e514002e0" providerId="LiveId" clId="{01F47973-9CB2-44DD-8EBD-67833D4EF65D}" dt="2020-06-08T20:24:54.585" v="62" actId="47"/>
+          <pc:sldLayoutMkLst>
+            <pc:docMk/>
+            <pc:sldMasterMk cId="3786096148" sldId="2147483900"/>
+            <pc:sldLayoutMk cId="2589431373" sldId="2147483907"/>
+          </pc:sldLayoutMkLst>
+        </pc:sldLayoutChg>
+        <pc:sldLayoutChg chg="del">
+          <pc:chgData name="SOUMYA VAJJHALA" userId="f3e3711e514002e0" providerId="LiveId" clId="{01F47973-9CB2-44DD-8EBD-67833D4EF65D}" dt="2020-06-08T20:24:54.585" v="62" actId="47"/>
+          <pc:sldLayoutMkLst>
+            <pc:docMk/>
+            <pc:sldMasterMk cId="3786096148" sldId="2147483900"/>
+            <pc:sldLayoutMk cId="3377273028" sldId="2147483908"/>
+          </pc:sldLayoutMkLst>
+        </pc:sldLayoutChg>
+        <pc:sldLayoutChg chg="del">
+          <pc:chgData name="SOUMYA VAJJHALA" userId="f3e3711e514002e0" providerId="LiveId" clId="{01F47973-9CB2-44DD-8EBD-67833D4EF65D}" dt="2020-06-08T20:24:54.585" v="62" actId="47"/>
+          <pc:sldLayoutMkLst>
+            <pc:docMk/>
+            <pc:sldMasterMk cId="3786096148" sldId="2147483900"/>
+            <pc:sldLayoutMk cId="276437195" sldId="2147483909"/>
+          </pc:sldLayoutMkLst>
+        </pc:sldLayoutChg>
+        <pc:sldLayoutChg chg="del">
+          <pc:chgData name="SOUMYA VAJJHALA" userId="f3e3711e514002e0" providerId="LiveId" clId="{01F47973-9CB2-44DD-8EBD-67833D4EF65D}" dt="2020-06-08T20:24:54.585" v="62" actId="47"/>
+          <pc:sldLayoutMkLst>
+            <pc:docMk/>
+            <pc:sldMasterMk cId="3786096148" sldId="2147483900"/>
+            <pc:sldLayoutMk cId="4022307876" sldId="2147483910"/>
+          </pc:sldLayoutMkLst>
+        </pc:sldLayoutChg>
+        <pc:sldLayoutChg chg="del">
+          <pc:chgData name="SOUMYA VAJJHALA" userId="f3e3711e514002e0" providerId="LiveId" clId="{01F47973-9CB2-44DD-8EBD-67833D4EF65D}" dt="2020-06-08T20:24:54.585" v="62" actId="47"/>
+          <pc:sldLayoutMkLst>
+            <pc:docMk/>
+            <pc:sldMasterMk cId="3786096148" sldId="2147483900"/>
+            <pc:sldLayoutMk cId="4118352400" sldId="2147483911"/>
           </pc:sldLayoutMkLst>
         </pc:sldLayoutChg>
       </pc:sldMasterChg>
@@ -665,8 +816,8 @@
         </p:nvSpPr>
         <p:spPr>
           <a:xfrm>
-            <a:off x="685800" y="1122363"/>
-            <a:ext cx="7772400" cy="2387600"/>
+            <a:off x="1524000" y="1122363"/>
+            <a:ext cx="9144000" cy="2387600"/>
           </a:xfrm>
         </p:spPr>
         <p:txBody>
@@ -697,8 +848,8 @@
         </p:nvSpPr>
         <p:spPr>
           <a:xfrm>
-            <a:off x="1143000" y="3602038"/>
-            <a:ext cx="6858000" cy="1655762"/>
+            <a:off x="1524000" y="3602038"/>
+            <a:ext cx="9144000" cy="1655762"/>
           </a:xfrm>
         </p:spPr>
         <p:txBody>
@@ -776,7 +927,7 @@
                 </a:solidFill>
               </a:rPr>
               <a:pPr defTabSz="342900"/>
-              <a:t>12/1/2019</a:t>
+              <a:t>6/8/2020</a:t>
             </a:fld>
             <a:endParaRPr lang="en-US" dirty="0">
               <a:solidFill>
@@ -852,7 +1003,7 @@
     </p:spTree>
     <p:extLst>
       <p:ext uri="{BB962C8B-B14F-4D97-AF65-F5344CB8AC3E}">
-        <p14:creationId xmlns:p14="http://schemas.microsoft.com/office/powerpoint/2010/main" val="3902438096"/>
+        <p14:creationId xmlns:p14="http://schemas.microsoft.com/office/powerpoint/2010/main" val="1933014035"/>
       </p:ext>
     </p:extLst>
   </p:cSld>
@@ -992,7 +1143,7 @@
                 </a:solidFill>
               </a:rPr>
               <a:pPr defTabSz="342900"/>
-              <a:t>12/1/2019</a:t>
+              <a:t>6/8/2020</a:t>
             </a:fld>
             <a:endParaRPr lang="en-US" dirty="0">
               <a:solidFill>
@@ -1068,7 +1219,7 @@
     </p:spTree>
     <p:extLst>
       <p:ext uri="{BB962C8B-B14F-4D97-AF65-F5344CB8AC3E}">
-        <p14:creationId xmlns:p14="http://schemas.microsoft.com/office/powerpoint/2010/main" val="1766478214"/>
+        <p14:creationId xmlns:p14="http://schemas.microsoft.com/office/powerpoint/2010/main" val="1189901756"/>
       </p:ext>
     </p:extLst>
   </p:cSld>
@@ -1120,8 +1271,8 @@
         </p:nvSpPr>
         <p:spPr>
           <a:xfrm>
-            <a:off x="6543675" y="365125"/>
-            <a:ext cx="1971675" cy="5811838"/>
+            <a:off x="8724900" y="365125"/>
+            <a:ext cx="2628900" cy="5811838"/>
           </a:xfrm>
         </p:spPr>
         <p:txBody>
@@ -1148,8 +1299,8 @@
         </p:nvSpPr>
         <p:spPr>
           <a:xfrm>
-            <a:off x="628650" y="365125"/>
-            <a:ext cx="5800725" cy="5811838"/>
+            <a:off x="838200" y="365125"/>
+            <a:ext cx="7734300" cy="5811838"/>
           </a:xfrm>
         </p:spPr>
         <p:txBody>
@@ -1219,7 +1370,7 @@
                 </a:solidFill>
               </a:rPr>
               <a:pPr defTabSz="342900"/>
-              <a:t>12/1/2019</a:t>
+              <a:t>6/8/2020</a:t>
             </a:fld>
             <a:endParaRPr lang="en-US" dirty="0">
               <a:solidFill>
@@ -1295,7 +1446,7 @@
     </p:spTree>
     <p:extLst>
       <p:ext uri="{BB962C8B-B14F-4D97-AF65-F5344CB8AC3E}">
-        <p14:creationId xmlns:p14="http://schemas.microsoft.com/office/powerpoint/2010/main" val="835702839"/>
+        <p14:creationId xmlns:p14="http://schemas.microsoft.com/office/powerpoint/2010/main" val="3450071383"/>
       </p:ext>
     </p:extLst>
   </p:cSld>
@@ -1436,7 +1587,7 @@
                 </a:solidFill>
               </a:rPr>
               <a:pPr defTabSz="342900"/>
-              <a:t>12/1/2019</a:t>
+              <a:t>6/8/2020</a:t>
             </a:fld>
             <a:endParaRPr lang="en-US" dirty="0">
               <a:solidFill>
@@ -1512,7 +1663,7 @@
     </p:spTree>
     <p:extLst>
       <p:ext uri="{BB962C8B-B14F-4D97-AF65-F5344CB8AC3E}">
-        <p14:creationId xmlns:p14="http://schemas.microsoft.com/office/powerpoint/2010/main" val="495098709"/>
+        <p14:creationId xmlns:p14="http://schemas.microsoft.com/office/powerpoint/2010/main" val="3691291881"/>
       </p:ext>
     </p:extLst>
   </p:cSld>
@@ -1563,8 +1714,8 @@
         </p:nvSpPr>
         <p:spPr>
           <a:xfrm>
-            <a:off x="623888" y="1709739"/>
-            <a:ext cx="7886700" cy="2852737"/>
+            <a:off x="831850" y="1709738"/>
+            <a:ext cx="10515600" cy="2852737"/>
           </a:xfrm>
         </p:spPr>
         <p:txBody>
@@ -1595,8 +1746,8 @@
         </p:nvSpPr>
         <p:spPr>
           <a:xfrm>
-            <a:off x="623888" y="4589464"/>
-            <a:ext cx="7886700" cy="1500187"/>
+            <a:off x="831850" y="4589463"/>
+            <a:ext cx="10515600" cy="1500187"/>
           </a:xfrm>
         </p:spPr>
         <p:txBody>
@@ -1606,7 +1757,9 @@
               <a:buNone/>
               <a:defRPr sz="2400">
                 <a:solidFill>
-                  <a:schemeClr val="tx1"/>
+                  <a:schemeClr val="tx1">
+                    <a:tint val="75000"/>
+                  </a:schemeClr>
                 </a:solidFill>
               </a:defRPr>
             </a:lvl1pPr>
@@ -1726,7 +1879,7 @@
                 </a:solidFill>
               </a:rPr>
               <a:pPr defTabSz="342900"/>
-              <a:t>12/1/2019</a:t>
+              <a:t>6/8/2020</a:t>
             </a:fld>
             <a:endParaRPr lang="en-US" dirty="0">
               <a:solidFill>
@@ -1802,7 +1955,7 @@
     </p:spTree>
     <p:extLst>
       <p:ext uri="{BB962C8B-B14F-4D97-AF65-F5344CB8AC3E}">
-        <p14:creationId xmlns:p14="http://schemas.microsoft.com/office/powerpoint/2010/main" val="1275230993"/>
+        <p14:creationId xmlns:p14="http://schemas.microsoft.com/office/powerpoint/2010/main" val="390831784"/>
       </p:ext>
     </p:extLst>
   </p:cSld>
@@ -1876,8 +2029,8 @@
         </p:nvSpPr>
         <p:spPr>
           <a:xfrm>
-            <a:off x="628650" y="1825625"/>
-            <a:ext cx="3886200" cy="4351338"/>
+            <a:off x="838200" y="1825625"/>
+            <a:ext cx="5181600" cy="4351338"/>
           </a:xfrm>
         </p:spPr>
         <p:txBody>
@@ -1933,8 +2086,8 @@
         </p:nvSpPr>
         <p:spPr>
           <a:xfrm>
-            <a:off x="4629150" y="1825625"/>
-            <a:ext cx="3886200" cy="4351338"/>
+            <a:off x="6172200" y="1825625"/>
+            <a:ext cx="5181600" cy="4351338"/>
           </a:xfrm>
         </p:spPr>
         <p:txBody>
@@ -2004,7 +2157,7 @@
                 </a:solidFill>
               </a:rPr>
               <a:pPr defTabSz="342900"/>
-              <a:t>12/1/2019</a:t>
+              <a:t>6/8/2020</a:t>
             </a:fld>
             <a:endParaRPr lang="en-US" dirty="0">
               <a:solidFill>
@@ -2080,7 +2233,7 @@
     </p:spTree>
     <p:extLst>
       <p:ext uri="{BB962C8B-B14F-4D97-AF65-F5344CB8AC3E}">
-        <p14:creationId xmlns:p14="http://schemas.microsoft.com/office/powerpoint/2010/main" val="3939292461"/>
+        <p14:creationId xmlns:p14="http://schemas.microsoft.com/office/powerpoint/2010/main" val="119854787"/>
       </p:ext>
     </p:extLst>
   </p:cSld>
@@ -2132,8 +2285,8 @@
         </p:nvSpPr>
         <p:spPr>
           <a:xfrm>
-            <a:off x="629841" y="365126"/>
-            <a:ext cx="7886700" cy="1325563"/>
+            <a:off x="839788" y="365125"/>
+            <a:ext cx="10515600" cy="1325563"/>
           </a:xfrm>
         </p:spPr>
         <p:txBody>
@@ -2160,8 +2313,8 @@
         </p:nvSpPr>
         <p:spPr>
           <a:xfrm>
-            <a:off x="629842" y="1681163"/>
-            <a:ext cx="3868340" cy="823912"/>
+            <a:off x="839788" y="1681163"/>
+            <a:ext cx="5157787" cy="823912"/>
           </a:xfrm>
         </p:spPr>
         <p:txBody>
@@ -2225,8 +2378,8 @@
         </p:nvSpPr>
         <p:spPr>
           <a:xfrm>
-            <a:off x="629842" y="2505075"/>
-            <a:ext cx="3868340" cy="3684588"/>
+            <a:off x="839788" y="2505075"/>
+            <a:ext cx="5157787" cy="3684588"/>
           </a:xfrm>
         </p:spPr>
         <p:txBody>
@@ -2282,8 +2435,8 @@
         </p:nvSpPr>
         <p:spPr>
           <a:xfrm>
-            <a:off x="4629150" y="1681163"/>
-            <a:ext cx="3887391" cy="823912"/>
+            <a:off x="6172200" y="1681163"/>
+            <a:ext cx="5183188" cy="823912"/>
           </a:xfrm>
         </p:spPr>
         <p:txBody>
@@ -2347,8 +2500,8 @@
         </p:nvSpPr>
         <p:spPr>
           <a:xfrm>
-            <a:off x="4629150" y="2505075"/>
-            <a:ext cx="3887391" cy="3684588"/>
+            <a:off x="6172200" y="2505075"/>
+            <a:ext cx="5183188" cy="3684588"/>
           </a:xfrm>
         </p:spPr>
         <p:txBody>
@@ -2418,7 +2571,7 @@
                 </a:solidFill>
               </a:rPr>
               <a:pPr defTabSz="342900"/>
-              <a:t>12/1/2019</a:t>
+              <a:t>6/8/2020</a:t>
             </a:fld>
             <a:endParaRPr lang="en-US" dirty="0">
               <a:solidFill>
@@ -2494,7 +2647,7 @@
     </p:spTree>
     <p:extLst>
       <p:ext uri="{BB962C8B-B14F-4D97-AF65-F5344CB8AC3E}">
-        <p14:creationId xmlns:p14="http://schemas.microsoft.com/office/powerpoint/2010/main" val="715097491"/>
+        <p14:creationId xmlns:p14="http://schemas.microsoft.com/office/powerpoint/2010/main" val="1185363458"/>
       </p:ext>
     </p:extLst>
   </p:cSld>
@@ -2583,7 +2736,7 @@
                 </a:solidFill>
               </a:rPr>
               <a:pPr defTabSz="342900"/>
-              <a:t>12/1/2019</a:t>
+              <a:t>6/8/2020</a:t>
             </a:fld>
             <a:endParaRPr lang="en-US" dirty="0">
               <a:solidFill>
@@ -2659,7 +2812,7 @@
     </p:spTree>
     <p:extLst>
       <p:ext uri="{BB962C8B-B14F-4D97-AF65-F5344CB8AC3E}">
-        <p14:creationId xmlns:p14="http://schemas.microsoft.com/office/powerpoint/2010/main" val="3434919355"/>
+        <p14:creationId xmlns:p14="http://schemas.microsoft.com/office/powerpoint/2010/main" val="1111827431"/>
       </p:ext>
     </p:extLst>
   </p:cSld>
@@ -2724,7 +2877,7 @@
                 </a:solidFill>
               </a:rPr>
               <a:pPr defTabSz="342900"/>
-              <a:t>12/1/2019</a:t>
+              <a:t>6/8/2020</a:t>
             </a:fld>
             <a:endParaRPr lang="en-US" dirty="0">
               <a:solidFill>
@@ -2800,7 +2953,7 @@
     </p:spTree>
     <p:extLst>
       <p:ext uri="{BB962C8B-B14F-4D97-AF65-F5344CB8AC3E}">
-        <p14:creationId xmlns:p14="http://schemas.microsoft.com/office/powerpoint/2010/main" val="3497864621"/>
+        <p14:creationId xmlns:p14="http://schemas.microsoft.com/office/powerpoint/2010/main" val="1503918531"/>
       </p:ext>
     </p:extLst>
   </p:cSld>
@@ -2851,8 +3004,8 @@
         </p:nvSpPr>
         <p:spPr>
           <a:xfrm>
-            <a:off x="629841" y="457200"/>
-            <a:ext cx="2949178" cy="1600200"/>
+            <a:off x="839788" y="457200"/>
+            <a:ext cx="3932237" cy="1600200"/>
           </a:xfrm>
         </p:spPr>
         <p:txBody>
@@ -2883,8 +3036,8 @@
         </p:nvSpPr>
         <p:spPr>
           <a:xfrm>
-            <a:off x="3887391" y="987426"/>
-            <a:ext cx="4629150" cy="4873625"/>
+            <a:off x="5183188" y="987425"/>
+            <a:ext cx="6172200" cy="4873625"/>
           </a:xfrm>
         </p:spPr>
         <p:txBody>
@@ -2968,8 +3121,8 @@
         </p:nvSpPr>
         <p:spPr>
           <a:xfrm>
-            <a:off x="629841" y="2057400"/>
-            <a:ext cx="2949178" cy="3811588"/>
+            <a:off x="839788" y="2057400"/>
+            <a:ext cx="3932237" cy="3811588"/>
           </a:xfrm>
         </p:spPr>
         <p:txBody>
@@ -3047,7 +3200,7 @@
                 </a:solidFill>
               </a:rPr>
               <a:pPr defTabSz="342900"/>
-              <a:t>12/1/2019</a:t>
+              <a:t>6/8/2020</a:t>
             </a:fld>
             <a:endParaRPr lang="en-US" dirty="0">
               <a:solidFill>
@@ -3123,7 +3276,7 @@
     </p:spTree>
     <p:extLst>
       <p:ext uri="{BB962C8B-B14F-4D97-AF65-F5344CB8AC3E}">
-        <p14:creationId xmlns:p14="http://schemas.microsoft.com/office/powerpoint/2010/main" val="2890331703"/>
+        <p14:creationId xmlns:p14="http://schemas.microsoft.com/office/powerpoint/2010/main" val="3066638042"/>
       </p:ext>
     </p:extLst>
   </p:cSld>
@@ -3175,8 +3328,8 @@
         </p:nvSpPr>
         <p:spPr>
           <a:xfrm>
-            <a:off x="629841" y="457200"/>
-            <a:ext cx="2949178" cy="1600200"/>
+            <a:off x="839788" y="457200"/>
+            <a:ext cx="3932237" cy="1600200"/>
           </a:xfrm>
         </p:spPr>
         <p:txBody>
@@ -3207,8 +3360,8 @@
         </p:nvSpPr>
         <p:spPr>
           <a:xfrm>
-            <a:off x="3887391" y="987426"/>
-            <a:ext cx="4629150" cy="4873625"/>
+            <a:off x="5183188" y="987425"/>
+            <a:ext cx="6172200" cy="4873625"/>
           </a:xfrm>
         </p:spPr>
         <p:txBody>
@@ -3272,8 +3425,8 @@
         </p:nvSpPr>
         <p:spPr>
           <a:xfrm>
-            <a:off x="629841" y="2057400"/>
-            <a:ext cx="2949178" cy="3811588"/>
+            <a:off x="839788" y="2057400"/>
+            <a:ext cx="3932237" cy="3811588"/>
           </a:xfrm>
         </p:spPr>
         <p:txBody>
@@ -3351,7 +3504,7 @@
                 </a:solidFill>
               </a:rPr>
               <a:pPr defTabSz="342900"/>
-              <a:t>12/1/2019</a:t>
+              <a:t>6/8/2020</a:t>
             </a:fld>
             <a:endParaRPr lang="en-US" dirty="0">
               <a:solidFill>
@@ -3427,7 +3580,7 @@
     </p:spTree>
     <p:extLst>
       <p:ext uri="{BB962C8B-B14F-4D97-AF65-F5344CB8AC3E}">
-        <p14:creationId xmlns:p14="http://schemas.microsoft.com/office/powerpoint/2010/main" val="2860250413"/>
+        <p14:creationId xmlns:p14="http://schemas.microsoft.com/office/powerpoint/2010/main" val="2799788423"/>
       </p:ext>
     </p:extLst>
   </p:cSld>
@@ -3483,8 +3636,8 @@
         </p:nvSpPr>
         <p:spPr>
           <a:xfrm>
-            <a:off x="628650" y="365126"/>
-            <a:ext cx="7886700" cy="1325563"/>
+            <a:off x="838200" y="365125"/>
+            <a:ext cx="10515600" cy="1325563"/>
           </a:xfrm>
           <a:prstGeom prst="rect">
             <a:avLst/>
@@ -3516,8 +3669,8 @@
         </p:nvSpPr>
         <p:spPr>
           <a:xfrm>
-            <a:off x="628650" y="1825625"/>
-            <a:ext cx="7886700" cy="4351338"/>
+            <a:off x="838200" y="1825625"/>
+            <a:ext cx="10515600" cy="4351338"/>
           </a:xfrm>
           <a:prstGeom prst="rect">
             <a:avLst/>
@@ -3578,8 +3731,8 @@
         </p:nvSpPr>
         <p:spPr>
           <a:xfrm>
-            <a:off x="628650" y="6356351"/>
-            <a:ext cx="2057400" cy="365125"/>
+            <a:off x="838200" y="6356350"/>
+            <a:ext cx="2743200" cy="365125"/>
           </a:xfrm>
           <a:prstGeom prst="rect">
             <a:avLst/>
@@ -3610,7 +3763,7 @@
                 </a:solidFill>
               </a:rPr>
               <a:pPr defTabSz="342900"/>
-              <a:t>12/1/2019</a:t>
+              <a:t>6/8/2020</a:t>
             </a:fld>
             <a:endParaRPr lang="en-US" dirty="0">
               <a:solidFill>
@@ -3635,8 +3788,8 @@
         </p:nvSpPr>
         <p:spPr>
           <a:xfrm>
-            <a:off x="3028950" y="6356351"/>
-            <a:ext cx="3086100" cy="365125"/>
+            <a:off x="4038600" y="6356350"/>
+            <a:ext cx="4114800" cy="365125"/>
           </a:xfrm>
           <a:prstGeom prst="rect">
             <a:avLst/>
@@ -3680,8 +3833,8 @@
         </p:nvSpPr>
         <p:spPr>
           <a:xfrm>
-            <a:off x="6457950" y="6356351"/>
-            <a:ext cx="2057400" cy="365125"/>
+            <a:off x="8610600" y="6356350"/>
+            <a:ext cx="2743200" cy="365125"/>
           </a:xfrm>
           <a:prstGeom prst="rect">
             <a:avLst/>
@@ -3722,23 +3875,23 @@
     </p:spTree>
     <p:extLst>
       <p:ext uri="{BB962C8B-B14F-4D97-AF65-F5344CB8AC3E}">
-        <p14:creationId xmlns:p14="http://schemas.microsoft.com/office/powerpoint/2010/main" val="2047013614"/>
+        <p14:creationId xmlns:p14="http://schemas.microsoft.com/office/powerpoint/2010/main" val="1993471175"/>
       </p:ext>
     </p:extLst>
   </p:cSld>
   <p:clrMap bg1="lt1" tx1="dk1" bg2="lt2" tx2="dk2" accent1="accent1" accent2="accent2" accent3="accent3" accent4="accent4" accent5="accent5" accent6="accent6" hlink="hlink" folHlink="folHlink"/>
   <p:sldLayoutIdLst>
-    <p:sldLayoutId id="2147483901" r:id="rId1"/>
-    <p:sldLayoutId id="2147483902" r:id="rId2"/>
-    <p:sldLayoutId id="2147483903" r:id="rId3"/>
-    <p:sldLayoutId id="2147483904" r:id="rId4"/>
-    <p:sldLayoutId id="2147483905" r:id="rId5"/>
-    <p:sldLayoutId id="2147483906" r:id="rId6"/>
-    <p:sldLayoutId id="2147483907" r:id="rId7"/>
-    <p:sldLayoutId id="2147483908" r:id="rId8"/>
-    <p:sldLayoutId id="2147483909" r:id="rId9"/>
-    <p:sldLayoutId id="2147483910" r:id="rId10"/>
-    <p:sldLayoutId id="2147483911" r:id="rId11"/>
+    <p:sldLayoutId id="2147483877" r:id="rId1"/>
+    <p:sldLayoutId id="2147483878" r:id="rId2"/>
+    <p:sldLayoutId id="2147483879" r:id="rId3"/>
+    <p:sldLayoutId id="2147483880" r:id="rId4"/>
+    <p:sldLayoutId id="2147483881" r:id="rId5"/>
+    <p:sldLayoutId id="2147483882" r:id="rId6"/>
+    <p:sldLayoutId id="2147483883" r:id="rId7"/>
+    <p:sldLayoutId id="2147483884" r:id="rId8"/>
+    <p:sldLayoutId id="2147483885" r:id="rId9"/>
+    <p:sldLayoutId id="2147483886" r:id="rId10"/>
+    <p:sldLayoutId id="2147483887" r:id="rId11"/>
   </p:sldLayoutIdLst>
   <mc:AlternateContent xmlns:mc="http://schemas.openxmlformats.org/markup-compatibility/2006">
     <mc:Choice xmlns:p14="http://schemas.microsoft.com/office/powerpoint/2010/main" Requires="p14">
@@ -4083,8 +4236,8 @@
         </p:blipFill>
         <p:spPr>
           <a:xfrm>
-            <a:off x="1152659" y="2863659"/>
-            <a:ext cx="6858000" cy="2682166"/>
+            <a:off x="1536879" y="2675211"/>
+            <a:ext cx="9144000" cy="3576221"/>
           </a:xfrm>
           <a:prstGeom prst="rect">
             <a:avLst/>
@@ -4102,8 +4255,8 @@
         </p:nvSpPr>
         <p:spPr>
           <a:xfrm>
-            <a:off x="0" y="677752"/>
-            <a:ext cx="9134341" cy="1877437"/>
+            <a:off x="0" y="457200"/>
+            <a:ext cx="12179121" cy="1877437"/>
           </a:xfrm>
           <a:prstGeom prst="rect">
             <a:avLst/>
@@ -4116,28 +4269,68 @@
           </a:bodyPr>
           <a:lstStyle/>
           <a:p>
-            <a:pPr algn="ctr" defTabSz="685800">
+            <a:pPr marL="0" marR="0" lvl="0" indent="0" algn="ctr" defTabSz="914400" rtl="0" eaLnBrk="1" fontAlgn="auto" latinLnBrk="0" hangingPunct="1">
+              <a:lnSpc>
+                <a:spcPct val="100000"/>
+              </a:lnSpc>
+              <a:spcBef>
+                <a:spcPts val="0"/>
+              </a:spcBef>
+              <a:spcAft>
+                <a:spcPts val="0"/>
+              </a:spcAft>
+              <a:buClrTx/>
+              <a:buSzTx/>
+              <a:buFontTx/>
+              <a:buNone/>
+              <a:tabLst/>
               <a:defRPr/>
             </a:pPr>
             <a:r>
-              <a:rPr lang="en-US" sz="8000" dirty="0">
+              <a:rPr kumimoji="0" lang="en-US" sz="8000" b="0" i="0" u="none" strike="noStrike" kern="1200" cap="none" spc="0" normalizeH="0" baseline="0" noProof="0" dirty="0">
+                <a:ln>
+                  <a:noFill/>
+                </a:ln>
                 <a:solidFill>
                   <a:srgbClr val="000000"/>
                 </a:solidFill>
+                <a:effectLst/>
+                <a:uLnTx/>
+                <a:uFillTx/>
                 <a:latin typeface="Georgia" panose="02040502050405020303" pitchFamily="18" charset="0"/>
               </a:rPr>
               <a:t>Seattle</a:t>
             </a:r>
           </a:p>
           <a:p>
-            <a:pPr algn="ctr" defTabSz="685800">
+            <a:pPr marL="0" marR="0" lvl="0" indent="0" algn="ctr" defTabSz="914400" rtl="0" eaLnBrk="1" fontAlgn="auto" latinLnBrk="0" hangingPunct="1">
+              <a:lnSpc>
+                <a:spcPct val="100000"/>
+              </a:lnSpc>
+              <a:spcBef>
+                <a:spcPts val="0"/>
+              </a:spcBef>
+              <a:spcAft>
+                <a:spcPts val="0"/>
+              </a:spcAft>
+              <a:buClrTx/>
+              <a:buSzTx/>
+              <a:buFontTx/>
+              <a:buNone/>
+              <a:tabLst/>
               <a:defRPr/>
             </a:pPr>
             <a:r>
-              <a:rPr lang="en-US" sz="3600" dirty="0">
+              <a:rPr kumimoji="0" lang="en-US" sz="3600" b="0" i="0" u="none" strike="noStrike" kern="1200" cap="none" spc="0" normalizeH="0" baseline="0" noProof="0" dirty="0">
+                <a:ln>
+                  <a:noFill/>
+                </a:ln>
                 <a:solidFill>
                   <a:srgbClr val="000000"/>
                 </a:solidFill>
+                <a:effectLst/>
+                <a:uLnTx/>
+                <a:uFillTx/>
                 <a:latin typeface="Georgia" panose="02040502050405020303" pitchFamily="18" charset="0"/>
               </a:rPr>
               <a:t>Making the Most of Your First Port</a:t>
@@ -4153,8 +4346,8 @@
         </p:nvSpPr>
         <p:spPr>
           <a:xfrm>
-            <a:off x="9660" y="2644537"/>
-            <a:ext cx="9134341" cy="109560"/>
+            <a:off x="12879" y="2383049"/>
+            <a:ext cx="12179121" cy="146080"/>
           </a:xfrm>
           <a:prstGeom prst="rect">
             <a:avLst/>
@@ -4185,14 +4378,36 @@
           <a:bodyPr rtlCol="0" anchor="ctr"/>
           <a:lstStyle/>
           <a:p>
-            <a:pPr algn="ctr" defTabSz="685800">
+            <a:pPr marL="0" marR="0" lvl="0" indent="0" algn="ctr" defTabSz="914400" rtl="0" eaLnBrk="1" fontAlgn="auto" latinLnBrk="0" hangingPunct="1">
+              <a:lnSpc>
+                <a:spcPct val="100000"/>
+              </a:lnSpc>
+              <a:spcBef>
+                <a:spcPts val="0"/>
+              </a:spcBef>
+              <a:spcAft>
+                <a:spcPts val="0"/>
+              </a:spcAft>
+              <a:buClrTx/>
+              <a:buSzTx/>
+              <a:buFontTx/>
+              <a:buNone/>
+              <a:tabLst/>
               <a:defRPr/>
             </a:pPr>
-            <a:endParaRPr lang="en-US" sz="1350">
+            <a:endParaRPr kumimoji="0" lang="en-US" sz="1800" b="0" i="0" u="none" strike="noStrike" kern="1200" cap="none" spc="0" normalizeH="0" baseline="0" noProof="0">
+              <a:ln>
+                <a:noFill/>
+              </a:ln>
               <a:solidFill>
                 <a:srgbClr val="FFFFFF"/>
               </a:solidFill>
+              <a:effectLst/>
+              <a:uLnTx/>
+              <a:uFillTx/>
               <a:latin typeface="Corbel" panose="020B0503020204020204"/>
+              <a:ea typeface="+mn-ea"/>
+              <a:cs typeface="+mn-cs"/>
             </a:endParaRPr>
           </a:p>
         </p:txBody>
@@ -4205,8 +4420,8 @@
         </p:nvSpPr>
         <p:spPr>
           <a:xfrm>
-            <a:off x="9660" y="2733884"/>
-            <a:ext cx="9134341" cy="40427"/>
+            <a:off x="12879" y="2502179"/>
+            <a:ext cx="12179121" cy="53902"/>
           </a:xfrm>
           <a:prstGeom prst="rect">
             <a:avLst/>
@@ -4240,14 +4455,36 @@
           <a:bodyPr rtlCol="0" anchor="ctr"/>
           <a:lstStyle/>
           <a:p>
-            <a:pPr algn="ctr" defTabSz="685800">
+            <a:pPr marL="0" marR="0" lvl="0" indent="0" algn="ctr" defTabSz="914400" rtl="0" eaLnBrk="1" fontAlgn="auto" latinLnBrk="0" hangingPunct="1">
+              <a:lnSpc>
+                <a:spcPct val="100000"/>
+              </a:lnSpc>
+              <a:spcBef>
+                <a:spcPts val="0"/>
+              </a:spcBef>
+              <a:spcAft>
+                <a:spcPts val="0"/>
+              </a:spcAft>
+              <a:buClrTx/>
+              <a:buSzTx/>
+              <a:buFontTx/>
+              <a:buNone/>
+              <a:tabLst/>
               <a:defRPr/>
             </a:pPr>
-            <a:endParaRPr lang="en-US" sz="1350">
+            <a:endParaRPr kumimoji="0" lang="en-US" sz="1800" b="0" i="0" u="none" strike="noStrike" kern="1200" cap="none" spc="0" normalizeH="0" baseline="0" noProof="0">
+              <a:ln>
+                <a:noFill/>
+              </a:ln>
               <a:solidFill>
                 <a:srgbClr val="FFFFFF"/>
               </a:solidFill>
+              <a:effectLst/>
+              <a:uLnTx/>
+              <a:uFillTx/>
               <a:latin typeface="Corbel" panose="020B0503020204020204"/>
+              <a:ea typeface="+mn-ea"/>
+              <a:cs typeface="+mn-cs"/>
             </a:endParaRPr>
           </a:p>
         </p:txBody>
@@ -4260,8 +4497,8 @@
         </p:nvSpPr>
         <p:spPr>
           <a:xfrm>
-            <a:off x="-4969" y="5739953"/>
-            <a:ext cx="9134341" cy="109560"/>
+            <a:off x="-6626" y="6510270"/>
+            <a:ext cx="12179121" cy="146080"/>
           </a:xfrm>
           <a:prstGeom prst="rect">
             <a:avLst/>
@@ -4292,14 +4529,36 @@
           <a:bodyPr rtlCol="0" anchor="ctr"/>
           <a:lstStyle/>
           <a:p>
-            <a:pPr algn="ctr" defTabSz="685800">
+            <a:pPr marL="0" marR="0" lvl="0" indent="0" algn="ctr" defTabSz="914400" rtl="0" eaLnBrk="1" fontAlgn="auto" latinLnBrk="0" hangingPunct="1">
+              <a:lnSpc>
+                <a:spcPct val="100000"/>
+              </a:lnSpc>
+              <a:spcBef>
+                <a:spcPts val="0"/>
+              </a:spcBef>
+              <a:spcAft>
+                <a:spcPts val="0"/>
+              </a:spcAft>
+              <a:buClrTx/>
+              <a:buSzTx/>
+              <a:buFontTx/>
+              <a:buNone/>
+              <a:tabLst/>
               <a:defRPr/>
             </a:pPr>
-            <a:endParaRPr lang="en-US" sz="1350">
+            <a:endParaRPr kumimoji="0" lang="en-US" sz="1800" b="0" i="0" u="none" strike="noStrike" kern="1200" cap="none" spc="0" normalizeH="0" baseline="0" noProof="0">
+              <a:ln>
+                <a:noFill/>
+              </a:ln>
               <a:solidFill>
                 <a:srgbClr val="FFFFFF"/>
               </a:solidFill>
+              <a:effectLst/>
+              <a:uLnTx/>
+              <a:uFillTx/>
               <a:latin typeface="Corbel" panose="020B0503020204020204"/>
+              <a:ea typeface="+mn-ea"/>
+              <a:cs typeface="+mn-cs"/>
             </a:endParaRPr>
           </a:p>
         </p:txBody>
@@ -4312,8 +4571,8 @@
         </p:nvSpPr>
         <p:spPr>
           <a:xfrm>
-            <a:off x="-4969" y="5829300"/>
-            <a:ext cx="9134341" cy="40427"/>
+            <a:off x="-6626" y="6629400"/>
+            <a:ext cx="12179121" cy="53902"/>
           </a:xfrm>
           <a:prstGeom prst="rect">
             <a:avLst/>
@@ -4347,14 +4606,36 @@
           <a:bodyPr rtlCol="0" anchor="ctr"/>
           <a:lstStyle/>
           <a:p>
-            <a:pPr algn="ctr" defTabSz="685800">
+            <a:pPr marL="0" marR="0" lvl="0" indent="0" algn="ctr" defTabSz="914400" rtl="0" eaLnBrk="1" fontAlgn="auto" latinLnBrk="0" hangingPunct="1">
+              <a:lnSpc>
+                <a:spcPct val="100000"/>
+              </a:lnSpc>
+              <a:spcBef>
+                <a:spcPts val="0"/>
+              </a:spcBef>
+              <a:spcAft>
+                <a:spcPts val="0"/>
+              </a:spcAft>
+              <a:buClrTx/>
+              <a:buSzTx/>
+              <a:buFontTx/>
+              <a:buNone/>
+              <a:tabLst/>
               <a:defRPr/>
             </a:pPr>
-            <a:endParaRPr lang="en-US" sz="1350">
+            <a:endParaRPr kumimoji="0" lang="en-US" sz="1800" b="0" i="0" u="none" strike="noStrike" kern="1200" cap="none" spc="0" normalizeH="0" baseline="0" noProof="0">
+              <a:ln>
+                <a:noFill/>
+              </a:ln>
               <a:solidFill>
                 <a:srgbClr val="FFFFFF"/>
               </a:solidFill>
+              <a:effectLst/>
+              <a:uLnTx/>
+              <a:uFillTx/>
               <a:latin typeface="Corbel" panose="020B0503020204020204"/>
+              <a:ea typeface="+mn-ea"/>
+              <a:cs typeface="+mn-cs"/>
             </a:endParaRPr>
           </a:p>
         </p:txBody>
@@ -4362,7 +4643,7 @@
     </p:spTree>
     <p:extLst>
       <p:ext uri="{BB962C8B-B14F-4D97-AF65-F5344CB8AC3E}">
-        <p14:creationId xmlns:p14="http://schemas.microsoft.com/office/powerpoint/2010/main" val="2360001570"/>
+        <p14:creationId xmlns:p14="http://schemas.microsoft.com/office/powerpoint/2010/main" val="354210509"/>
       </p:ext>
     </p:extLst>
   </p:cSld>
@@ -4548,16 +4829,6 @@
 <file path=ppt/slides/slide3.xml><?xml version="1.0" encoding="utf-8"?>
 <p:sld xmlns:a="http://schemas.openxmlformats.org/drawingml/2006/main" xmlns:r="http://schemas.openxmlformats.org/officeDocument/2006/relationships" xmlns:p="http://schemas.openxmlformats.org/presentationml/2006/main">
   <p:cSld>
-    <p:bg>
-      <p:bgPr>
-        <a:solidFill>
-          <a:schemeClr val="accent1">
-            <a:lumMod val="50000"/>
-          </a:schemeClr>
-        </a:solidFill>
-        <a:effectLst/>
-      </p:bgPr>
-    </p:bg>
     <p:spTree>
       <p:nvGrpSpPr>
         <p:cNvPr id="1" name=""/>
@@ -4582,59 +4853,109 @@
             <p:ph type="title"/>
           </p:nvPr>
         </p:nvSpPr>
-        <p:spPr>
-          <a:xfrm>
-            <a:off x="397046" y="987427"/>
-            <a:ext cx="3176334" cy="4873625"/>
-          </a:xfrm>
-        </p:spPr>
-        <p:txBody>
-          <a:bodyPr anchor="ctr">
-            <a:noAutofit/>
+        <p:spPr/>
+        <p:txBody>
+          <a:bodyPr>
+            <a:normAutofit fontScale="90000"/>
           </a:bodyPr>
           <a:lstStyle/>
           <a:p>
-            <a:pPr algn="ctr">
-              <a:lnSpc>
-                <a:spcPct val="200000"/>
-              </a:lnSpc>
-            </a:pPr>
-            <a:r>
-              <a:rPr lang="en-US" sz="2000" dirty="0"/>
-              <a:t>Although cruises to Alaska are held during summer months, a visit to Seattle in summer is no guarantee of sunshine! Keep your favorite umbrella handy!</a:t>
-            </a:r>
-          </a:p>
-        </p:txBody>
-      </p:sp>
-      <p:pic>
-        <p:nvPicPr>
-          <p:cNvPr id="5" name="Picture Placeholder 4"/>
-          <p:cNvPicPr>
-            <a:picLocks noGrp="1" noChangeAspect="1"/>
-          </p:cNvPicPr>
-          <p:nvPr>
-            <p:ph type="pic" idx="1"/>
-          </p:nvPr>
-        </p:nvPicPr>
-        <p:blipFill>
-          <a:blip r:embed="rId2">
-            <a:extLst>
-              <a:ext uri="{28A0092B-C50C-407E-A947-70E740481C1C}">
-                <a14:useLocalDpi xmlns:a14="http://schemas.microsoft.com/office/drawing/2010/main" val="0"/>
-              </a:ext>
-            </a:extLst>
-          </a:blip>
-          <a:srcRect l="18339" r="18339"/>
-          <a:stretch>
-            <a:fillRect/>
-          </a:stretch>
-        </p:blipFill>
+            <a:r>
+              <a:rPr lang="en-US" dirty="0"/>
+              <a:t>Day One</a:t>
+            </a:r>
+            <a:br>
+              <a:rPr lang="en-US" dirty="0"/>
+            </a:br>
+            <a:r>
+              <a:rPr lang="en-US" dirty="0"/>
+              <a:t>Sample </a:t>
+            </a:r>
+            <a:br>
+              <a:rPr lang="en-US" dirty="0"/>
+            </a:br>
+            <a:r>
+              <a:rPr lang="en-US" dirty="0"/>
+              <a:t>Itinerary</a:t>
+            </a:r>
+          </a:p>
+        </p:txBody>
+      </p:sp>
+      <p:sp>
+        <p:nvSpPr>
+          <p:cNvPr id="3" name="Content Placeholder 2"/>
+          <p:cNvSpPr>
+            <a:spLocks noGrp="1"/>
+          </p:cNvSpPr>
+          <p:nvPr>
+            <p:ph idx="1"/>
+          </p:nvPr>
+        </p:nvSpPr>
         <p:spPr/>
-      </p:pic>
+        <p:txBody>
+          <a:bodyPr>
+            <a:normAutofit/>
+          </a:bodyPr>
+          <a:lstStyle/>
+          <a:p>
+            <a:r>
+              <a:rPr lang="en-US" sz="1800" dirty="0"/>
+              <a:t>Get an early start!</a:t>
+            </a:r>
+          </a:p>
+          <a:p>
+            <a:pPr lvl="1"/>
+            <a:r>
+              <a:rPr lang="en-US" sz="1400" dirty="0"/>
+              <a:t>Pike Place Market for breakfast and shopping</a:t>
+            </a:r>
+          </a:p>
+          <a:p>
+            <a:pPr lvl="1"/>
+            <a:r>
+              <a:rPr lang="en-US" sz="1400" dirty="0"/>
+              <a:t>Olympic Sculpture Park  and a stroll along the waterfront </a:t>
+            </a:r>
+          </a:p>
+          <a:p>
+            <a:r>
+              <a:rPr lang="en-US" sz="1800" dirty="0"/>
+              <a:t>Mid-afternoon</a:t>
+            </a:r>
+          </a:p>
+          <a:p>
+            <a:pPr lvl="1"/>
+            <a:r>
+              <a:rPr lang="en-US" sz="1500" dirty="0"/>
+              <a:t>The Seattle Aquarium</a:t>
+            </a:r>
+          </a:p>
+          <a:p>
+            <a:r>
+              <a:rPr lang="en-US" sz="1800" dirty="0"/>
+              <a:t>Evening</a:t>
+            </a:r>
+          </a:p>
+          <a:p>
+            <a:pPr lvl="1"/>
+            <a:r>
+              <a:rPr lang="en-US" sz="1500" dirty="0"/>
+              <a:t>Seattle Underground Tour</a:t>
+            </a:r>
+          </a:p>
+          <a:p>
+            <a:pPr lvl="1"/>
+            <a:r>
+              <a:rPr lang="en-US" sz="1500" dirty="0"/>
+              <a:t>Pike Place Market for dinner</a:t>
+            </a:r>
+          </a:p>
+        </p:txBody>
+      </p:sp>
     </p:spTree>
     <p:extLst>
       <p:ext uri="{BB962C8B-B14F-4D97-AF65-F5344CB8AC3E}">
-        <p14:creationId xmlns:p14="http://schemas.microsoft.com/office/powerpoint/2010/main" val="1038816324"/>
+        <p14:creationId xmlns:p14="http://schemas.microsoft.com/office/powerpoint/2010/main" val="1496063175"/>
       </p:ext>
     </p:extLst>
   </p:cSld>
@@ -4685,157 +5006,6 @@
         </p:nvSpPr>
         <p:spPr/>
         <p:txBody>
-          <a:bodyPr>
-            <a:normAutofit fontScale="90000"/>
-          </a:bodyPr>
-          <a:lstStyle/>
-          <a:p>
-            <a:r>
-              <a:rPr lang="en-US" dirty="0"/>
-              <a:t>Day One</a:t>
-            </a:r>
-            <a:br>
-              <a:rPr lang="en-US" dirty="0"/>
-            </a:br>
-            <a:r>
-              <a:rPr lang="en-US" dirty="0"/>
-              <a:t>Sample </a:t>
-            </a:r>
-            <a:br>
-              <a:rPr lang="en-US" dirty="0"/>
-            </a:br>
-            <a:r>
-              <a:rPr lang="en-US" dirty="0"/>
-              <a:t>Itinerary</a:t>
-            </a:r>
-          </a:p>
-        </p:txBody>
-      </p:sp>
-      <p:sp>
-        <p:nvSpPr>
-          <p:cNvPr id="3" name="Content Placeholder 2"/>
-          <p:cNvSpPr>
-            <a:spLocks noGrp="1"/>
-          </p:cNvSpPr>
-          <p:nvPr>
-            <p:ph idx="1"/>
-          </p:nvPr>
-        </p:nvSpPr>
-        <p:spPr/>
-        <p:txBody>
-          <a:bodyPr>
-            <a:normAutofit/>
-          </a:bodyPr>
-          <a:lstStyle/>
-          <a:p>
-            <a:r>
-              <a:rPr lang="en-US" sz="1800" dirty="0"/>
-              <a:t>Get an early start!</a:t>
-            </a:r>
-          </a:p>
-          <a:p>
-            <a:pPr lvl="1"/>
-            <a:r>
-              <a:rPr lang="en-US" sz="1400" dirty="0"/>
-              <a:t>Pike Place Market for breakfast and shopping</a:t>
-            </a:r>
-          </a:p>
-          <a:p>
-            <a:pPr lvl="1"/>
-            <a:r>
-              <a:rPr lang="en-US" sz="1400" dirty="0"/>
-              <a:t>Olympic Sculpture Park  and a stroll along the waterfront </a:t>
-            </a:r>
-          </a:p>
-          <a:p>
-            <a:r>
-              <a:rPr lang="en-US" sz="1800" dirty="0"/>
-              <a:t>Mid-afternoon</a:t>
-            </a:r>
-          </a:p>
-          <a:p>
-            <a:pPr lvl="1"/>
-            <a:r>
-              <a:rPr lang="en-US" sz="1500" dirty="0"/>
-              <a:t>The Seattle Aquarium</a:t>
-            </a:r>
-          </a:p>
-          <a:p>
-            <a:r>
-              <a:rPr lang="en-US" sz="1800" dirty="0"/>
-              <a:t>Evening</a:t>
-            </a:r>
-          </a:p>
-          <a:p>
-            <a:pPr lvl="1"/>
-            <a:r>
-              <a:rPr lang="en-US" sz="1500" dirty="0"/>
-              <a:t>Seattle Underground Tour</a:t>
-            </a:r>
-          </a:p>
-          <a:p>
-            <a:pPr lvl="1"/>
-            <a:r>
-              <a:rPr lang="en-US" sz="1500" dirty="0"/>
-              <a:t>Pike Place Market for dinner</a:t>
-            </a:r>
-          </a:p>
-        </p:txBody>
-      </p:sp>
-    </p:spTree>
-    <p:extLst>
-      <p:ext uri="{BB962C8B-B14F-4D97-AF65-F5344CB8AC3E}">
-        <p14:creationId xmlns:p14="http://schemas.microsoft.com/office/powerpoint/2010/main" val="1496063175"/>
-      </p:ext>
-    </p:extLst>
-  </p:cSld>
-  <p:clrMapOvr>
-    <a:masterClrMapping/>
-  </p:clrMapOvr>
-  <mc:AlternateContent xmlns:mc="http://schemas.openxmlformats.org/markup-compatibility/2006">
-    <mc:Choice xmlns:p14="http://schemas.microsoft.com/office/powerpoint/2010/main" Requires="p14">
-      <p:transition spd="slow" p14:dur="1750">
-        <p:fade/>
-      </p:transition>
-    </mc:Choice>
-    <mc:Fallback>
-      <p:transition spd="slow">
-        <p:fade/>
-      </p:transition>
-    </mc:Fallback>
-  </mc:AlternateContent>
-</p:sld>
-</file>
-
-<file path=ppt/slides/slide5.xml><?xml version="1.0" encoding="utf-8"?>
-<p:sld xmlns:a="http://schemas.openxmlformats.org/drawingml/2006/main" xmlns:r="http://schemas.openxmlformats.org/officeDocument/2006/relationships" xmlns:p="http://schemas.openxmlformats.org/presentationml/2006/main">
-  <p:cSld>
-    <p:spTree>
-      <p:nvGrpSpPr>
-        <p:cNvPr id="1" name=""/>
-        <p:cNvGrpSpPr/>
-        <p:nvPr/>
-      </p:nvGrpSpPr>
-      <p:grpSpPr>
-        <a:xfrm>
-          <a:off x="0" y="0"/>
-          <a:ext cx="0" cy="0"/>
-          <a:chOff x="0" y="0"/>
-          <a:chExt cx="0" cy="0"/>
-        </a:xfrm>
-      </p:grpSpPr>
-      <p:sp>
-        <p:nvSpPr>
-          <p:cNvPr id="2" name="Title 1"/>
-          <p:cNvSpPr>
-            <a:spLocks noGrp="1"/>
-          </p:cNvSpPr>
-          <p:nvPr>
-            <p:ph type="title"/>
-          </p:nvPr>
-        </p:nvSpPr>
-        <p:spPr/>
-        <p:txBody>
           <a:bodyPr/>
           <a:lstStyle/>
           <a:p>
@@ -4918,8 +5088,8 @@
         </p:blipFill>
         <p:spPr>
           <a:xfrm>
-            <a:off x="4663679" y="2361904"/>
-            <a:ext cx="3702844" cy="2777132"/>
+            <a:off x="6218238" y="2006204"/>
+            <a:ext cx="4937125" cy="3702843"/>
           </a:xfrm>
           <a:prstGeom prst="rect">
             <a:avLst/>
@@ -4963,7 +5133,118 @@
     </p:spTree>
     <p:extLst>
       <p:ext uri="{BB962C8B-B14F-4D97-AF65-F5344CB8AC3E}">
-        <p14:creationId xmlns:p14="http://schemas.microsoft.com/office/powerpoint/2010/main" val="2509816388"/>
+        <p14:creationId xmlns:p14="http://schemas.microsoft.com/office/powerpoint/2010/main" val="2359476344"/>
+      </p:ext>
+    </p:extLst>
+  </p:cSld>
+  <p:clrMapOvr>
+    <a:masterClrMapping/>
+  </p:clrMapOvr>
+  <mc:AlternateContent xmlns:mc="http://schemas.openxmlformats.org/markup-compatibility/2006">
+    <mc:Choice xmlns:p14="http://schemas.microsoft.com/office/powerpoint/2010/main" Requires="p14">
+      <p:transition spd="slow" p14:dur="1750">
+        <p:fade/>
+      </p:transition>
+    </mc:Choice>
+    <mc:Fallback>
+      <p:transition spd="slow">
+        <p:fade/>
+      </p:transition>
+    </mc:Fallback>
+  </mc:AlternateContent>
+</p:sld>
+</file>
+
+<file path=ppt/slides/slide5.xml><?xml version="1.0" encoding="utf-8"?>
+<p:sld xmlns:a="http://schemas.openxmlformats.org/drawingml/2006/main" xmlns:r="http://schemas.openxmlformats.org/officeDocument/2006/relationships" xmlns:p="http://schemas.openxmlformats.org/presentationml/2006/main">
+  <p:cSld>
+    <p:bg>
+      <p:bgPr>
+        <a:solidFill>
+          <a:schemeClr val="accent1">
+            <a:lumMod val="50000"/>
+          </a:schemeClr>
+        </a:solidFill>
+        <a:effectLst/>
+      </p:bgPr>
+    </p:bg>
+    <p:spTree>
+      <p:nvGrpSpPr>
+        <p:cNvPr id="1" name=""/>
+        <p:cNvGrpSpPr/>
+        <p:nvPr/>
+      </p:nvGrpSpPr>
+      <p:grpSpPr>
+        <a:xfrm>
+          <a:off x="0" y="0"/>
+          <a:ext cx="0" cy="0"/>
+          <a:chOff x="0" y="0"/>
+          <a:chExt cx="0" cy="0"/>
+        </a:xfrm>
+      </p:grpSpPr>
+      <p:sp>
+        <p:nvSpPr>
+          <p:cNvPr id="2" name="Title 1"/>
+          <p:cNvSpPr>
+            <a:spLocks noGrp="1"/>
+          </p:cNvSpPr>
+          <p:nvPr>
+            <p:ph type="title"/>
+          </p:nvPr>
+        </p:nvSpPr>
+        <p:spPr>
+          <a:xfrm>
+            <a:off x="1921046" y="987426"/>
+            <a:ext cx="3176334" cy="4873625"/>
+          </a:xfrm>
+        </p:spPr>
+        <p:txBody>
+          <a:bodyPr anchor="ctr">
+            <a:noAutofit/>
+          </a:bodyPr>
+          <a:lstStyle/>
+          <a:p>
+            <a:pPr algn="ctr">
+              <a:lnSpc>
+                <a:spcPct val="200000"/>
+              </a:lnSpc>
+            </a:pPr>
+            <a:r>
+              <a:rPr lang="en-US" sz="2000" dirty="0"/>
+              <a:t>Although cruises to Alaska are held during summer months, a visit to Seattle in summer is no guarantee of sunshine! Keep your favorite umbrella handy!</a:t>
+            </a:r>
+          </a:p>
+        </p:txBody>
+      </p:sp>
+      <p:pic>
+        <p:nvPicPr>
+          <p:cNvPr id="5" name="Picture Placeholder 4"/>
+          <p:cNvPicPr>
+            <a:picLocks noGrp="1" noChangeAspect="1"/>
+          </p:cNvPicPr>
+          <p:nvPr>
+            <p:ph type="pic" idx="1"/>
+          </p:nvPr>
+        </p:nvPicPr>
+        <p:blipFill>
+          <a:blip r:embed="rId2">
+            <a:extLst>
+              <a:ext uri="{28A0092B-C50C-407E-A947-70E740481C1C}">
+                <a14:useLocalDpi xmlns:a14="http://schemas.microsoft.com/office/drawing/2010/main" val="0"/>
+              </a:ext>
+            </a:extLst>
+          </a:blip>
+          <a:srcRect l="7785" r="7785"/>
+          <a:stretch>
+            <a:fillRect/>
+          </a:stretch>
+        </p:blipFill>
+        <p:spPr/>
+      </p:pic>
+    </p:spTree>
+    <p:extLst>
+      <p:ext uri="{BB962C8B-B14F-4D97-AF65-F5344CB8AC3E}">
+        <p14:creationId xmlns:p14="http://schemas.microsoft.com/office/powerpoint/2010/main" val="1038816324"/>
       </p:ext>
     </p:extLst>
   </p:cSld>
@@ -5010,7 +5291,7 @@
         </p:nvSpPr>
         <p:spPr>
           <a:xfrm>
-            <a:off x="3184855" y="2678231"/>
+            <a:off x="4708855" y="2678231"/>
             <a:ext cx="5091830" cy="1477328"/>
           </a:xfrm>
           <a:prstGeom prst="rect">
@@ -5124,7 +5405,7 @@
         </p:nvSpPr>
         <p:spPr>
           <a:xfrm>
-            <a:off x="0" y="5169753"/>
+            <a:off x="1524000" y="5169753"/>
             <a:ext cx="9144000" cy="854080"/>
           </a:xfrm>
           <a:prstGeom prst="rect">
